--- a/CPSC-24700/Presentations/dynamic-documents-with-javascript.pptx
+++ b/CPSC-24700/Presentations/dynamic-documents-with-javascript.pptx
@@ -3,39 +3,41 @@
 <p:presentation xmlns:a="http://schemas.openxmlformats.org/drawingml/2006/main" xmlns:r="http://schemas.openxmlformats.org/officeDocument/2006/relationships" xmlns:p="http://schemas.openxmlformats.org/presentationml/2006/main" saveSubsetFonts="1">
   <p:sldMasterIdLst>
     <p:sldMasterId id="2147483661" r:id="rId1"/>
+    <p:sldMasterId id="2147483674" r:id="rId2"/>
   </p:sldMasterIdLst>
   <p:notesMasterIdLst>
-    <p:notesMasterId r:id="rId30"/>
+    <p:notesMasterId r:id="rId32"/>
   </p:notesMasterIdLst>
   <p:sldIdLst>
-    <p:sldId id="280" r:id="rId2"/>
-    <p:sldId id="278" r:id="rId3"/>
-    <p:sldId id="258" r:id="rId4"/>
-    <p:sldId id="283" r:id="rId5"/>
-    <p:sldId id="259" r:id="rId6"/>
-    <p:sldId id="260" r:id="rId7"/>
-    <p:sldId id="261" r:id="rId8"/>
-    <p:sldId id="262" r:id="rId9"/>
-    <p:sldId id="291" r:id="rId10"/>
-    <p:sldId id="292" r:id="rId11"/>
-    <p:sldId id="281" r:id="rId12"/>
-    <p:sldId id="288" r:id="rId13"/>
-    <p:sldId id="265" r:id="rId14"/>
-    <p:sldId id="266" r:id="rId15"/>
-    <p:sldId id="267" r:id="rId16"/>
-    <p:sldId id="269" r:id="rId17"/>
-    <p:sldId id="284" r:id="rId18"/>
-    <p:sldId id="289" r:id="rId19"/>
-    <p:sldId id="270" r:id="rId20"/>
-    <p:sldId id="285" r:id="rId21"/>
-    <p:sldId id="290" r:id="rId22"/>
-    <p:sldId id="272" r:id="rId23"/>
-    <p:sldId id="286" r:id="rId24"/>
-    <p:sldId id="293" r:id="rId25"/>
-    <p:sldId id="276" r:id="rId26"/>
-    <p:sldId id="277" r:id="rId27"/>
-    <p:sldId id="287" r:id="rId28"/>
-    <p:sldId id="279" r:id="rId29"/>
+    <p:sldId id="280" r:id="rId3"/>
+    <p:sldId id="278" r:id="rId4"/>
+    <p:sldId id="258" r:id="rId5"/>
+    <p:sldId id="283" r:id="rId6"/>
+    <p:sldId id="259" r:id="rId7"/>
+    <p:sldId id="260" r:id="rId8"/>
+    <p:sldId id="261" r:id="rId9"/>
+    <p:sldId id="262" r:id="rId10"/>
+    <p:sldId id="291" r:id="rId11"/>
+    <p:sldId id="292" r:id="rId12"/>
+    <p:sldId id="281" r:id="rId13"/>
+    <p:sldId id="288" r:id="rId14"/>
+    <p:sldId id="265" r:id="rId15"/>
+    <p:sldId id="266" r:id="rId16"/>
+    <p:sldId id="267" r:id="rId17"/>
+    <p:sldId id="269" r:id="rId18"/>
+    <p:sldId id="284" r:id="rId19"/>
+    <p:sldId id="294" r:id="rId20"/>
+    <p:sldId id="289" r:id="rId21"/>
+    <p:sldId id="270" r:id="rId22"/>
+    <p:sldId id="285" r:id="rId23"/>
+    <p:sldId id="290" r:id="rId24"/>
+    <p:sldId id="272" r:id="rId25"/>
+    <p:sldId id="286" r:id="rId26"/>
+    <p:sldId id="293" r:id="rId27"/>
+    <p:sldId id="276" r:id="rId28"/>
+    <p:sldId id="277" r:id="rId29"/>
+    <p:sldId id="287" r:id="rId30"/>
+    <p:sldId id="279" r:id="rId31"/>
   </p:sldIdLst>
   <p:sldSz cx="9144000" cy="6858000" type="screen4x3"/>
   <p:notesSz cx="6858000" cy="9144000"/>
@@ -240,7 +242,7 @@
             <a:fld id="{82AC26F5-A2E7-4901-A403-BBD25C17198C}" type="datetimeFigureOut">
               <a:rPr lang="en-US" smtClean="0"/>
               <a:pPr/>
-              <a:t>10/6/2017</a:t>
+              <a:t>10/9/2017</a:t>
             </a:fld>
             <a:endParaRPr lang="en-US"/>
           </a:p>
@@ -795,10 +797,7 @@
           <a:bodyPr/>
           <a:lstStyle/>
           <a:p>
-            <a:r>
-              <a:rPr lang="en-US" dirty="0"/>
-              <a:t>example: where.html</a:t>
-            </a:r>
+            <a:endParaRPr lang="en-US" dirty="0"/>
           </a:p>
         </p:txBody>
       </p:sp>
@@ -817,19 +816,78 @@
           <a:bodyPr/>
           <a:lstStyle/>
           <a:p>
-            <a:fld id="{40F5A9F4-14AB-4E34-9372-28158D5523BB}" type="slidenum">
-              <a:rPr lang="en-US" smtClean="0"/>
-              <a:pPr/>
-              <a:t>22</a:t>
+            <a:pPr marL="0" marR="0" lvl="0" indent="0" algn="r" defTabSz="914400" rtl="0" eaLnBrk="1" fontAlgn="auto" latinLnBrk="0" hangingPunct="1">
+              <a:lnSpc>
+                <a:spcPct val="100000"/>
+              </a:lnSpc>
+              <a:spcBef>
+                <a:spcPts val="0"/>
+              </a:spcBef>
+              <a:spcAft>
+                <a:spcPts val="0"/>
+              </a:spcAft>
+              <a:buClrTx/>
+              <a:buSzTx/>
+              <a:buFontTx/>
+              <a:buNone/>
+              <a:tabLst/>
+              <a:defRPr/>
+            </a:pPr>
+            <a:fld id="{5394DE12-7B9B-46AA-AC19-C30A49928B9B}" type="slidenum">
+              <a:rPr kumimoji="0" lang="en-US" sz="1200" b="0" i="0" u="none" strike="noStrike" kern="1200" cap="none" spc="0" normalizeH="0" baseline="0" noProof="0" smtClean="0">
+                <a:ln>
+                  <a:noFill/>
+                </a:ln>
+                <a:solidFill>
+                  <a:prstClr val="black"/>
+                </a:solidFill>
+                <a:effectLst/>
+                <a:uLnTx/>
+                <a:uFillTx/>
+                <a:latin typeface="Calibri" panose="020F0502020204030204"/>
+                <a:ea typeface="+mn-ea"/>
+                <a:cs typeface="+mn-cs"/>
+              </a:rPr>
+              <a:pPr marL="0" marR="0" lvl="0" indent="0" algn="r" defTabSz="914400" rtl="0" eaLnBrk="1" fontAlgn="auto" latinLnBrk="0" hangingPunct="1">
+                <a:lnSpc>
+                  <a:spcPct val="100000"/>
+                </a:lnSpc>
+                <a:spcBef>
+                  <a:spcPts val="0"/>
+                </a:spcBef>
+                <a:spcAft>
+                  <a:spcPts val="0"/>
+                </a:spcAft>
+                <a:buClrTx/>
+                <a:buSzTx/>
+                <a:buFontTx/>
+                <a:buNone/>
+                <a:tabLst/>
+                <a:defRPr/>
+              </a:pPr>
+              <a:t>18</a:t>
             </a:fld>
-            <a:endParaRPr lang="en-US"/>
+            <a:endParaRPr kumimoji="0" lang="en-US" sz="1200" b="0" i="0" u="none" strike="noStrike" kern="1200" cap="none" spc="0" normalizeH="0" baseline="0" noProof="0" dirty="0">
+              <a:ln>
+                <a:noFill/>
+              </a:ln>
+              <a:solidFill>
+                <a:prstClr val="black"/>
+              </a:solidFill>
+              <a:effectLst/>
+              <a:uLnTx/>
+              <a:uFillTx/>
+              <a:latin typeface="Calibri" panose="020F0502020204030204"/>
+              <a:ea typeface="+mn-ea"/>
+              <a:cs typeface="+mn-cs"/>
+            </a:endParaRPr>
           </a:p>
         </p:txBody>
       </p:sp>
     </p:spTree>
     <p:extLst>
       <p:ext uri="{BB962C8B-B14F-4D97-AF65-F5344CB8AC3E}">
-        <p14:creationId xmlns:p14="http://schemas.microsoft.com/office/powerpoint/2010/main" val="251590305"/>
+        <p14:creationId xmlns:p14="http://schemas.microsoft.com/office/powerpoint/2010/main" val="3093393580"/>
       </p:ext>
     </p:extLst>
   </p:cSld>
@@ -883,6 +941,94 @@
           <a:bodyPr/>
           <a:lstStyle/>
           <a:p>
+            <a:r>
+              <a:rPr lang="en-US" dirty="0"/>
+              <a:t>example: where.html</a:t>
+            </a:r>
+          </a:p>
+        </p:txBody>
+      </p:sp>
+      <p:sp>
+        <p:nvSpPr>
+          <p:cNvPr id="4" name="Slide Number Placeholder 3"/>
+          <p:cNvSpPr>
+            <a:spLocks noGrp="1"/>
+          </p:cNvSpPr>
+          <p:nvPr>
+            <p:ph type="sldNum" sz="quarter" idx="10"/>
+          </p:nvPr>
+        </p:nvSpPr>
+        <p:spPr/>
+        <p:txBody>
+          <a:bodyPr/>
+          <a:lstStyle/>
+          <a:p>
+            <a:fld id="{40F5A9F4-14AB-4E34-9372-28158D5523BB}" type="slidenum">
+              <a:rPr lang="en-US" smtClean="0"/>
+              <a:pPr/>
+              <a:t>23</a:t>
+            </a:fld>
+            <a:endParaRPr lang="en-US"/>
+          </a:p>
+        </p:txBody>
+      </p:sp>
+    </p:spTree>
+    <p:extLst>
+      <p:ext uri="{BB962C8B-B14F-4D97-AF65-F5344CB8AC3E}">
+        <p14:creationId xmlns:p14="http://schemas.microsoft.com/office/powerpoint/2010/main" val="251590305"/>
+      </p:ext>
+    </p:extLst>
+  </p:cSld>
+  <p:clrMapOvr>
+    <a:masterClrMapping/>
+  </p:clrMapOvr>
+</p:notes>
+</file>
+
+<file path=ppt/notesSlides/notesSlide6.xml><?xml version="1.0" encoding="utf-8"?>
+<p:notes xmlns:a="http://schemas.openxmlformats.org/drawingml/2006/main" xmlns:r="http://schemas.openxmlformats.org/officeDocument/2006/relationships" xmlns:p="http://schemas.openxmlformats.org/presentationml/2006/main">
+  <p:cSld>
+    <p:spTree>
+      <p:nvGrpSpPr>
+        <p:cNvPr id="1" name=""/>
+        <p:cNvGrpSpPr/>
+        <p:nvPr/>
+      </p:nvGrpSpPr>
+      <p:grpSpPr>
+        <a:xfrm>
+          <a:off x="0" y="0"/>
+          <a:ext cx="0" cy="0"/>
+          <a:chOff x="0" y="0"/>
+          <a:chExt cx="0" cy="0"/>
+        </a:xfrm>
+      </p:grpSpPr>
+      <p:sp>
+        <p:nvSpPr>
+          <p:cNvPr id="2" name="Slide Image Placeholder 1"/>
+          <p:cNvSpPr>
+            <a:spLocks noGrp="1" noRot="1" noChangeAspect="1"/>
+          </p:cNvSpPr>
+          <p:nvPr>
+            <p:ph type="sldImg"/>
+          </p:nvPr>
+        </p:nvSpPr>
+        <p:spPr/>
+      </p:sp>
+      <p:sp>
+        <p:nvSpPr>
+          <p:cNvPr id="3" name="Notes Placeholder 2"/>
+          <p:cNvSpPr>
+            <a:spLocks noGrp="1"/>
+          </p:cNvSpPr>
+          <p:nvPr>
+            <p:ph type="body" idx="1"/>
+          </p:nvPr>
+        </p:nvSpPr>
+        <p:spPr/>
+        <p:txBody>
+          <a:bodyPr/>
+          <a:lstStyle/>
+          <a:p>
             <a:pPr marL="0" marR="0" indent="0" algn="l" defTabSz="914400" rtl="0" eaLnBrk="1" fontAlgn="auto" latinLnBrk="0" hangingPunct="1">
               <a:lnSpc>
                 <a:spcPct val="100000"/>
@@ -928,7 +1074,7 @@
             <a:fld id="{40F5A9F4-14AB-4E34-9372-28158D5523BB}" type="slidenum">
               <a:rPr lang="en-US" smtClean="0"/>
               <a:pPr/>
-              <a:t>25</a:t>
+              <a:t>26</a:t>
             </a:fld>
             <a:endParaRPr lang="en-US"/>
           </a:p>
@@ -1077,7 +1223,7 @@
             <a:fld id="{FB7712AD-3B21-4FE9-B722-CF9B0200D9B9}" type="datetimeFigureOut">
               <a:rPr lang="en-US" smtClean="0"/>
               <a:pPr/>
-              <a:t>10/6/2017</a:t>
+              <a:t>10/9/2017</a:t>
             </a:fld>
             <a:endParaRPr lang="en-US"/>
           </a:p>
@@ -1259,7 +1405,7 @@
             <a:fld id="{FB7712AD-3B21-4FE9-B722-CF9B0200D9B9}" type="datetimeFigureOut">
               <a:rPr lang="en-US" smtClean="0"/>
               <a:pPr/>
-              <a:t>10/6/2017</a:t>
+              <a:t>10/9/2017</a:t>
             </a:fld>
             <a:endParaRPr lang="en-US"/>
           </a:p>
@@ -1451,7 +1597,7 @@
             <a:fld id="{FB7712AD-3B21-4FE9-B722-CF9B0200D9B9}" type="datetimeFigureOut">
               <a:rPr lang="en-US" smtClean="0"/>
               <a:pPr/>
-              <a:t>10/6/2017</a:t>
+              <a:t>10/9/2017</a:t>
             </a:fld>
             <a:endParaRPr lang="en-US"/>
           </a:p>
@@ -1755,6 +1901,1630 @@
 </p:sldLayout>
 </file>
 
+<file path=ppt/slideLayouts/slideLayout13.xml><?xml version="1.0" encoding="utf-8"?>
+<p:sldLayout xmlns:a="http://schemas.openxmlformats.org/drawingml/2006/main" xmlns:r="http://schemas.openxmlformats.org/officeDocument/2006/relationships" xmlns:p="http://schemas.openxmlformats.org/presentationml/2006/main" type="title" preserve="1">
+  <p:cSld name="Title Slide">
+    <p:spTree>
+      <p:nvGrpSpPr>
+        <p:cNvPr id="1" name=""/>
+        <p:cNvGrpSpPr/>
+        <p:nvPr/>
+      </p:nvGrpSpPr>
+      <p:grpSpPr>
+        <a:xfrm>
+          <a:off x="0" y="0"/>
+          <a:ext cx="0" cy="0"/>
+          <a:chOff x="0" y="0"/>
+          <a:chExt cx="0" cy="0"/>
+        </a:xfrm>
+      </p:grpSpPr>
+      <p:sp>
+        <p:nvSpPr>
+          <p:cNvPr id="2" name="Title 1">
+            <a:extLst>
+              <a:ext uri="{FF2B5EF4-FFF2-40B4-BE49-F238E27FC236}">
+                <a16:creationId xmlns:a16="http://schemas.microsoft.com/office/drawing/2014/main" id="{05A3C455-831E-4420-AAF5-7B5275339AF7}"/>
+              </a:ext>
+            </a:extLst>
+          </p:cNvPr>
+          <p:cNvSpPr>
+            <a:spLocks noGrp="1"/>
+          </p:cNvSpPr>
+          <p:nvPr>
+            <p:ph type="ctrTitle"/>
+          </p:nvPr>
+        </p:nvSpPr>
+        <p:spPr>
+          <a:xfrm>
+            <a:off x="1143000" y="1122363"/>
+            <a:ext cx="6858000" cy="2387600"/>
+          </a:xfrm>
+        </p:spPr>
+        <p:txBody>
+          <a:bodyPr anchor="b"/>
+          <a:lstStyle>
+            <a:lvl1pPr algn="ctr">
+              <a:defRPr sz="4500"/>
+            </a:lvl1pPr>
+          </a:lstStyle>
+          <a:p>
+            <a:r>
+              <a:rPr lang="en-US"/>
+              <a:t>Click to edit Master title style</a:t>
+            </a:r>
+          </a:p>
+        </p:txBody>
+      </p:sp>
+      <p:sp>
+        <p:nvSpPr>
+          <p:cNvPr id="3" name="Subtitle 2">
+            <a:extLst>
+              <a:ext uri="{FF2B5EF4-FFF2-40B4-BE49-F238E27FC236}">
+                <a16:creationId xmlns:a16="http://schemas.microsoft.com/office/drawing/2014/main" id="{7771B8BA-2662-420C-93D2-B4A75BECADDF}"/>
+              </a:ext>
+            </a:extLst>
+          </p:cNvPr>
+          <p:cNvSpPr>
+            <a:spLocks noGrp="1"/>
+          </p:cNvSpPr>
+          <p:nvPr>
+            <p:ph type="subTitle" idx="1"/>
+          </p:nvPr>
+        </p:nvSpPr>
+        <p:spPr>
+          <a:xfrm>
+            <a:off x="1143000" y="3602038"/>
+            <a:ext cx="6858000" cy="1655762"/>
+          </a:xfrm>
+        </p:spPr>
+        <p:txBody>
+          <a:bodyPr/>
+          <a:lstStyle>
+            <a:lvl1pPr marL="0" indent="0" algn="ctr">
+              <a:buNone/>
+              <a:defRPr sz="1800"/>
+            </a:lvl1pPr>
+            <a:lvl2pPr marL="342900" indent="0" algn="ctr">
+              <a:buNone/>
+              <a:defRPr sz="1500"/>
+            </a:lvl2pPr>
+            <a:lvl3pPr marL="685800" indent="0" algn="ctr">
+              <a:buNone/>
+              <a:defRPr sz="1350"/>
+            </a:lvl3pPr>
+            <a:lvl4pPr marL="1028700" indent="0" algn="ctr">
+              <a:buNone/>
+              <a:defRPr sz="1200"/>
+            </a:lvl4pPr>
+            <a:lvl5pPr marL="1371600" indent="0" algn="ctr">
+              <a:buNone/>
+              <a:defRPr sz="1200"/>
+            </a:lvl5pPr>
+            <a:lvl6pPr marL="1714500" indent="0" algn="ctr">
+              <a:buNone/>
+              <a:defRPr sz="1200"/>
+            </a:lvl6pPr>
+            <a:lvl7pPr marL="2057400" indent="0" algn="ctr">
+              <a:buNone/>
+              <a:defRPr sz="1200"/>
+            </a:lvl7pPr>
+            <a:lvl8pPr marL="2400300" indent="0" algn="ctr">
+              <a:buNone/>
+              <a:defRPr sz="1200"/>
+            </a:lvl8pPr>
+            <a:lvl9pPr marL="2743200" indent="0" algn="ctr">
+              <a:buNone/>
+              <a:defRPr sz="1200"/>
+            </a:lvl9pPr>
+          </a:lstStyle>
+          <a:p>
+            <a:r>
+              <a:rPr lang="en-US"/>
+              <a:t>Click to edit Master subtitle style</a:t>
+            </a:r>
+          </a:p>
+        </p:txBody>
+      </p:sp>
+      <p:sp>
+        <p:nvSpPr>
+          <p:cNvPr id="4" name="Date Placeholder 3">
+            <a:extLst>
+              <a:ext uri="{FF2B5EF4-FFF2-40B4-BE49-F238E27FC236}">
+                <a16:creationId xmlns:a16="http://schemas.microsoft.com/office/drawing/2014/main" id="{C4C8C490-A978-448B-B63A-95C0EDBDCDA8}"/>
+              </a:ext>
+            </a:extLst>
+          </p:cNvPr>
+          <p:cNvSpPr>
+            <a:spLocks noGrp="1"/>
+          </p:cNvSpPr>
+          <p:nvPr>
+            <p:ph type="dt" sz="half" idx="10"/>
+          </p:nvPr>
+        </p:nvSpPr>
+        <p:spPr/>
+        <p:txBody>
+          <a:bodyPr/>
+          <a:lstStyle/>
+          <a:p>
+            <a:fld id="{5FB62F81-FD80-4AA8-93CA-E835B40BE667}" type="datetimeFigureOut">
+              <a:rPr lang="en-US" smtClean="0"/>
+              <a:t>10/9/2017</a:t>
+            </a:fld>
+            <a:endParaRPr lang="en-US"/>
+          </a:p>
+        </p:txBody>
+      </p:sp>
+      <p:sp>
+        <p:nvSpPr>
+          <p:cNvPr id="5" name="Footer Placeholder 4">
+            <a:extLst>
+              <a:ext uri="{FF2B5EF4-FFF2-40B4-BE49-F238E27FC236}">
+                <a16:creationId xmlns:a16="http://schemas.microsoft.com/office/drawing/2014/main" id="{44F91E26-7A64-4211-A939-3860EB431078}"/>
+              </a:ext>
+            </a:extLst>
+          </p:cNvPr>
+          <p:cNvSpPr>
+            <a:spLocks noGrp="1"/>
+          </p:cNvSpPr>
+          <p:nvPr>
+            <p:ph type="ftr" sz="quarter" idx="11"/>
+          </p:nvPr>
+        </p:nvSpPr>
+        <p:spPr/>
+        <p:txBody>
+          <a:bodyPr/>
+          <a:lstStyle/>
+          <a:p>
+            <a:endParaRPr lang="en-US"/>
+          </a:p>
+        </p:txBody>
+      </p:sp>
+      <p:sp>
+        <p:nvSpPr>
+          <p:cNvPr id="6" name="Slide Number Placeholder 5">
+            <a:extLst>
+              <a:ext uri="{FF2B5EF4-FFF2-40B4-BE49-F238E27FC236}">
+                <a16:creationId xmlns:a16="http://schemas.microsoft.com/office/drawing/2014/main" id="{92D5C404-7D71-40A3-B09F-2957ADFC94AE}"/>
+              </a:ext>
+            </a:extLst>
+          </p:cNvPr>
+          <p:cNvSpPr>
+            <a:spLocks noGrp="1"/>
+          </p:cNvSpPr>
+          <p:nvPr>
+            <p:ph type="sldNum" sz="quarter" idx="12"/>
+          </p:nvPr>
+        </p:nvSpPr>
+        <p:spPr/>
+        <p:txBody>
+          <a:bodyPr/>
+          <a:lstStyle/>
+          <a:p>
+            <a:fld id="{6427441B-EBD2-447D-AE1D-AD6F97A1CA52}" type="slidenum">
+              <a:rPr lang="en-US" smtClean="0"/>
+              <a:t>‹#›</a:t>
+            </a:fld>
+            <a:endParaRPr lang="en-US"/>
+          </a:p>
+        </p:txBody>
+      </p:sp>
+    </p:spTree>
+    <p:extLst>
+      <p:ext uri="{BB962C8B-B14F-4D97-AF65-F5344CB8AC3E}">
+        <p14:creationId xmlns:p14="http://schemas.microsoft.com/office/powerpoint/2010/main" val="3964791698"/>
+      </p:ext>
+    </p:extLst>
+  </p:cSld>
+  <p:clrMapOvr>
+    <a:masterClrMapping/>
+  </p:clrMapOvr>
+</p:sldLayout>
+</file>
+
+<file path=ppt/slideLayouts/slideLayout14.xml><?xml version="1.0" encoding="utf-8"?>
+<p:sldLayout xmlns:a="http://schemas.openxmlformats.org/drawingml/2006/main" xmlns:r="http://schemas.openxmlformats.org/officeDocument/2006/relationships" xmlns:p="http://schemas.openxmlformats.org/presentationml/2006/main" type="obj" preserve="1">
+  <p:cSld name="Title and Content">
+    <p:spTree>
+      <p:nvGrpSpPr>
+        <p:cNvPr id="1" name=""/>
+        <p:cNvGrpSpPr/>
+        <p:nvPr/>
+      </p:nvGrpSpPr>
+      <p:grpSpPr>
+        <a:xfrm>
+          <a:off x="0" y="0"/>
+          <a:ext cx="0" cy="0"/>
+          <a:chOff x="0" y="0"/>
+          <a:chExt cx="0" cy="0"/>
+        </a:xfrm>
+      </p:grpSpPr>
+      <p:sp>
+        <p:nvSpPr>
+          <p:cNvPr id="2" name="Title 1">
+            <a:extLst>
+              <a:ext uri="{FF2B5EF4-FFF2-40B4-BE49-F238E27FC236}">
+                <a16:creationId xmlns:a16="http://schemas.microsoft.com/office/drawing/2014/main" id="{4EC65339-DC3D-4046-9ADE-47545BF138CC}"/>
+              </a:ext>
+            </a:extLst>
+          </p:cNvPr>
+          <p:cNvSpPr>
+            <a:spLocks noGrp="1"/>
+          </p:cNvSpPr>
+          <p:nvPr>
+            <p:ph type="title"/>
+          </p:nvPr>
+        </p:nvSpPr>
+        <p:spPr/>
+        <p:txBody>
+          <a:bodyPr/>
+          <a:lstStyle/>
+          <a:p>
+            <a:r>
+              <a:rPr lang="en-US"/>
+              <a:t>Click to edit Master title style</a:t>
+            </a:r>
+          </a:p>
+        </p:txBody>
+      </p:sp>
+      <p:sp>
+        <p:nvSpPr>
+          <p:cNvPr id="3" name="Content Placeholder 2">
+            <a:extLst>
+              <a:ext uri="{FF2B5EF4-FFF2-40B4-BE49-F238E27FC236}">
+                <a16:creationId xmlns:a16="http://schemas.microsoft.com/office/drawing/2014/main" id="{0718011A-7CE3-4B35-B259-549F255DA6D8}"/>
+              </a:ext>
+            </a:extLst>
+          </p:cNvPr>
+          <p:cNvSpPr>
+            <a:spLocks noGrp="1"/>
+          </p:cNvSpPr>
+          <p:nvPr>
+            <p:ph idx="1"/>
+          </p:nvPr>
+        </p:nvSpPr>
+        <p:spPr/>
+        <p:txBody>
+          <a:bodyPr/>
+          <a:lstStyle/>
+          <a:p>
+            <a:pPr lvl="0"/>
+            <a:r>
+              <a:rPr lang="en-US"/>
+              <a:t>Edit Master text styles</a:t>
+            </a:r>
+          </a:p>
+          <a:p>
+            <a:pPr lvl="1"/>
+            <a:r>
+              <a:rPr lang="en-US"/>
+              <a:t>Second level</a:t>
+            </a:r>
+          </a:p>
+          <a:p>
+            <a:pPr lvl="2"/>
+            <a:r>
+              <a:rPr lang="en-US"/>
+              <a:t>Third level</a:t>
+            </a:r>
+          </a:p>
+          <a:p>
+            <a:pPr lvl="3"/>
+            <a:r>
+              <a:rPr lang="en-US"/>
+              <a:t>Fourth level</a:t>
+            </a:r>
+          </a:p>
+          <a:p>
+            <a:pPr lvl="4"/>
+            <a:r>
+              <a:rPr lang="en-US"/>
+              <a:t>Fifth level</a:t>
+            </a:r>
+          </a:p>
+        </p:txBody>
+      </p:sp>
+      <p:sp>
+        <p:nvSpPr>
+          <p:cNvPr id="4" name="Date Placeholder 3">
+            <a:extLst>
+              <a:ext uri="{FF2B5EF4-FFF2-40B4-BE49-F238E27FC236}">
+                <a16:creationId xmlns:a16="http://schemas.microsoft.com/office/drawing/2014/main" id="{E02FC54B-4989-40E0-8190-0064B1BC3271}"/>
+              </a:ext>
+            </a:extLst>
+          </p:cNvPr>
+          <p:cNvSpPr>
+            <a:spLocks noGrp="1"/>
+          </p:cNvSpPr>
+          <p:nvPr>
+            <p:ph type="dt" sz="half" idx="10"/>
+          </p:nvPr>
+        </p:nvSpPr>
+        <p:spPr/>
+        <p:txBody>
+          <a:bodyPr/>
+          <a:lstStyle/>
+          <a:p>
+            <a:fld id="{5FB62F81-FD80-4AA8-93CA-E835B40BE667}" type="datetimeFigureOut">
+              <a:rPr lang="en-US" smtClean="0"/>
+              <a:t>10/9/2017</a:t>
+            </a:fld>
+            <a:endParaRPr lang="en-US"/>
+          </a:p>
+        </p:txBody>
+      </p:sp>
+      <p:sp>
+        <p:nvSpPr>
+          <p:cNvPr id="5" name="Footer Placeholder 4">
+            <a:extLst>
+              <a:ext uri="{FF2B5EF4-FFF2-40B4-BE49-F238E27FC236}">
+                <a16:creationId xmlns:a16="http://schemas.microsoft.com/office/drawing/2014/main" id="{269D177F-3853-4918-9396-8DB6C6AF0D01}"/>
+              </a:ext>
+            </a:extLst>
+          </p:cNvPr>
+          <p:cNvSpPr>
+            <a:spLocks noGrp="1"/>
+          </p:cNvSpPr>
+          <p:nvPr>
+            <p:ph type="ftr" sz="quarter" idx="11"/>
+          </p:nvPr>
+        </p:nvSpPr>
+        <p:spPr/>
+        <p:txBody>
+          <a:bodyPr/>
+          <a:lstStyle/>
+          <a:p>
+            <a:endParaRPr lang="en-US"/>
+          </a:p>
+        </p:txBody>
+      </p:sp>
+      <p:sp>
+        <p:nvSpPr>
+          <p:cNvPr id="6" name="Slide Number Placeholder 5">
+            <a:extLst>
+              <a:ext uri="{FF2B5EF4-FFF2-40B4-BE49-F238E27FC236}">
+                <a16:creationId xmlns:a16="http://schemas.microsoft.com/office/drawing/2014/main" id="{50E018FD-DCA7-4785-B30E-816703C003F0}"/>
+              </a:ext>
+            </a:extLst>
+          </p:cNvPr>
+          <p:cNvSpPr>
+            <a:spLocks noGrp="1"/>
+          </p:cNvSpPr>
+          <p:nvPr>
+            <p:ph type="sldNum" sz="quarter" idx="12"/>
+          </p:nvPr>
+        </p:nvSpPr>
+        <p:spPr/>
+        <p:txBody>
+          <a:bodyPr/>
+          <a:lstStyle/>
+          <a:p>
+            <a:fld id="{6427441B-EBD2-447D-AE1D-AD6F97A1CA52}" type="slidenum">
+              <a:rPr lang="en-US" smtClean="0"/>
+              <a:t>‹#›</a:t>
+            </a:fld>
+            <a:endParaRPr lang="en-US"/>
+          </a:p>
+        </p:txBody>
+      </p:sp>
+    </p:spTree>
+    <p:extLst>
+      <p:ext uri="{BB962C8B-B14F-4D97-AF65-F5344CB8AC3E}">
+        <p14:creationId xmlns:p14="http://schemas.microsoft.com/office/powerpoint/2010/main" val="2689454358"/>
+      </p:ext>
+    </p:extLst>
+  </p:cSld>
+  <p:clrMapOvr>
+    <a:masterClrMapping/>
+  </p:clrMapOvr>
+</p:sldLayout>
+</file>
+
+<file path=ppt/slideLayouts/slideLayout15.xml><?xml version="1.0" encoding="utf-8"?>
+<p:sldLayout xmlns:a="http://schemas.openxmlformats.org/drawingml/2006/main" xmlns:r="http://schemas.openxmlformats.org/officeDocument/2006/relationships" xmlns:p="http://schemas.openxmlformats.org/presentationml/2006/main" type="secHead" preserve="1">
+  <p:cSld name="Section Header">
+    <p:spTree>
+      <p:nvGrpSpPr>
+        <p:cNvPr id="1" name=""/>
+        <p:cNvGrpSpPr/>
+        <p:nvPr/>
+      </p:nvGrpSpPr>
+      <p:grpSpPr>
+        <a:xfrm>
+          <a:off x="0" y="0"/>
+          <a:ext cx="0" cy="0"/>
+          <a:chOff x="0" y="0"/>
+          <a:chExt cx="0" cy="0"/>
+        </a:xfrm>
+      </p:grpSpPr>
+      <p:sp>
+        <p:nvSpPr>
+          <p:cNvPr id="2" name="Title 1">
+            <a:extLst>
+              <a:ext uri="{FF2B5EF4-FFF2-40B4-BE49-F238E27FC236}">
+                <a16:creationId xmlns:a16="http://schemas.microsoft.com/office/drawing/2014/main" id="{9186C051-F98C-4AF9-8AEF-875A24CB5A42}"/>
+              </a:ext>
+            </a:extLst>
+          </p:cNvPr>
+          <p:cNvSpPr>
+            <a:spLocks noGrp="1"/>
+          </p:cNvSpPr>
+          <p:nvPr>
+            <p:ph type="title"/>
+          </p:nvPr>
+        </p:nvSpPr>
+        <p:spPr>
+          <a:xfrm>
+            <a:off x="623888" y="1709739"/>
+            <a:ext cx="7886700" cy="2852737"/>
+          </a:xfrm>
+        </p:spPr>
+        <p:txBody>
+          <a:bodyPr anchor="b"/>
+          <a:lstStyle>
+            <a:lvl1pPr>
+              <a:defRPr sz="4500"/>
+            </a:lvl1pPr>
+          </a:lstStyle>
+          <a:p>
+            <a:r>
+              <a:rPr lang="en-US"/>
+              <a:t>Click to edit Master title style</a:t>
+            </a:r>
+          </a:p>
+        </p:txBody>
+      </p:sp>
+      <p:sp>
+        <p:nvSpPr>
+          <p:cNvPr id="3" name="Text Placeholder 2">
+            <a:extLst>
+              <a:ext uri="{FF2B5EF4-FFF2-40B4-BE49-F238E27FC236}">
+                <a16:creationId xmlns:a16="http://schemas.microsoft.com/office/drawing/2014/main" id="{EF1CD024-06EC-4A93-8CC6-216C90D0E053}"/>
+              </a:ext>
+            </a:extLst>
+          </p:cNvPr>
+          <p:cNvSpPr>
+            <a:spLocks noGrp="1"/>
+          </p:cNvSpPr>
+          <p:nvPr>
+            <p:ph type="body" idx="1"/>
+          </p:nvPr>
+        </p:nvSpPr>
+        <p:spPr>
+          <a:xfrm>
+            <a:off x="623888" y="4589464"/>
+            <a:ext cx="7886700" cy="1500187"/>
+          </a:xfrm>
+        </p:spPr>
+        <p:txBody>
+          <a:bodyPr/>
+          <a:lstStyle>
+            <a:lvl1pPr marL="0" indent="0">
+              <a:buNone/>
+              <a:defRPr sz="1800">
+                <a:solidFill>
+                  <a:schemeClr val="tx1">
+                    <a:tint val="75000"/>
+                  </a:schemeClr>
+                </a:solidFill>
+              </a:defRPr>
+            </a:lvl1pPr>
+            <a:lvl2pPr marL="342900" indent="0">
+              <a:buNone/>
+              <a:defRPr sz="1500">
+                <a:solidFill>
+                  <a:schemeClr val="tx1">
+                    <a:tint val="75000"/>
+                  </a:schemeClr>
+                </a:solidFill>
+              </a:defRPr>
+            </a:lvl2pPr>
+            <a:lvl3pPr marL="685800" indent="0">
+              <a:buNone/>
+              <a:defRPr sz="1350">
+                <a:solidFill>
+                  <a:schemeClr val="tx1">
+                    <a:tint val="75000"/>
+                  </a:schemeClr>
+                </a:solidFill>
+              </a:defRPr>
+            </a:lvl3pPr>
+            <a:lvl4pPr marL="1028700" indent="0">
+              <a:buNone/>
+              <a:defRPr sz="1200">
+                <a:solidFill>
+                  <a:schemeClr val="tx1">
+                    <a:tint val="75000"/>
+                  </a:schemeClr>
+                </a:solidFill>
+              </a:defRPr>
+            </a:lvl4pPr>
+            <a:lvl5pPr marL="1371600" indent="0">
+              <a:buNone/>
+              <a:defRPr sz="1200">
+                <a:solidFill>
+                  <a:schemeClr val="tx1">
+                    <a:tint val="75000"/>
+                  </a:schemeClr>
+                </a:solidFill>
+              </a:defRPr>
+            </a:lvl5pPr>
+            <a:lvl6pPr marL="1714500" indent="0">
+              <a:buNone/>
+              <a:defRPr sz="1200">
+                <a:solidFill>
+                  <a:schemeClr val="tx1">
+                    <a:tint val="75000"/>
+                  </a:schemeClr>
+                </a:solidFill>
+              </a:defRPr>
+            </a:lvl6pPr>
+            <a:lvl7pPr marL="2057400" indent="0">
+              <a:buNone/>
+              <a:defRPr sz="1200">
+                <a:solidFill>
+                  <a:schemeClr val="tx1">
+                    <a:tint val="75000"/>
+                  </a:schemeClr>
+                </a:solidFill>
+              </a:defRPr>
+            </a:lvl7pPr>
+            <a:lvl8pPr marL="2400300" indent="0">
+              <a:buNone/>
+              <a:defRPr sz="1200">
+                <a:solidFill>
+                  <a:schemeClr val="tx1">
+                    <a:tint val="75000"/>
+                  </a:schemeClr>
+                </a:solidFill>
+              </a:defRPr>
+            </a:lvl8pPr>
+            <a:lvl9pPr marL="2743200" indent="0">
+              <a:buNone/>
+              <a:defRPr sz="1200">
+                <a:solidFill>
+                  <a:schemeClr val="tx1">
+                    <a:tint val="75000"/>
+                  </a:schemeClr>
+                </a:solidFill>
+              </a:defRPr>
+            </a:lvl9pPr>
+          </a:lstStyle>
+          <a:p>
+            <a:pPr lvl="0"/>
+            <a:r>
+              <a:rPr lang="en-US"/>
+              <a:t>Edit Master text styles</a:t>
+            </a:r>
+          </a:p>
+        </p:txBody>
+      </p:sp>
+      <p:sp>
+        <p:nvSpPr>
+          <p:cNvPr id="4" name="Date Placeholder 3">
+            <a:extLst>
+              <a:ext uri="{FF2B5EF4-FFF2-40B4-BE49-F238E27FC236}">
+                <a16:creationId xmlns:a16="http://schemas.microsoft.com/office/drawing/2014/main" id="{610D3C9A-8421-4C3E-8B4A-FCFB60601267}"/>
+              </a:ext>
+            </a:extLst>
+          </p:cNvPr>
+          <p:cNvSpPr>
+            <a:spLocks noGrp="1"/>
+          </p:cNvSpPr>
+          <p:nvPr>
+            <p:ph type="dt" sz="half" idx="10"/>
+          </p:nvPr>
+        </p:nvSpPr>
+        <p:spPr/>
+        <p:txBody>
+          <a:bodyPr/>
+          <a:lstStyle/>
+          <a:p>
+            <a:fld id="{5FB62F81-FD80-4AA8-93CA-E835B40BE667}" type="datetimeFigureOut">
+              <a:rPr lang="en-US" smtClean="0"/>
+              <a:t>10/9/2017</a:t>
+            </a:fld>
+            <a:endParaRPr lang="en-US"/>
+          </a:p>
+        </p:txBody>
+      </p:sp>
+      <p:sp>
+        <p:nvSpPr>
+          <p:cNvPr id="5" name="Footer Placeholder 4">
+            <a:extLst>
+              <a:ext uri="{FF2B5EF4-FFF2-40B4-BE49-F238E27FC236}">
+                <a16:creationId xmlns:a16="http://schemas.microsoft.com/office/drawing/2014/main" id="{03E583CB-0B91-414A-B739-8022E58F55A0}"/>
+              </a:ext>
+            </a:extLst>
+          </p:cNvPr>
+          <p:cNvSpPr>
+            <a:spLocks noGrp="1"/>
+          </p:cNvSpPr>
+          <p:nvPr>
+            <p:ph type="ftr" sz="quarter" idx="11"/>
+          </p:nvPr>
+        </p:nvSpPr>
+        <p:spPr/>
+        <p:txBody>
+          <a:bodyPr/>
+          <a:lstStyle/>
+          <a:p>
+            <a:endParaRPr lang="en-US"/>
+          </a:p>
+        </p:txBody>
+      </p:sp>
+      <p:sp>
+        <p:nvSpPr>
+          <p:cNvPr id="6" name="Slide Number Placeholder 5">
+            <a:extLst>
+              <a:ext uri="{FF2B5EF4-FFF2-40B4-BE49-F238E27FC236}">
+                <a16:creationId xmlns:a16="http://schemas.microsoft.com/office/drawing/2014/main" id="{634DE307-2DDB-45DB-8E10-FA3993C53B8A}"/>
+              </a:ext>
+            </a:extLst>
+          </p:cNvPr>
+          <p:cNvSpPr>
+            <a:spLocks noGrp="1"/>
+          </p:cNvSpPr>
+          <p:nvPr>
+            <p:ph type="sldNum" sz="quarter" idx="12"/>
+          </p:nvPr>
+        </p:nvSpPr>
+        <p:spPr/>
+        <p:txBody>
+          <a:bodyPr/>
+          <a:lstStyle/>
+          <a:p>
+            <a:fld id="{6427441B-EBD2-447D-AE1D-AD6F97A1CA52}" type="slidenum">
+              <a:rPr lang="en-US" smtClean="0"/>
+              <a:t>‹#›</a:t>
+            </a:fld>
+            <a:endParaRPr lang="en-US"/>
+          </a:p>
+        </p:txBody>
+      </p:sp>
+    </p:spTree>
+    <p:extLst>
+      <p:ext uri="{BB962C8B-B14F-4D97-AF65-F5344CB8AC3E}">
+        <p14:creationId xmlns:p14="http://schemas.microsoft.com/office/powerpoint/2010/main" val="1926279272"/>
+      </p:ext>
+    </p:extLst>
+  </p:cSld>
+  <p:clrMapOvr>
+    <a:masterClrMapping/>
+  </p:clrMapOvr>
+</p:sldLayout>
+</file>
+
+<file path=ppt/slideLayouts/slideLayout16.xml><?xml version="1.0" encoding="utf-8"?>
+<p:sldLayout xmlns:a="http://schemas.openxmlformats.org/drawingml/2006/main" xmlns:r="http://schemas.openxmlformats.org/officeDocument/2006/relationships" xmlns:p="http://schemas.openxmlformats.org/presentationml/2006/main" type="twoObj" preserve="1">
+  <p:cSld name="Two Content">
+    <p:spTree>
+      <p:nvGrpSpPr>
+        <p:cNvPr id="1" name=""/>
+        <p:cNvGrpSpPr/>
+        <p:nvPr/>
+      </p:nvGrpSpPr>
+      <p:grpSpPr>
+        <a:xfrm>
+          <a:off x="0" y="0"/>
+          <a:ext cx="0" cy="0"/>
+          <a:chOff x="0" y="0"/>
+          <a:chExt cx="0" cy="0"/>
+        </a:xfrm>
+      </p:grpSpPr>
+      <p:sp>
+        <p:nvSpPr>
+          <p:cNvPr id="2" name="Title 1">
+            <a:extLst>
+              <a:ext uri="{FF2B5EF4-FFF2-40B4-BE49-F238E27FC236}">
+                <a16:creationId xmlns:a16="http://schemas.microsoft.com/office/drawing/2014/main" id="{D11B7465-3AC4-420D-8FB1-ABCF5949DF92}"/>
+              </a:ext>
+            </a:extLst>
+          </p:cNvPr>
+          <p:cNvSpPr>
+            <a:spLocks noGrp="1"/>
+          </p:cNvSpPr>
+          <p:nvPr>
+            <p:ph type="title"/>
+          </p:nvPr>
+        </p:nvSpPr>
+        <p:spPr/>
+        <p:txBody>
+          <a:bodyPr/>
+          <a:lstStyle/>
+          <a:p>
+            <a:r>
+              <a:rPr lang="en-US"/>
+              <a:t>Click to edit Master title style</a:t>
+            </a:r>
+          </a:p>
+        </p:txBody>
+      </p:sp>
+      <p:sp>
+        <p:nvSpPr>
+          <p:cNvPr id="3" name="Content Placeholder 2">
+            <a:extLst>
+              <a:ext uri="{FF2B5EF4-FFF2-40B4-BE49-F238E27FC236}">
+                <a16:creationId xmlns:a16="http://schemas.microsoft.com/office/drawing/2014/main" id="{2A2674F1-D18D-427C-9923-81F07500D57F}"/>
+              </a:ext>
+            </a:extLst>
+          </p:cNvPr>
+          <p:cNvSpPr>
+            <a:spLocks noGrp="1"/>
+          </p:cNvSpPr>
+          <p:nvPr>
+            <p:ph sz="half" idx="1"/>
+          </p:nvPr>
+        </p:nvSpPr>
+        <p:spPr>
+          <a:xfrm>
+            <a:off x="628650" y="1825625"/>
+            <a:ext cx="3886200" cy="4351338"/>
+          </a:xfrm>
+        </p:spPr>
+        <p:txBody>
+          <a:bodyPr/>
+          <a:lstStyle/>
+          <a:p>
+            <a:pPr lvl="0"/>
+            <a:r>
+              <a:rPr lang="en-US"/>
+              <a:t>Edit Master text styles</a:t>
+            </a:r>
+          </a:p>
+          <a:p>
+            <a:pPr lvl="1"/>
+            <a:r>
+              <a:rPr lang="en-US"/>
+              <a:t>Second level</a:t>
+            </a:r>
+          </a:p>
+          <a:p>
+            <a:pPr lvl="2"/>
+            <a:r>
+              <a:rPr lang="en-US"/>
+              <a:t>Third level</a:t>
+            </a:r>
+          </a:p>
+          <a:p>
+            <a:pPr lvl="3"/>
+            <a:r>
+              <a:rPr lang="en-US"/>
+              <a:t>Fourth level</a:t>
+            </a:r>
+          </a:p>
+          <a:p>
+            <a:pPr lvl="4"/>
+            <a:r>
+              <a:rPr lang="en-US"/>
+              <a:t>Fifth level</a:t>
+            </a:r>
+          </a:p>
+        </p:txBody>
+      </p:sp>
+      <p:sp>
+        <p:nvSpPr>
+          <p:cNvPr id="4" name="Content Placeholder 3">
+            <a:extLst>
+              <a:ext uri="{FF2B5EF4-FFF2-40B4-BE49-F238E27FC236}">
+                <a16:creationId xmlns:a16="http://schemas.microsoft.com/office/drawing/2014/main" id="{CED0845B-5E56-48A9-857D-9377324191AA}"/>
+              </a:ext>
+            </a:extLst>
+          </p:cNvPr>
+          <p:cNvSpPr>
+            <a:spLocks noGrp="1"/>
+          </p:cNvSpPr>
+          <p:nvPr>
+            <p:ph sz="half" idx="2"/>
+          </p:nvPr>
+        </p:nvSpPr>
+        <p:spPr>
+          <a:xfrm>
+            <a:off x="4629150" y="1825625"/>
+            <a:ext cx="3886200" cy="4351338"/>
+          </a:xfrm>
+        </p:spPr>
+        <p:txBody>
+          <a:bodyPr/>
+          <a:lstStyle/>
+          <a:p>
+            <a:pPr lvl="0"/>
+            <a:r>
+              <a:rPr lang="en-US"/>
+              <a:t>Edit Master text styles</a:t>
+            </a:r>
+          </a:p>
+          <a:p>
+            <a:pPr lvl="1"/>
+            <a:r>
+              <a:rPr lang="en-US"/>
+              <a:t>Second level</a:t>
+            </a:r>
+          </a:p>
+          <a:p>
+            <a:pPr lvl="2"/>
+            <a:r>
+              <a:rPr lang="en-US"/>
+              <a:t>Third level</a:t>
+            </a:r>
+          </a:p>
+          <a:p>
+            <a:pPr lvl="3"/>
+            <a:r>
+              <a:rPr lang="en-US"/>
+              <a:t>Fourth level</a:t>
+            </a:r>
+          </a:p>
+          <a:p>
+            <a:pPr lvl="4"/>
+            <a:r>
+              <a:rPr lang="en-US"/>
+              <a:t>Fifth level</a:t>
+            </a:r>
+          </a:p>
+        </p:txBody>
+      </p:sp>
+      <p:sp>
+        <p:nvSpPr>
+          <p:cNvPr id="5" name="Date Placeholder 4">
+            <a:extLst>
+              <a:ext uri="{FF2B5EF4-FFF2-40B4-BE49-F238E27FC236}">
+                <a16:creationId xmlns:a16="http://schemas.microsoft.com/office/drawing/2014/main" id="{72C89C73-D75E-4B3D-97C8-DBB0E68636E5}"/>
+              </a:ext>
+            </a:extLst>
+          </p:cNvPr>
+          <p:cNvSpPr>
+            <a:spLocks noGrp="1"/>
+          </p:cNvSpPr>
+          <p:nvPr>
+            <p:ph type="dt" sz="half" idx="10"/>
+          </p:nvPr>
+        </p:nvSpPr>
+        <p:spPr/>
+        <p:txBody>
+          <a:bodyPr/>
+          <a:lstStyle/>
+          <a:p>
+            <a:fld id="{5FB62F81-FD80-4AA8-93CA-E835B40BE667}" type="datetimeFigureOut">
+              <a:rPr lang="en-US" smtClean="0"/>
+              <a:t>10/9/2017</a:t>
+            </a:fld>
+            <a:endParaRPr lang="en-US"/>
+          </a:p>
+        </p:txBody>
+      </p:sp>
+      <p:sp>
+        <p:nvSpPr>
+          <p:cNvPr id="6" name="Footer Placeholder 5">
+            <a:extLst>
+              <a:ext uri="{FF2B5EF4-FFF2-40B4-BE49-F238E27FC236}">
+                <a16:creationId xmlns:a16="http://schemas.microsoft.com/office/drawing/2014/main" id="{5953AFEA-8A7F-45CF-93B8-7F3B5A069232}"/>
+              </a:ext>
+            </a:extLst>
+          </p:cNvPr>
+          <p:cNvSpPr>
+            <a:spLocks noGrp="1"/>
+          </p:cNvSpPr>
+          <p:nvPr>
+            <p:ph type="ftr" sz="quarter" idx="11"/>
+          </p:nvPr>
+        </p:nvSpPr>
+        <p:spPr/>
+        <p:txBody>
+          <a:bodyPr/>
+          <a:lstStyle/>
+          <a:p>
+            <a:endParaRPr lang="en-US"/>
+          </a:p>
+        </p:txBody>
+      </p:sp>
+      <p:sp>
+        <p:nvSpPr>
+          <p:cNvPr id="7" name="Slide Number Placeholder 6">
+            <a:extLst>
+              <a:ext uri="{FF2B5EF4-FFF2-40B4-BE49-F238E27FC236}">
+                <a16:creationId xmlns:a16="http://schemas.microsoft.com/office/drawing/2014/main" id="{A139FC2F-B2E0-4898-8B67-7BB87BCA5A4C}"/>
+              </a:ext>
+            </a:extLst>
+          </p:cNvPr>
+          <p:cNvSpPr>
+            <a:spLocks noGrp="1"/>
+          </p:cNvSpPr>
+          <p:nvPr>
+            <p:ph type="sldNum" sz="quarter" idx="12"/>
+          </p:nvPr>
+        </p:nvSpPr>
+        <p:spPr/>
+        <p:txBody>
+          <a:bodyPr/>
+          <a:lstStyle/>
+          <a:p>
+            <a:fld id="{6427441B-EBD2-447D-AE1D-AD6F97A1CA52}" type="slidenum">
+              <a:rPr lang="en-US" smtClean="0"/>
+              <a:t>‹#›</a:t>
+            </a:fld>
+            <a:endParaRPr lang="en-US"/>
+          </a:p>
+        </p:txBody>
+      </p:sp>
+    </p:spTree>
+    <p:extLst>
+      <p:ext uri="{BB962C8B-B14F-4D97-AF65-F5344CB8AC3E}">
+        <p14:creationId xmlns:p14="http://schemas.microsoft.com/office/powerpoint/2010/main" val="3726283501"/>
+      </p:ext>
+    </p:extLst>
+  </p:cSld>
+  <p:clrMapOvr>
+    <a:masterClrMapping/>
+  </p:clrMapOvr>
+</p:sldLayout>
+</file>
+
+<file path=ppt/slideLayouts/slideLayout17.xml><?xml version="1.0" encoding="utf-8"?>
+<p:sldLayout xmlns:a="http://schemas.openxmlformats.org/drawingml/2006/main" xmlns:r="http://schemas.openxmlformats.org/officeDocument/2006/relationships" xmlns:p="http://schemas.openxmlformats.org/presentationml/2006/main" type="twoTxTwoObj" preserve="1">
+  <p:cSld name="Comparison">
+    <p:spTree>
+      <p:nvGrpSpPr>
+        <p:cNvPr id="1" name=""/>
+        <p:cNvGrpSpPr/>
+        <p:nvPr/>
+      </p:nvGrpSpPr>
+      <p:grpSpPr>
+        <a:xfrm>
+          <a:off x="0" y="0"/>
+          <a:ext cx="0" cy="0"/>
+          <a:chOff x="0" y="0"/>
+          <a:chExt cx="0" cy="0"/>
+        </a:xfrm>
+      </p:grpSpPr>
+      <p:sp>
+        <p:nvSpPr>
+          <p:cNvPr id="2" name="Title 1">
+            <a:extLst>
+              <a:ext uri="{FF2B5EF4-FFF2-40B4-BE49-F238E27FC236}">
+                <a16:creationId xmlns:a16="http://schemas.microsoft.com/office/drawing/2014/main" id="{9C6FE785-9F16-4311-A71A-94203A1CC686}"/>
+              </a:ext>
+            </a:extLst>
+          </p:cNvPr>
+          <p:cNvSpPr>
+            <a:spLocks noGrp="1"/>
+          </p:cNvSpPr>
+          <p:nvPr>
+            <p:ph type="title"/>
+          </p:nvPr>
+        </p:nvSpPr>
+        <p:spPr>
+          <a:xfrm>
+            <a:off x="629841" y="365126"/>
+            <a:ext cx="7886700" cy="1325563"/>
+          </a:xfrm>
+        </p:spPr>
+        <p:txBody>
+          <a:bodyPr/>
+          <a:lstStyle/>
+          <a:p>
+            <a:r>
+              <a:rPr lang="en-US"/>
+              <a:t>Click to edit Master title style</a:t>
+            </a:r>
+          </a:p>
+        </p:txBody>
+      </p:sp>
+      <p:sp>
+        <p:nvSpPr>
+          <p:cNvPr id="3" name="Text Placeholder 2">
+            <a:extLst>
+              <a:ext uri="{FF2B5EF4-FFF2-40B4-BE49-F238E27FC236}">
+                <a16:creationId xmlns:a16="http://schemas.microsoft.com/office/drawing/2014/main" id="{3C90E02F-1513-431D-8BD6-DC72FCA35958}"/>
+              </a:ext>
+            </a:extLst>
+          </p:cNvPr>
+          <p:cNvSpPr>
+            <a:spLocks noGrp="1"/>
+          </p:cNvSpPr>
+          <p:nvPr>
+            <p:ph type="body" idx="1"/>
+          </p:nvPr>
+        </p:nvSpPr>
+        <p:spPr>
+          <a:xfrm>
+            <a:off x="629842" y="1681163"/>
+            <a:ext cx="3868340" cy="823912"/>
+          </a:xfrm>
+        </p:spPr>
+        <p:txBody>
+          <a:bodyPr anchor="b"/>
+          <a:lstStyle>
+            <a:lvl1pPr marL="0" indent="0">
+              <a:buNone/>
+              <a:defRPr sz="1800" b="1"/>
+            </a:lvl1pPr>
+            <a:lvl2pPr marL="342900" indent="0">
+              <a:buNone/>
+              <a:defRPr sz="1500" b="1"/>
+            </a:lvl2pPr>
+            <a:lvl3pPr marL="685800" indent="0">
+              <a:buNone/>
+              <a:defRPr sz="1350" b="1"/>
+            </a:lvl3pPr>
+            <a:lvl4pPr marL="1028700" indent="0">
+              <a:buNone/>
+              <a:defRPr sz="1200" b="1"/>
+            </a:lvl4pPr>
+            <a:lvl5pPr marL="1371600" indent="0">
+              <a:buNone/>
+              <a:defRPr sz="1200" b="1"/>
+            </a:lvl5pPr>
+            <a:lvl6pPr marL="1714500" indent="0">
+              <a:buNone/>
+              <a:defRPr sz="1200" b="1"/>
+            </a:lvl6pPr>
+            <a:lvl7pPr marL="2057400" indent="0">
+              <a:buNone/>
+              <a:defRPr sz="1200" b="1"/>
+            </a:lvl7pPr>
+            <a:lvl8pPr marL="2400300" indent="0">
+              <a:buNone/>
+              <a:defRPr sz="1200" b="1"/>
+            </a:lvl8pPr>
+            <a:lvl9pPr marL="2743200" indent="0">
+              <a:buNone/>
+              <a:defRPr sz="1200" b="1"/>
+            </a:lvl9pPr>
+          </a:lstStyle>
+          <a:p>
+            <a:pPr lvl="0"/>
+            <a:r>
+              <a:rPr lang="en-US"/>
+              <a:t>Edit Master text styles</a:t>
+            </a:r>
+          </a:p>
+        </p:txBody>
+      </p:sp>
+      <p:sp>
+        <p:nvSpPr>
+          <p:cNvPr id="4" name="Content Placeholder 3">
+            <a:extLst>
+              <a:ext uri="{FF2B5EF4-FFF2-40B4-BE49-F238E27FC236}">
+                <a16:creationId xmlns:a16="http://schemas.microsoft.com/office/drawing/2014/main" id="{DCE3A99F-6893-49D8-BE13-26CA09F038A5}"/>
+              </a:ext>
+            </a:extLst>
+          </p:cNvPr>
+          <p:cNvSpPr>
+            <a:spLocks noGrp="1"/>
+          </p:cNvSpPr>
+          <p:nvPr>
+            <p:ph sz="half" idx="2"/>
+          </p:nvPr>
+        </p:nvSpPr>
+        <p:spPr>
+          <a:xfrm>
+            <a:off x="629842" y="2505075"/>
+            <a:ext cx="3868340" cy="3684588"/>
+          </a:xfrm>
+        </p:spPr>
+        <p:txBody>
+          <a:bodyPr/>
+          <a:lstStyle/>
+          <a:p>
+            <a:pPr lvl="0"/>
+            <a:r>
+              <a:rPr lang="en-US"/>
+              <a:t>Edit Master text styles</a:t>
+            </a:r>
+          </a:p>
+          <a:p>
+            <a:pPr lvl="1"/>
+            <a:r>
+              <a:rPr lang="en-US"/>
+              <a:t>Second level</a:t>
+            </a:r>
+          </a:p>
+          <a:p>
+            <a:pPr lvl="2"/>
+            <a:r>
+              <a:rPr lang="en-US"/>
+              <a:t>Third level</a:t>
+            </a:r>
+          </a:p>
+          <a:p>
+            <a:pPr lvl="3"/>
+            <a:r>
+              <a:rPr lang="en-US"/>
+              <a:t>Fourth level</a:t>
+            </a:r>
+          </a:p>
+          <a:p>
+            <a:pPr lvl="4"/>
+            <a:r>
+              <a:rPr lang="en-US"/>
+              <a:t>Fifth level</a:t>
+            </a:r>
+          </a:p>
+        </p:txBody>
+      </p:sp>
+      <p:sp>
+        <p:nvSpPr>
+          <p:cNvPr id="5" name="Text Placeholder 4">
+            <a:extLst>
+              <a:ext uri="{FF2B5EF4-FFF2-40B4-BE49-F238E27FC236}">
+                <a16:creationId xmlns:a16="http://schemas.microsoft.com/office/drawing/2014/main" id="{D675ABEE-2ABE-4861-A480-D9CA5ABD27D1}"/>
+              </a:ext>
+            </a:extLst>
+          </p:cNvPr>
+          <p:cNvSpPr>
+            <a:spLocks noGrp="1"/>
+          </p:cNvSpPr>
+          <p:nvPr>
+            <p:ph type="body" sz="quarter" idx="3"/>
+          </p:nvPr>
+        </p:nvSpPr>
+        <p:spPr>
+          <a:xfrm>
+            <a:off x="4629150" y="1681163"/>
+            <a:ext cx="3887391" cy="823912"/>
+          </a:xfrm>
+        </p:spPr>
+        <p:txBody>
+          <a:bodyPr anchor="b"/>
+          <a:lstStyle>
+            <a:lvl1pPr marL="0" indent="0">
+              <a:buNone/>
+              <a:defRPr sz="1800" b="1"/>
+            </a:lvl1pPr>
+            <a:lvl2pPr marL="342900" indent="0">
+              <a:buNone/>
+              <a:defRPr sz="1500" b="1"/>
+            </a:lvl2pPr>
+            <a:lvl3pPr marL="685800" indent="0">
+              <a:buNone/>
+              <a:defRPr sz="1350" b="1"/>
+            </a:lvl3pPr>
+            <a:lvl4pPr marL="1028700" indent="0">
+              <a:buNone/>
+              <a:defRPr sz="1200" b="1"/>
+            </a:lvl4pPr>
+            <a:lvl5pPr marL="1371600" indent="0">
+              <a:buNone/>
+              <a:defRPr sz="1200" b="1"/>
+            </a:lvl5pPr>
+            <a:lvl6pPr marL="1714500" indent="0">
+              <a:buNone/>
+              <a:defRPr sz="1200" b="1"/>
+            </a:lvl6pPr>
+            <a:lvl7pPr marL="2057400" indent="0">
+              <a:buNone/>
+              <a:defRPr sz="1200" b="1"/>
+            </a:lvl7pPr>
+            <a:lvl8pPr marL="2400300" indent="0">
+              <a:buNone/>
+              <a:defRPr sz="1200" b="1"/>
+            </a:lvl8pPr>
+            <a:lvl9pPr marL="2743200" indent="0">
+              <a:buNone/>
+              <a:defRPr sz="1200" b="1"/>
+            </a:lvl9pPr>
+          </a:lstStyle>
+          <a:p>
+            <a:pPr lvl="0"/>
+            <a:r>
+              <a:rPr lang="en-US"/>
+              <a:t>Edit Master text styles</a:t>
+            </a:r>
+          </a:p>
+        </p:txBody>
+      </p:sp>
+      <p:sp>
+        <p:nvSpPr>
+          <p:cNvPr id="6" name="Content Placeholder 5">
+            <a:extLst>
+              <a:ext uri="{FF2B5EF4-FFF2-40B4-BE49-F238E27FC236}">
+                <a16:creationId xmlns:a16="http://schemas.microsoft.com/office/drawing/2014/main" id="{4C98955B-715F-4992-B5DC-774996D3DF4A}"/>
+              </a:ext>
+            </a:extLst>
+          </p:cNvPr>
+          <p:cNvSpPr>
+            <a:spLocks noGrp="1"/>
+          </p:cNvSpPr>
+          <p:nvPr>
+            <p:ph sz="quarter" idx="4"/>
+          </p:nvPr>
+        </p:nvSpPr>
+        <p:spPr>
+          <a:xfrm>
+            <a:off x="4629150" y="2505075"/>
+            <a:ext cx="3887391" cy="3684588"/>
+          </a:xfrm>
+        </p:spPr>
+        <p:txBody>
+          <a:bodyPr/>
+          <a:lstStyle/>
+          <a:p>
+            <a:pPr lvl="0"/>
+            <a:r>
+              <a:rPr lang="en-US"/>
+              <a:t>Edit Master text styles</a:t>
+            </a:r>
+          </a:p>
+          <a:p>
+            <a:pPr lvl="1"/>
+            <a:r>
+              <a:rPr lang="en-US"/>
+              <a:t>Second level</a:t>
+            </a:r>
+          </a:p>
+          <a:p>
+            <a:pPr lvl="2"/>
+            <a:r>
+              <a:rPr lang="en-US"/>
+              <a:t>Third level</a:t>
+            </a:r>
+          </a:p>
+          <a:p>
+            <a:pPr lvl="3"/>
+            <a:r>
+              <a:rPr lang="en-US"/>
+              <a:t>Fourth level</a:t>
+            </a:r>
+          </a:p>
+          <a:p>
+            <a:pPr lvl="4"/>
+            <a:r>
+              <a:rPr lang="en-US"/>
+              <a:t>Fifth level</a:t>
+            </a:r>
+          </a:p>
+        </p:txBody>
+      </p:sp>
+      <p:sp>
+        <p:nvSpPr>
+          <p:cNvPr id="7" name="Date Placeholder 6">
+            <a:extLst>
+              <a:ext uri="{FF2B5EF4-FFF2-40B4-BE49-F238E27FC236}">
+                <a16:creationId xmlns:a16="http://schemas.microsoft.com/office/drawing/2014/main" id="{43E99852-689C-485E-A1CD-81301E00BA47}"/>
+              </a:ext>
+            </a:extLst>
+          </p:cNvPr>
+          <p:cNvSpPr>
+            <a:spLocks noGrp="1"/>
+          </p:cNvSpPr>
+          <p:nvPr>
+            <p:ph type="dt" sz="half" idx="10"/>
+          </p:nvPr>
+        </p:nvSpPr>
+        <p:spPr/>
+        <p:txBody>
+          <a:bodyPr/>
+          <a:lstStyle/>
+          <a:p>
+            <a:fld id="{5FB62F81-FD80-4AA8-93CA-E835B40BE667}" type="datetimeFigureOut">
+              <a:rPr lang="en-US" smtClean="0"/>
+              <a:t>10/9/2017</a:t>
+            </a:fld>
+            <a:endParaRPr lang="en-US"/>
+          </a:p>
+        </p:txBody>
+      </p:sp>
+      <p:sp>
+        <p:nvSpPr>
+          <p:cNvPr id="8" name="Footer Placeholder 7">
+            <a:extLst>
+              <a:ext uri="{FF2B5EF4-FFF2-40B4-BE49-F238E27FC236}">
+                <a16:creationId xmlns:a16="http://schemas.microsoft.com/office/drawing/2014/main" id="{13846F57-A636-4AEB-AE87-4BB1D733D2D2}"/>
+              </a:ext>
+            </a:extLst>
+          </p:cNvPr>
+          <p:cNvSpPr>
+            <a:spLocks noGrp="1"/>
+          </p:cNvSpPr>
+          <p:nvPr>
+            <p:ph type="ftr" sz="quarter" idx="11"/>
+          </p:nvPr>
+        </p:nvSpPr>
+        <p:spPr/>
+        <p:txBody>
+          <a:bodyPr/>
+          <a:lstStyle/>
+          <a:p>
+            <a:endParaRPr lang="en-US"/>
+          </a:p>
+        </p:txBody>
+      </p:sp>
+      <p:sp>
+        <p:nvSpPr>
+          <p:cNvPr id="9" name="Slide Number Placeholder 8">
+            <a:extLst>
+              <a:ext uri="{FF2B5EF4-FFF2-40B4-BE49-F238E27FC236}">
+                <a16:creationId xmlns:a16="http://schemas.microsoft.com/office/drawing/2014/main" id="{68DCD6FC-D99A-4BF2-85FF-4C93EE851F96}"/>
+              </a:ext>
+            </a:extLst>
+          </p:cNvPr>
+          <p:cNvSpPr>
+            <a:spLocks noGrp="1"/>
+          </p:cNvSpPr>
+          <p:nvPr>
+            <p:ph type="sldNum" sz="quarter" idx="12"/>
+          </p:nvPr>
+        </p:nvSpPr>
+        <p:spPr/>
+        <p:txBody>
+          <a:bodyPr/>
+          <a:lstStyle/>
+          <a:p>
+            <a:fld id="{6427441B-EBD2-447D-AE1D-AD6F97A1CA52}" type="slidenum">
+              <a:rPr lang="en-US" smtClean="0"/>
+              <a:t>‹#›</a:t>
+            </a:fld>
+            <a:endParaRPr lang="en-US"/>
+          </a:p>
+        </p:txBody>
+      </p:sp>
+    </p:spTree>
+    <p:extLst>
+      <p:ext uri="{BB962C8B-B14F-4D97-AF65-F5344CB8AC3E}">
+        <p14:creationId xmlns:p14="http://schemas.microsoft.com/office/powerpoint/2010/main" val="3776684383"/>
+      </p:ext>
+    </p:extLst>
+  </p:cSld>
+  <p:clrMapOvr>
+    <a:masterClrMapping/>
+  </p:clrMapOvr>
+</p:sldLayout>
+</file>
+
+<file path=ppt/slideLayouts/slideLayout18.xml><?xml version="1.0" encoding="utf-8"?>
+<p:sldLayout xmlns:a="http://schemas.openxmlformats.org/drawingml/2006/main" xmlns:r="http://schemas.openxmlformats.org/officeDocument/2006/relationships" xmlns:p="http://schemas.openxmlformats.org/presentationml/2006/main" type="titleOnly" preserve="1">
+  <p:cSld name="Title Only">
+    <p:spTree>
+      <p:nvGrpSpPr>
+        <p:cNvPr id="1" name=""/>
+        <p:cNvGrpSpPr/>
+        <p:nvPr/>
+      </p:nvGrpSpPr>
+      <p:grpSpPr>
+        <a:xfrm>
+          <a:off x="0" y="0"/>
+          <a:ext cx="0" cy="0"/>
+          <a:chOff x="0" y="0"/>
+          <a:chExt cx="0" cy="0"/>
+        </a:xfrm>
+      </p:grpSpPr>
+      <p:sp>
+        <p:nvSpPr>
+          <p:cNvPr id="2" name="Title 1">
+            <a:extLst>
+              <a:ext uri="{FF2B5EF4-FFF2-40B4-BE49-F238E27FC236}">
+                <a16:creationId xmlns:a16="http://schemas.microsoft.com/office/drawing/2014/main" id="{B77147B3-7610-4B0C-AA06-ACFCEC7D28D4}"/>
+              </a:ext>
+            </a:extLst>
+          </p:cNvPr>
+          <p:cNvSpPr>
+            <a:spLocks noGrp="1"/>
+          </p:cNvSpPr>
+          <p:nvPr>
+            <p:ph type="title"/>
+          </p:nvPr>
+        </p:nvSpPr>
+        <p:spPr/>
+        <p:txBody>
+          <a:bodyPr/>
+          <a:lstStyle/>
+          <a:p>
+            <a:r>
+              <a:rPr lang="en-US"/>
+              <a:t>Click to edit Master title style</a:t>
+            </a:r>
+          </a:p>
+        </p:txBody>
+      </p:sp>
+      <p:sp>
+        <p:nvSpPr>
+          <p:cNvPr id="3" name="Date Placeholder 2">
+            <a:extLst>
+              <a:ext uri="{FF2B5EF4-FFF2-40B4-BE49-F238E27FC236}">
+                <a16:creationId xmlns:a16="http://schemas.microsoft.com/office/drawing/2014/main" id="{1D684655-5F95-4BF5-98E2-317FA71F67C0}"/>
+              </a:ext>
+            </a:extLst>
+          </p:cNvPr>
+          <p:cNvSpPr>
+            <a:spLocks noGrp="1"/>
+          </p:cNvSpPr>
+          <p:nvPr>
+            <p:ph type="dt" sz="half" idx="10"/>
+          </p:nvPr>
+        </p:nvSpPr>
+        <p:spPr/>
+        <p:txBody>
+          <a:bodyPr/>
+          <a:lstStyle/>
+          <a:p>
+            <a:fld id="{5FB62F81-FD80-4AA8-93CA-E835B40BE667}" type="datetimeFigureOut">
+              <a:rPr lang="en-US" smtClean="0"/>
+              <a:t>10/9/2017</a:t>
+            </a:fld>
+            <a:endParaRPr lang="en-US"/>
+          </a:p>
+        </p:txBody>
+      </p:sp>
+      <p:sp>
+        <p:nvSpPr>
+          <p:cNvPr id="4" name="Footer Placeholder 3">
+            <a:extLst>
+              <a:ext uri="{FF2B5EF4-FFF2-40B4-BE49-F238E27FC236}">
+                <a16:creationId xmlns:a16="http://schemas.microsoft.com/office/drawing/2014/main" id="{B3A7A9B1-9A01-417B-95A3-3D02F09C6C36}"/>
+              </a:ext>
+            </a:extLst>
+          </p:cNvPr>
+          <p:cNvSpPr>
+            <a:spLocks noGrp="1"/>
+          </p:cNvSpPr>
+          <p:nvPr>
+            <p:ph type="ftr" sz="quarter" idx="11"/>
+          </p:nvPr>
+        </p:nvSpPr>
+        <p:spPr/>
+        <p:txBody>
+          <a:bodyPr/>
+          <a:lstStyle/>
+          <a:p>
+            <a:endParaRPr lang="en-US"/>
+          </a:p>
+        </p:txBody>
+      </p:sp>
+      <p:sp>
+        <p:nvSpPr>
+          <p:cNvPr id="5" name="Slide Number Placeholder 4">
+            <a:extLst>
+              <a:ext uri="{FF2B5EF4-FFF2-40B4-BE49-F238E27FC236}">
+                <a16:creationId xmlns:a16="http://schemas.microsoft.com/office/drawing/2014/main" id="{35487BB0-8733-415D-8978-88206CD465A9}"/>
+              </a:ext>
+            </a:extLst>
+          </p:cNvPr>
+          <p:cNvSpPr>
+            <a:spLocks noGrp="1"/>
+          </p:cNvSpPr>
+          <p:nvPr>
+            <p:ph type="sldNum" sz="quarter" idx="12"/>
+          </p:nvPr>
+        </p:nvSpPr>
+        <p:spPr/>
+        <p:txBody>
+          <a:bodyPr/>
+          <a:lstStyle/>
+          <a:p>
+            <a:fld id="{6427441B-EBD2-447D-AE1D-AD6F97A1CA52}" type="slidenum">
+              <a:rPr lang="en-US" smtClean="0"/>
+              <a:t>‹#›</a:t>
+            </a:fld>
+            <a:endParaRPr lang="en-US"/>
+          </a:p>
+        </p:txBody>
+      </p:sp>
+    </p:spTree>
+    <p:extLst>
+      <p:ext uri="{BB962C8B-B14F-4D97-AF65-F5344CB8AC3E}">
+        <p14:creationId xmlns:p14="http://schemas.microsoft.com/office/powerpoint/2010/main" val="3697832317"/>
+      </p:ext>
+    </p:extLst>
+  </p:cSld>
+  <p:clrMapOvr>
+    <a:masterClrMapping/>
+  </p:clrMapOvr>
+</p:sldLayout>
+</file>
+
+<file path=ppt/slideLayouts/slideLayout19.xml><?xml version="1.0" encoding="utf-8"?>
+<p:sldLayout xmlns:a="http://schemas.openxmlformats.org/drawingml/2006/main" xmlns:r="http://schemas.openxmlformats.org/officeDocument/2006/relationships" xmlns:p="http://schemas.openxmlformats.org/presentationml/2006/main" type="blank" preserve="1">
+  <p:cSld name="Blank">
+    <p:spTree>
+      <p:nvGrpSpPr>
+        <p:cNvPr id="1" name=""/>
+        <p:cNvGrpSpPr/>
+        <p:nvPr/>
+      </p:nvGrpSpPr>
+      <p:grpSpPr>
+        <a:xfrm>
+          <a:off x="0" y="0"/>
+          <a:ext cx="0" cy="0"/>
+          <a:chOff x="0" y="0"/>
+          <a:chExt cx="0" cy="0"/>
+        </a:xfrm>
+      </p:grpSpPr>
+      <p:sp>
+        <p:nvSpPr>
+          <p:cNvPr id="2" name="Date Placeholder 1">
+            <a:extLst>
+              <a:ext uri="{FF2B5EF4-FFF2-40B4-BE49-F238E27FC236}">
+                <a16:creationId xmlns:a16="http://schemas.microsoft.com/office/drawing/2014/main" id="{FF20C482-9CD7-41D3-8523-72545A9EE729}"/>
+              </a:ext>
+            </a:extLst>
+          </p:cNvPr>
+          <p:cNvSpPr>
+            <a:spLocks noGrp="1"/>
+          </p:cNvSpPr>
+          <p:nvPr>
+            <p:ph type="dt" sz="half" idx="10"/>
+          </p:nvPr>
+        </p:nvSpPr>
+        <p:spPr/>
+        <p:txBody>
+          <a:bodyPr/>
+          <a:lstStyle/>
+          <a:p>
+            <a:fld id="{5FB62F81-FD80-4AA8-93CA-E835B40BE667}" type="datetimeFigureOut">
+              <a:rPr lang="en-US" smtClean="0"/>
+              <a:t>10/9/2017</a:t>
+            </a:fld>
+            <a:endParaRPr lang="en-US"/>
+          </a:p>
+        </p:txBody>
+      </p:sp>
+      <p:sp>
+        <p:nvSpPr>
+          <p:cNvPr id="3" name="Footer Placeholder 2">
+            <a:extLst>
+              <a:ext uri="{FF2B5EF4-FFF2-40B4-BE49-F238E27FC236}">
+                <a16:creationId xmlns:a16="http://schemas.microsoft.com/office/drawing/2014/main" id="{1DDE5A83-6AFF-4B43-8418-F51F0DC4049D}"/>
+              </a:ext>
+            </a:extLst>
+          </p:cNvPr>
+          <p:cNvSpPr>
+            <a:spLocks noGrp="1"/>
+          </p:cNvSpPr>
+          <p:nvPr>
+            <p:ph type="ftr" sz="quarter" idx="11"/>
+          </p:nvPr>
+        </p:nvSpPr>
+        <p:spPr/>
+        <p:txBody>
+          <a:bodyPr/>
+          <a:lstStyle/>
+          <a:p>
+            <a:endParaRPr lang="en-US"/>
+          </a:p>
+        </p:txBody>
+      </p:sp>
+      <p:sp>
+        <p:nvSpPr>
+          <p:cNvPr id="4" name="Slide Number Placeholder 3">
+            <a:extLst>
+              <a:ext uri="{FF2B5EF4-FFF2-40B4-BE49-F238E27FC236}">
+                <a16:creationId xmlns:a16="http://schemas.microsoft.com/office/drawing/2014/main" id="{1A7E7312-00EF-4646-AA53-4A2BE55ADF0D}"/>
+              </a:ext>
+            </a:extLst>
+          </p:cNvPr>
+          <p:cNvSpPr>
+            <a:spLocks noGrp="1"/>
+          </p:cNvSpPr>
+          <p:nvPr>
+            <p:ph type="sldNum" sz="quarter" idx="12"/>
+          </p:nvPr>
+        </p:nvSpPr>
+        <p:spPr/>
+        <p:txBody>
+          <a:bodyPr/>
+          <a:lstStyle/>
+          <a:p>
+            <a:fld id="{6427441B-EBD2-447D-AE1D-AD6F97A1CA52}" type="slidenum">
+              <a:rPr lang="en-US" smtClean="0"/>
+              <a:t>‹#›</a:t>
+            </a:fld>
+            <a:endParaRPr lang="en-US"/>
+          </a:p>
+        </p:txBody>
+      </p:sp>
+    </p:spTree>
+    <p:extLst>
+      <p:ext uri="{BB962C8B-B14F-4D97-AF65-F5344CB8AC3E}">
+        <p14:creationId xmlns:p14="http://schemas.microsoft.com/office/powerpoint/2010/main" val="812037858"/>
+      </p:ext>
+    </p:extLst>
+  </p:cSld>
+  <p:clrMapOvr>
+    <a:masterClrMapping/>
+  </p:clrMapOvr>
+</p:sldLayout>
+</file>
+
 <file path=ppt/slideLayouts/slideLayout2.xml><?xml version="1.0" encoding="utf-8"?>
 <p:sldLayout xmlns:a="http://schemas.openxmlformats.org/drawingml/2006/main" xmlns:r="http://schemas.openxmlformats.org/officeDocument/2006/relationships" xmlns:p="http://schemas.openxmlformats.org/presentationml/2006/main" type="obj" preserve="1">
   <p:cSld name="Title and Content">
@@ -1910,7 +3680,7 @@
             <a:fld id="{FB7712AD-3B21-4FE9-B722-CF9B0200D9B9}" type="datetimeFigureOut">
               <a:rPr lang="en-US" smtClean="0"/>
               <a:pPr/>
-              <a:t>10/6/2017</a:t>
+              <a:t>10/9/2017</a:t>
             </a:fld>
             <a:endParaRPr lang="en-US"/>
           </a:p>
@@ -1971,6 +3741,1011 @@
     <p:extLst>
       <p:ext uri="{BB962C8B-B14F-4D97-AF65-F5344CB8AC3E}">
         <p14:creationId xmlns:p14="http://schemas.microsoft.com/office/powerpoint/2010/main" val="2283013575"/>
+      </p:ext>
+    </p:extLst>
+  </p:cSld>
+  <p:clrMapOvr>
+    <a:masterClrMapping/>
+  </p:clrMapOvr>
+</p:sldLayout>
+</file>
+
+<file path=ppt/slideLayouts/slideLayout20.xml><?xml version="1.0" encoding="utf-8"?>
+<p:sldLayout xmlns:a="http://schemas.openxmlformats.org/drawingml/2006/main" xmlns:r="http://schemas.openxmlformats.org/officeDocument/2006/relationships" xmlns:p="http://schemas.openxmlformats.org/presentationml/2006/main" type="objTx" preserve="1">
+  <p:cSld name="Content with Caption">
+    <p:spTree>
+      <p:nvGrpSpPr>
+        <p:cNvPr id="1" name=""/>
+        <p:cNvGrpSpPr/>
+        <p:nvPr/>
+      </p:nvGrpSpPr>
+      <p:grpSpPr>
+        <a:xfrm>
+          <a:off x="0" y="0"/>
+          <a:ext cx="0" cy="0"/>
+          <a:chOff x="0" y="0"/>
+          <a:chExt cx="0" cy="0"/>
+        </a:xfrm>
+      </p:grpSpPr>
+      <p:sp>
+        <p:nvSpPr>
+          <p:cNvPr id="2" name="Title 1">
+            <a:extLst>
+              <a:ext uri="{FF2B5EF4-FFF2-40B4-BE49-F238E27FC236}">
+                <a16:creationId xmlns:a16="http://schemas.microsoft.com/office/drawing/2014/main" id="{5D2BDB94-95F6-4081-B0F6-38E6F63FA6D9}"/>
+              </a:ext>
+            </a:extLst>
+          </p:cNvPr>
+          <p:cNvSpPr>
+            <a:spLocks noGrp="1"/>
+          </p:cNvSpPr>
+          <p:nvPr>
+            <p:ph type="title"/>
+          </p:nvPr>
+        </p:nvSpPr>
+        <p:spPr>
+          <a:xfrm>
+            <a:off x="629841" y="457200"/>
+            <a:ext cx="2949178" cy="1600200"/>
+          </a:xfrm>
+        </p:spPr>
+        <p:txBody>
+          <a:bodyPr anchor="b"/>
+          <a:lstStyle>
+            <a:lvl1pPr>
+              <a:defRPr sz="2400"/>
+            </a:lvl1pPr>
+          </a:lstStyle>
+          <a:p>
+            <a:r>
+              <a:rPr lang="en-US"/>
+              <a:t>Click to edit Master title style</a:t>
+            </a:r>
+          </a:p>
+        </p:txBody>
+      </p:sp>
+      <p:sp>
+        <p:nvSpPr>
+          <p:cNvPr id="3" name="Content Placeholder 2">
+            <a:extLst>
+              <a:ext uri="{FF2B5EF4-FFF2-40B4-BE49-F238E27FC236}">
+                <a16:creationId xmlns:a16="http://schemas.microsoft.com/office/drawing/2014/main" id="{4541AD76-95A8-4FCF-BC7F-D5DC448CB604}"/>
+              </a:ext>
+            </a:extLst>
+          </p:cNvPr>
+          <p:cNvSpPr>
+            <a:spLocks noGrp="1"/>
+          </p:cNvSpPr>
+          <p:nvPr>
+            <p:ph idx="1"/>
+          </p:nvPr>
+        </p:nvSpPr>
+        <p:spPr>
+          <a:xfrm>
+            <a:off x="3887391" y="987426"/>
+            <a:ext cx="4629150" cy="4873625"/>
+          </a:xfrm>
+        </p:spPr>
+        <p:txBody>
+          <a:bodyPr/>
+          <a:lstStyle>
+            <a:lvl1pPr>
+              <a:defRPr sz="2400"/>
+            </a:lvl1pPr>
+            <a:lvl2pPr>
+              <a:defRPr sz="2100"/>
+            </a:lvl2pPr>
+            <a:lvl3pPr>
+              <a:defRPr sz="1800"/>
+            </a:lvl3pPr>
+            <a:lvl4pPr>
+              <a:defRPr sz="1500"/>
+            </a:lvl4pPr>
+            <a:lvl5pPr>
+              <a:defRPr sz="1500"/>
+            </a:lvl5pPr>
+            <a:lvl6pPr>
+              <a:defRPr sz="1500"/>
+            </a:lvl6pPr>
+            <a:lvl7pPr>
+              <a:defRPr sz="1500"/>
+            </a:lvl7pPr>
+            <a:lvl8pPr>
+              <a:defRPr sz="1500"/>
+            </a:lvl8pPr>
+            <a:lvl9pPr>
+              <a:defRPr sz="1500"/>
+            </a:lvl9pPr>
+          </a:lstStyle>
+          <a:p>
+            <a:pPr lvl="0"/>
+            <a:r>
+              <a:rPr lang="en-US"/>
+              <a:t>Edit Master text styles</a:t>
+            </a:r>
+          </a:p>
+          <a:p>
+            <a:pPr lvl="1"/>
+            <a:r>
+              <a:rPr lang="en-US"/>
+              <a:t>Second level</a:t>
+            </a:r>
+          </a:p>
+          <a:p>
+            <a:pPr lvl="2"/>
+            <a:r>
+              <a:rPr lang="en-US"/>
+              <a:t>Third level</a:t>
+            </a:r>
+          </a:p>
+          <a:p>
+            <a:pPr lvl="3"/>
+            <a:r>
+              <a:rPr lang="en-US"/>
+              <a:t>Fourth level</a:t>
+            </a:r>
+          </a:p>
+          <a:p>
+            <a:pPr lvl="4"/>
+            <a:r>
+              <a:rPr lang="en-US"/>
+              <a:t>Fifth level</a:t>
+            </a:r>
+          </a:p>
+        </p:txBody>
+      </p:sp>
+      <p:sp>
+        <p:nvSpPr>
+          <p:cNvPr id="4" name="Text Placeholder 3">
+            <a:extLst>
+              <a:ext uri="{FF2B5EF4-FFF2-40B4-BE49-F238E27FC236}">
+                <a16:creationId xmlns:a16="http://schemas.microsoft.com/office/drawing/2014/main" id="{FA9FC8E0-C367-44C8-9ECA-C42112A9E5BC}"/>
+              </a:ext>
+            </a:extLst>
+          </p:cNvPr>
+          <p:cNvSpPr>
+            <a:spLocks noGrp="1"/>
+          </p:cNvSpPr>
+          <p:nvPr>
+            <p:ph type="body" sz="half" idx="2"/>
+          </p:nvPr>
+        </p:nvSpPr>
+        <p:spPr>
+          <a:xfrm>
+            <a:off x="629841" y="2057400"/>
+            <a:ext cx="2949178" cy="3811588"/>
+          </a:xfrm>
+        </p:spPr>
+        <p:txBody>
+          <a:bodyPr/>
+          <a:lstStyle>
+            <a:lvl1pPr marL="0" indent="0">
+              <a:buNone/>
+              <a:defRPr sz="1200"/>
+            </a:lvl1pPr>
+            <a:lvl2pPr marL="342900" indent="0">
+              <a:buNone/>
+              <a:defRPr sz="1050"/>
+            </a:lvl2pPr>
+            <a:lvl3pPr marL="685800" indent="0">
+              <a:buNone/>
+              <a:defRPr sz="900"/>
+            </a:lvl3pPr>
+            <a:lvl4pPr marL="1028700" indent="0">
+              <a:buNone/>
+              <a:defRPr sz="750"/>
+            </a:lvl4pPr>
+            <a:lvl5pPr marL="1371600" indent="0">
+              <a:buNone/>
+              <a:defRPr sz="750"/>
+            </a:lvl5pPr>
+            <a:lvl6pPr marL="1714500" indent="0">
+              <a:buNone/>
+              <a:defRPr sz="750"/>
+            </a:lvl6pPr>
+            <a:lvl7pPr marL="2057400" indent="0">
+              <a:buNone/>
+              <a:defRPr sz="750"/>
+            </a:lvl7pPr>
+            <a:lvl8pPr marL="2400300" indent="0">
+              <a:buNone/>
+              <a:defRPr sz="750"/>
+            </a:lvl8pPr>
+            <a:lvl9pPr marL="2743200" indent="0">
+              <a:buNone/>
+              <a:defRPr sz="750"/>
+            </a:lvl9pPr>
+          </a:lstStyle>
+          <a:p>
+            <a:pPr lvl="0"/>
+            <a:r>
+              <a:rPr lang="en-US"/>
+              <a:t>Edit Master text styles</a:t>
+            </a:r>
+          </a:p>
+        </p:txBody>
+      </p:sp>
+      <p:sp>
+        <p:nvSpPr>
+          <p:cNvPr id="5" name="Date Placeholder 4">
+            <a:extLst>
+              <a:ext uri="{FF2B5EF4-FFF2-40B4-BE49-F238E27FC236}">
+                <a16:creationId xmlns:a16="http://schemas.microsoft.com/office/drawing/2014/main" id="{F51BFE1A-CCAA-45C1-A424-2D26E3634415}"/>
+              </a:ext>
+            </a:extLst>
+          </p:cNvPr>
+          <p:cNvSpPr>
+            <a:spLocks noGrp="1"/>
+          </p:cNvSpPr>
+          <p:nvPr>
+            <p:ph type="dt" sz="half" idx="10"/>
+          </p:nvPr>
+        </p:nvSpPr>
+        <p:spPr/>
+        <p:txBody>
+          <a:bodyPr/>
+          <a:lstStyle/>
+          <a:p>
+            <a:fld id="{5FB62F81-FD80-4AA8-93CA-E835B40BE667}" type="datetimeFigureOut">
+              <a:rPr lang="en-US" smtClean="0"/>
+              <a:t>10/9/2017</a:t>
+            </a:fld>
+            <a:endParaRPr lang="en-US"/>
+          </a:p>
+        </p:txBody>
+      </p:sp>
+      <p:sp>
+        <p:nvSpPr>
+          <p:cNvPr id="6" name="Footer Placeholder 5">
+            <a:extLst>
+              <a:ext uri="{FF2B5EF4-FFF2-40B4-BE49-F238E27FC236}">
+                <a16:creationId xmlns:a16="http://schemas.microsoft.com/office/drawing/2014/main" id="{DA3E8F67-DB7B-4DFF-856D-CBA5A8ED19E2}"/>
+              </a:ext>
+            </a:extLst>
+          </p:cNvPr>
+          <p:cNvSpPr>
+            <a:spLocks noGrp="1"/>
+          </p:cNvSpPr>
+          <p:nvPr>
+            <p:ph type="ftr" sz="quarter" idx="11"/>
+          </p:nvPr>
+        </p:nvSpPr>
+        <p:spPr/>
+        <p:txBody>
+          <a:bodyPr/>
+          <a:lstStyle/>
+          <a:p>
+            <a:endParaRPr lang="en-US"/>
+          </a:p>
+        </p:txBody>
+      </p:sp>
+      <p:sp>
+        <p:nvSpPr>
+          <p:cNvPr id="7" name="Slide Number Placeholder 6">
+            <a:extLst>
+              <a:ext uri="{FF2B5EF4-FFF2-40B4-BE49-F238E27FC236}">
+                <a16:creationId xmlns:a16="http://schemas.microsoft.com/office/drawing/2014/main" id="{B8DF6B6F-25F6-457A-9EBE-C3E715C17A60}"/>
+              </a:ext>
+            </a:extLst>
+          </p:cNvPr>
+          <p:cNvSpPr>
+            <a:spLocks noGrp="1"/>
+          </p:cNvSpPr>
+          <p:nvPr>
+            <p:ph type="sldNum" sz="quarter" idx="12"/>
+          </p:nvPr>
+        </p:nvSpPr>
+        <p:spPr/>
+        <p:txBody>
+          <a:bodyPr/>
+          <a:lstStyle/>
+          <a:p>
+            <a:fld id="{6427441B-EBD2-447D-AE1D-AD6F97A1CA52}" type="slidenum">
+              <a:rPr lang="en-US" smtClean="0"/>
+              <a:t>‹#›</a:t>
+            </a:fld>
+            <a:endParaRPr lang="en-US"/>
+          </a:p>
+        </p:txBody>
+      </p:sp>
+    </p:spTree>
+    <p:extLst>
+      <p:ext uri="{BB962C8B-B14F-4D97-AF65-F5344CB8AC3E}">
+        <p14:creationId xmlns:p14="http://schemas.microsoft.com/office/powerpoint/2010/main" val="4054002084"/>
+      </p:ext>
+    </p:extLst>
+  </p:cSld>
+  <p:clrMapOvr>
+    <a:masterClrMapping/>
+  </p:clrMapOvr>
+</p:sldLayout>
+</file>
+
+<file path=ppt/slideLayouts/slideLayout21.xml><?xml version="1.0" encoding="utf-8"?>
+<p:sldLayout xmlns:a="http://schemas.openxmlformats.org/drawingml/2006/main" xmlns:r="http://schemas.openxmlformats.org/officeDocument/2006/relationships" xmlns:p="http://schemas.openxmlformats.org/presentationml/2006/main" type="picTx" preserve="1">
+  <p:cSld name="Picture with Caption">
+    <p:spTree>
+      <p:nvGrpSpPr>
+        <p:cNvPr id="1" name=""/>
+        <p:cNvGrpSpPr/>
+        <p:nvPr/>
+      </p:nvGrpSpPr>
+      <p:grpSpPr>
+        <a:xfrm>
+          <a:off x="0" y="0"/>
+          <a:ext cx="0" cy="0"/>
+          <a:chOff x="0" y="0"/>
+          <a:chExt cx="0" cy="0"/>
+        </a:xfrm>
+      </p:grpSpPr>
+      <p:sp>
+        <p:nvSpPr>
+          <p:cNvPr id="2" name="Title 1">
+            <a:extLst>
+              <a:ext uri="{FF2B5EF4-FFF2-40B4-BE49-F238E27FC236}">
+                <a16:creationId xmlns:a16="http://schemas.microsoft.com/office/drawing/2014/main" id="{FA30506D-0D8E-4AC7-92CE-C929C59B41D2}"/>
+              </a:ext>
+            </a:extLst>
+          </p:cNvPr>
+          <p:cNvSpPr>
+            <a:spLocks noGrp="1"/>
+          </p:cNvSpPr>
+          <p:nvPr>
+            <p:ph type="title"/>
+          </p:nvPr>
+        </p:nvSpPr>
+        <p:spPr>
+          <a:xfrm>
+            <a:off x="629841" y="457200"/>
+            <a:ext cx="2949178" cy="1600200"/>
+          </a:xfrm>
+        </p:spPr>
+        <p:txBody>
+          <a:bodyPr anchor="b"/>
+          <a:lstStyle>
+            <a:lvl1pPr>
+              <a:defRPr sz="2400"/>
+            </a:lvl1pPr>
+          </a:lstStyle>
+          <a:p>
+            <a:r>
+              <a:rPr lang="en-US"/>
+              <a:t>Click to edit Master title style</a:t>
+            </a:r>
+          </a:p>
+        </p:txBody>
+      </p:sp>
+      <p:sp>
+        <p:nvSpPr>
+          <p:cNvPr id="3" name="Picture Placeholder 2">
+            <a:extLst>
+              <a:ext uri="{FF2B5EF4-FFF2-40B4-BE49-F238E27FC236}">
+                <a16:creationId xmlns:a16="http://schemas.microsoft.com/office/drawing/2014/main" id="{846DAA4E-0B97-4BFC-875F-40DEE33FAB9B}"/>
+              </a:ext>
+            </a:extLst>
+          </p:cNvPr>
+          <p:cNvSpPr>
+            <a:spLocks noGrp="1"/>
+          </p:cNvSpPr>
+          <p:nvPr>
+            <p:ph type="pic" idx="1"/>
+          </p:nvPr>
+        </p:nvSpPr>
+        <p:spPr>
+          <a:xfrm>
+            <a:off x="3887391" y="987426"/>
+            <a:ext cx="4629150" cy="4873625"/>
+          </a:xfrm>
+        </p:spPr>
+        <p:txBody>
+          <a:bodyPr/>
+          <a:lstStyle>
+            <a:lvl1pPr marL="0" indent="0">
+              <a:buNone/>
+              <a:defRPr sz="2400"/>
+            </a:lvl1pPr>
+            <a:lvl2pPr marL="342900" indent="0">
+              <a:buNone/>
+              <a:defRPr sz="2100"/>
+            </a:lvl2pPr>
+            <a:lvl3pPr marL="685800" indent="0">
+              <a:buNone/>
+              <a:defRPr sz="1800"/>
+            </a:lvl3pPr>
+            <a:lvl4pPr marL="1028700" indent="0">
+              <a:buNone/>
+              <a:defRPr sz="1500"/>
+            </a:lvl4pPr>
+            <a:lvl5pPr marL="1371600" indent="0">
+              <a:buNone/>
+              <a:defRPr sz="1500"/>
+            </a:lvl5pPr>
+            <a:lvl6pPr marL="1714500" indent="0">
+              <a:buNone/>
+              <a:defRPr sz="1500"/>
+            </a:lvl6pPr>
+            <a:lvl7pPr marL="2057400" indent="0">
+              <a:buNone/>
+              <a:defRPr sz="1500"/>
+            </a:lvl7pPr>
+            <a:lvl8pPr marL="2400300" indent="0">
+              <a:buNone/>
+              <a:defRPr sz="1500"/>
+            </a:lvl8pPr>
+            <a:lvl9pPr marL="2743200" indent="0">
+              <a:buNone/>
+              <a:defRPr sz="1500"/>
+            </a:lvl9pPr>
+          </a:lstStyle>
+          <a:p>
+            <a:endParaRPr lang="en-US"/>
+          </a:p>
+        </p:txBody>
+      </p:sp>
+      <p:sp>
+        <p:nvSpPr>
+          <p:cNvPr id="4" name="Text Placeholder 3">
+            <a:extLst>
+              <a:ext uri="{FF2B5EF4-FFF2-40B4-BE49-F238E27FC236}">
+                <a16:creationId xmlns:a16="http://schemas.microsoft.com/office/drawing/2014/main" id="{2171E06A-7A9C-45B0-AF60-D380243AF8B3}"/>
+              </a:ext>
+            </a:extLst>
+          </p:cNvPr>
+          <p:cNvSpPr>
+            <a:spLocks noGrp="1"/>
+          </p:cNvSpPr>
+          <p:nvPr>
+            <p:ph type="body" sz="half" idx="2"/>
+          </p:nvPr>
+        </p:nvSpPr>
+        <p:spPr>
+          <a:xfrm>
+            <a:off x="629841" y="2057400"/>
+            <a:ext cx="2949178" cy="3811588"/>
+          </a:xfrm>
+        </p:spPr>
+        <p:txBody>
+          <a:bodyPr/>
+          <a:lstStyle>
+            <a:lvl1pPr marL="0" indent="0">
+              <a:buNone/>
+              <a:defRPr sz="1200"/>
+            </a:lvl1pPr>
+            <a:lvl2pPr marL="342900" indent="0">
+              <a:buNone/>
+              <a:defRPr sz="1050"/>
+            </a:lvl2pPr>
+            <a:lvl3pPr marL="685800" indent="0">
+              <a:buNone/>
+              <a:defRPr sz="900"/>
+            </a:lvl3pPr>
+            <a:lvl4pPr marL="1028700" indent="0">
+              <a:buNone/>
+              <a:defRPr sz="750"/>
+            </a:lvl4pPr>
+            <a:lvl5pPr marL="1371600" indent="0">
+              <a:buNone/>
+              <a:defRPr sz="750"/>
+            </a:lvl5pPr>
+            <a:lvl6pPr marL="1714500" indent="0">
+              <a:buNone/>
+              <a:defRPr sz="750"/>
+            </a:lvl6pPr>
+            <a:lvl7pPr marL="2057400" indent="0">
+              <a:buNone/>
+              <a:defRPr sz="750"/>
+            </a:lvl7pPr>
+            <a:lvl8pPr marL="2400300" indent="0">
+              <a:buNone/>
+              <a:defRPr sz="750"/>
+            </a:lvl8pPr>
+            <a:lvl9pPr marL="2743200" indent="0">
+              <a:buNone/>
+              <a:defRPr sz="750"/>
+            </a:lvl9pPr>
+          </a:lstStyle>
+          <a:p>
+            <a:pPr lvl="0"/>
+            <a:r>
+              <a:rPr lang="en-US"/>
+              <a:t>Edit Master text styles</a:t>
+            </a:r>
+          </a:p>
+        </p:txBody>
+      </p:sp>
+      <p:sp>
+        <p:nvSpPr>
+          <p:cNvPr id="5" name="Date Placeholder 4">
+            <a:extLst>
+              <a:ext uri="{FF2B5EF4-FFF2-40B4-BE49-F238E27FC236}">
+                <a16:creationId xmlns:a16="http://schemas.microsoft.com/office/drawing/2014/main" id="{4855AFFE-4549-4804-8A40-7D7835CF32C5}"/>
+              </a:ext>
+            </a:extLst>
+          </p:cNvPr>
+          <p:cNvSpPr>
+            <a:spLocks noGrp="1"/>
+          </p:cNvSpPr>
+          <p:nvPr>
+            <p:ph type="dt" sz="half" idx="10"/>
+          </p:nvPr>
+        </p:nvSpPr>
+        <p:spPr/>
+        <p:txBody>
+          <a:bodyPr/>
+          <a:lstStyle/>
+          <a:p>
+            <a:fld id="{5FB62F81-FD80-4AA8-93CA-E835B40BE667}" type="datetimeFigureOut">
+              <a:rPr lang="en-US" smtClean="0"/>
+              <a:t>10/9/2017</a:t>
+            </a:fld>
+            <a:endParaRPr lang="en-US"/>
+          </a:p>
+        </p:txBody>
+      </p:sp>
+      <p:sp>
+        <p:nvSpPr>
+          <p:cNvPr id="6" name="Footer Placeholder 5">
+            <a:extLst>
+              <a:ext uri="{FF2B5EF4-FFF2-40B4-BE49-F238E27FC236}">
+                <a16:creationId xmlns:a16="http://schemas.microsoft.com/office/drawing/2014/main" id="{1317001D-2B7C-4C32-9209-92E10F0A5444}"/>
+              </a:ext>
+            </a:extLst>
+          </p:cNvPr>
+          <p:cNvSpPr>
+            <a:spLocks noGrp="1"/>
+          </p:cNvSpPr>
+          <p:nvPr>
+            <p:ph type="ftr" sz="quarter" idx="11"/>
+          </p:nvPr>
+        </p:nvSpPr>
+        <p:spPr/>
+        <p:txBody>
+          <a:bodyPr/>
+          <a:lstStyle/>
+          <a:p>
+            <a:endParaRPr lang="en-US"/>
+          </a:p>
+        </p:txBody>
+      </p:sp>
+      <p:sp>
+        <p:nvSpPr>
+          <p:cNvPr id="7" name="Slide Number Placeholder 6">
+            <a:extLst>
+              <a:ext uri="{FF2B5EF4-FFF2-40B4-BE49-F238E27FC236}">
+                <a16:creationId xmlns:a16="http://schemas.microsoft.com/office/drawing/2014/main" id="{03CDFDE6-A9E0-47D0-9169-872462EF3D01}"/>
+              </a:ext>
+            </a:extLst>
+          </p:cNvPr>
+          <p:cNvSpPr>
+            <a:spLocks noGrp="1"/>
+          </p:cNvSpPr>
+          <p:nvPr>
+            <p:ph type="sldNum" sz="quarter" idx="12"/>
+          </p:nvPr>
+        </p:nvSpPr>
+        <p:spPr/>
+        <p:txBody>
+          <a:bodyPr/>
+          <a:lstStyle/>
+          <a:p>
+            <a:fld id="{6427441B-EBD2-447D-AE1D-AD6F97A1CA52}" type="slidenum">
+              <a:rPr lang="en-US" smtClean="0"/>
+              <a:t>‹#›</a:t>
+            </a:fld>
+            <a:endParaRPr lang="en-US"/>
+          </a:p>
+        </p:txBody>
+      </p:sp>
+    </p:spTree>
+    <p:extLst>
+      <p:ext uri="{BB962C8B-B14F-4D97-AF65-F5344CB8AC3E}">
+        <p14:creationId xmlns:p14="http://schemas.microsoft.com/office/powerpoint/2010/main" val="1675248772"/>
+      </p:ext>
+    </p:extLst>
+  </p:cSld>
+  <p:clrMapOvr>
+    <a:masterClrMapping/>
+  </p:clrMapOvr>
+</p:sldLayout>
+</file>
+
+<file path=ppt/slideLayouts/slideLayout22.xml><?xml version="1.0" encoding="utf-8"?>
+<p:sldLayout xmlns:a="http://schemas.openxmlformats.org/drawingml/2006/main" xmlns:r="http://schemas.openxmlformats.org/officeDocument/2006/relationships" xmlns:p="http://schemas.openxmlformats.org/presentationml/2006/main" type="vertTx" preserve="1">
+  <p:cSld name="Title and Vertical Text">
+    <p:spTree>
+      <p:nvGrpSpPr>
+        <p:cNvPr id="1" name=""/>
+        <p:cNvGrpSpPr/>
+        <p:nvPr/>
+      </p:nvGrpSpPr>
+      <p:grpSpPr>
+        <a:xfrm>
+          <a:off x="0" y="0"/>
+          <a:ext cx="0" cy="0"/>
+          <a:chOff x="0" y="0"/>
+          <a:chExt cx="0" cy="0"/>
+        </a:xfrm>
+      </p:grpSpPr>
+      <p:sp>
+        <p:nvSpPr>
+          <p:cNvPr id="2" name="Title 1">
+            <a:extLst>
+              <a:ext uri="{FF2B5EF4-FFF2-40B4-BE49-F238E27FC236}">
+                <a16:creationId xmlns:a16="http://schemas.microsoft.com/office/drawing/2014/main" id="{B87EDF1D-A2D2-4D88-AA76-3736A561351E}"/>
+              </a:ext>
+            </a:extLst>
+          </p:cNvPr>
+          <p:cNvSpPr>
+            <a:spLocks noGrp="1"/>
+          </p:cNvSpPr>
+          <p:nvPr>
+            <p:ph type="title"/>
+          </p:nvPr>
+        </p:nvSpPr>
+        <p:spPr/>
+        <p:txBody>
+          <a:bodyPr/>
+          <a:lstStyle/>
+          <a:p>
+            <a:r>
+              <a:rPr lang="en-US"/>
+              <a:t>Click to edit Master title style</a:t>
+            </a:r>
+          </a:p>
+        </p:txBody>
+      </p:sp>
+      <p:sp>
+        <p:nvSpPr>
+          <p:cNvPr id="3" name="Vertical Text Placeholder 2">
+            <a:extLst>
+              <a:ext uri="{FF2B5EF4-FFF2-40B4-BE49-F238E27FC236}">
+                <a16:creationId xmlns:a16="http://schemas.microsoft.com/office/drawing/2014/main" id="{122D4B26-F186-41D9-AC40-AD9F0210D333}"/>
+              </a:ext>
+            </a:extLst>
+          </p:cNvPr>
+          <p:cNvSpPr>
+            <a:spLocks noGrp="1"/>
+          </p:cNvSpPr>
+          <p:nvPr>
+            <p:ph type="body" orient="vert" idx="1"/>
+          </p:nvPr>
+        </p:nvSpPr>
+        <p:spPr/>
+        <p:txBody>
+          <a:bodyPr vert="eaVert"/>
+          <a:lstStyle/>
+          <a:p>
+            <a:pPr lvl="0"/>
+            <a:r>
+              <a:rPr lang="en-US"/>
+              <a:t>Edit Master text styles</a:t>
+            </a:r>
+          </a:p>
+          <a:p>
+            <a:pPr lvl="1"/>
+            <a:r>
+              <a:rPr lang="en-US"/>
+              <a:t>Second level</a:t>
+            </a:r>
+          </a:p>
+          <a:p>
+            <a:pPr lvl="2"/>
+            <a:r>
+              <a:rPr lang="en-US"/>
+              <a:t>Third level</a:t>
+            </a:r>
+          </a:p>
+          <a:p>
+            <a:pPr lvl="3"/>
+            <a:r>
+              <a:rPr lang="en-US"/>
+              <a:t>Fourth level</a:t>
+            </a:r>
+          </a:p>
+          <a:p>
+            <a:pPr lvl="4"/>
+            <a:r>
+              <a:rPr lang="en-US"/>
+              <a:t>Fifth level</a:t>
+            </a:r>
+          </a:p>
+        </p:txBody>
+      </p:sp>
+      <p:sp>
+        <p:nvSpPr>
+          <p:cNvPr id="4" name="Date Placeholder 3">
+            <a:extLst>
+              <a:ext uri="{FF2B5EF4-FFF2-40B4-BE49-F238E27FC236}">
+                <a16:creationId xmlns:a16="http://schemas.microsoft.com/office/drawing/2014/main" id="{D73A0D7B-CF2D-4784-8BF2-4194618BE834}"/>
+              </a:ext>
+            </a:extLst>
+          </p:cNvPr>
+          <p:cNvSpPr>
+            <a:spLocks noGrp="1"/>
+          </p:cNvSpPr>
+          <p:nvPr>
+            <p:ph type="dt" sz="half" idx="10"/>
+          </p:nvPr>
+        </p:nvSpPr>
+        <p:spPr/>
+        <p:txBody>
+          <a:bodyPr/>
+          <a:lstStyle/>
+          <a:p>
+            <a:fld id="{5FB62F81-FD80-4AA8-93CA-E835B40BE667}" type="datetimeFigureOut">
+              <a:rPr lang="en-US" smtClean="0"/>
+              <a:t>10/9/2017</a:t>
+            </a:fld>
+            <a:endParaRPr lang="en-US"/>
+          </a:p>
+        </p:txBody>
+      </p:sp>
+      <p:sp>
+        <p:nvSpPr>
+          <p:cNvPr id="5" name="Footer Placeholder 4">
+            <a:extLst>
+              <a:ext uri="{FF2B5EF4-FFF2-40B4-BE49-F238E27FC236}">
+                <a16:creationId xmlns:a16="http://schemas.microsoft.com/office/drawing/2014/main" id="{073FDC74-B109-4DE9-9FD1-250BB00A38B6}"/>
+              </a:ext>
+            </a:extLst>
+          </p:cNvPr>
+          <p:cNvSpPr>
+            <a:spLocks noGrp="1"/>
+          </p:cNvSpPr>
+          <p:nvPr>
+            <p:ph type="ftr" sz="quarter" idx="11"/>
+          </p:nvPr>
+        </p:nvSpPr>
+        <p:spPr/>
+        <p:txBody>
+          <a:bodyPr/>
+          <a:lstStyle/>
+          <a:p>
+            <a:endParaRPr lang="en-US"/>
+          </a:p>
+        </p:txBody>
+      </p:sp>
+      <p:sp>
+        <p:nvSpPr>
+          <p:cNvPr id="6" name="Slide Number Placeholder 5">
+            <a:extLst>
+              <a:ext uri="{FF2B5EF4-FFF2-40B4-BE49-F238E27FC236}">
+                <a16:creationId xmlns:a16="http://schemas.microsoft.com/office/drawing/2014/main" id="{60DF9BB5-DD53-4702-A8B1-85175D633325}"/>
+              </a:ext>
+            </a:extLst>
+          </p:cNvPr>
+          <p:cNvSpPr>
+            <a:spLocks noGrp="1"/>
+          </p:cNvSpPr>
+          <p:nvPr>
+            <p:ph type="sldNum" sz="quarter" idx="12"/>
+          </p:nvPr>
+        </p:nvSpPr>
+        <p:spPr/>
+        <p:txBody>
+          <a:bodyPr/>
+          <a:lstStyle/>
+          <a:p>
+            <a:fld id="{6427441B-EBD2-447D-AE1D-AD6F97A1CA52}" type="slidenum">
+              <a:rPr lang="en-US" smtClean="0"/>
+              <a:t>‹#›</a:t>
+            </a:fld>
+            <a:endParaRPr lang="en-US"/>
+          </a:p>
+        </p:txBody>
+      </p:sp>
+    </p:spTree>
+    <p:extLst>
+      <p:ext uri="{BB962C8B-B14F-4D97-AF65-F5344CB8AC3E}">
+        <p14:creationId xmlns:p14="http://schemas.microsoft.com/office/powerpoint/2010/main" val="3036651475"/>
+      </p:ext>
+    </p:extLst>
+  </p:cSld>
+  <p:clrMapOvr>
+    <a:masterClrMapping/>
+  </p:clrMapOvr>
+</p:sldLayout>
+</file>
+
+<file path=ppt/slideLayouts/slideLayout23.xml><?xml version="1.0" encoding="utf-8"?>
+<p:sldLayout xmlns:a="http://schemas.openxmlformats.org/drawingml/2006/main" xmlns:r="http://schemas.openxmlformats.org/officeDocument/2006/relationships" xmlns:p="http://schemas.openxmlformats.org/presentationml/2006/main" type="vertTitleAndTx" preserve="1">
+  <p:cSld name="Vertical Title and Text">
+    <p:spTree>
+      <p:nvGrpSpPr>
+        <p:cNvPr id="1" name=""/>
+        <p:cNvGrpSpPr/>
+        <p:nvPr/>
+      </p:nvGrpSpPr>
+      <p:grpSpPr>
+        <a:xfrm>
+          <a:off x="0" y="0"/>
+          <a:ext cx="0" cy="0"/>
+          <a:chOff x="0" y="0"/>
+          <a:chExt cx="0" cy="0"/>
+        </a:xfrm>
+      </p:grpSpPr>
+      <p:sp>
+        <p:nvSpPr>
+          <p:cNvPr id="2" name="Vertical Title 1">
+            <a:extLst>
+              <a:ext uri="{FF2B5EF4-FFF2-40B4-BE49-F238E27FC236}">
+                <a16:creationId xmlns:a16="http://schemas.microsoft.com/office/drawing/2014/main" id="{6E06A5A5-DB12-437C-AB2F-D0045DBBF63F}"/>
+              </a:ext>
+            </a:extLst>
+          </p:cNvPr>
+          <p:cNvSpPr>
+            <a:spLocks noGrp="1"/>
+          </p:cNvSpPr>
+          <p:nvPr>
+            <p:ph type="title" orient="vert"/>
+          </p:nvPr>
+        </p:nvSpPr>
+        <p:spPr>
+          <a:xfrm>
+            <a:off x="6543675" y="365125"/>
+            <a:ext cx="1971675" cy="5811838"/>
+          </a:xfrm>
+        </p:spPr>
+        <p:txBody>
+          <a:bodyPr vert="eaVert"/>
+          <a:lstStyle/>
+          <a:p>
+            <a:r>
+              <a:rPr lang="en-US"/>
+              <a:t>Click to edit Master title style</a:t>
+            </a:r>
+          </a:p>
+        </p:txBody>
+      </p:sp>
+      <p:sp>
+        <p:nvSpPr>
+          <p:cNvPr id="3" name="Vertical Text Placeholder 2">
+            <a:extLst>
+              <a:ext uri="{FF2B5EF4-FFF2-40B4-BE49-F238E27FC236}">
+                <a16:creationId xmlns:a16="http://schemas.microsoft.com/office/drawing/2014/main" id="{70CEC960-BF96-4F15-9BBF-96B93A65F7B7}"/>
+              </a:ext>
+            </a:extLst>
+          </p:cNvPr>
+          <p:cNvSpPr>
+            <a:spLocks noGrp="1"/>
+          </p:cNvSpPr>
+          <p:nvPr>
+            <p:ph type="body" orient="vert" idx="1"/>
+          </p:nvPr>
+        </p:nvSpPr>
+        <p:spPr>
+          <a:xfrm>
+            <a:off x="628650" y="365125"/>
+            <a:ext cx="5800725" cy="5811838"/>
+          </a:xfrm>
+        </p:spPr>
+        <p:txBody>
+          <a:bodyPr vert="eaVert"/>
+          <a:lstStyle/>
+          <a:p>
+            <a:pPr lvl="0"/>
+            <a:r>
+              <a:rPr lang="en-US"/>
+              <a:t>Edit Master text styles</a:t>
+            </a:r>
+          </a:p>
+          <a:p>
+            <a:pPr lvl="1"/>
+            <a:r>
+              <a:rPr lang="en-US"/>
+              <a:t>Second level</a:t>
+            </a:r>
+          </a:p>
+          <a:p>
+            <a:pPr lvl="2"/>
+            <a:r>
+              <a:rPr lang="en-US"/>
+              <a:t>Third level</a:t>
+            </a:r>
+          </a:p>
+          <a:p>
+            <a:pPr lvl="3"/>
+            <a:r>
+              <a:rPr lang="en-US"/>
+              <a:t>Fourth level</a:t>
+            </a:r>
+          </a:p>
+          <a:p>
+            <a:pPr lvl="4"/>
+            <a:r>
+              <a:rPr lang="en-US"/>
+              <a:t>Fifth level</a:t>
+            </a:r>
+          </a:p>
+        </p:txBody>
+      </p:sp>
+      <p:sp>
+        <p:nvSpPr>
+          <p:cNvPr id="4" name="Date Placeholder 3">
+            <a:extLst>
+              <a:ext uri="{FF2B5EF4-FFF2-40B4-BE49-F238E27FC236}">
+                <a16:creationId xmlns:a16="http://schemas.microsoft.com/office/drawing/2014/main" id="{F2984198-A49F-4E6C-96F8-F3838E6D662A}"/>
+              </a:ext>
+            </a:extLst>
+          </p:cNvPr>
+          <p:cNvSpPr>
+            <a:spLocks noGrp="1"/>
+          </p:cNvSpPr>
+          <p:nvPr>
+            <p:ph type="dt" sz="half" idx="10"/>
+          </p:nvPr>
+        </p:nvSpPr>
+        <p:spPr/>
+        <p:txBody>
+          <a:bodyPr/>
+          <a:lstStyle/>
+          <a:p>
+            <a:fld id="{5FB62F81-FD80-4AA8-93CA-E835B40BE667}" type="datetimeFigureOut">
+              <a:rPr lang="en-US" smtClean="0"/>
+              <a:t>10/9/2017</a:t>
+            </a:fld>
+            <a:endParaRPr lang="en-US"/>
+          </a:p>
+        </p:txBody>
+      </p:sp>
+      <p:sp>
+        <p:nvSpPr>
+          <p:cNvPr id="5" name="Footer Placeholder 4">
+            <a:extLst>
+              <a:ext uri="{FF2B5EF4-FFF2-40B4-BE49-F238E27FC236}">
+                <a16:creationId xmlns:a16="http://schemas.microsoft.com/office/drawing/2014/main" id="{86CECD99-4493-400E-92BC-43836113D070}"/>
+              </a:ext>
+            </a:extLst>
+          </p:cNvPr>
+          <p:cNvSpPr>
+            <a:spLocks noGrp="1"/>
+          </p:cNvSpPr>
+          <p:nvPr>
+            <p:ph type="ftr" sz="quarter" idx="11"/>
+          </p:nvPr>
+        </p:nvSpPr>
+        <p:spPr/>
+        <p:txBody>
+          <a:bodyPr/>
+          <a:lstStyle/>
+          <a:p>
+            <a:endParaRPr lang="en-US"/>
+          </a:p>
+        </p:txBody>
+      </p:sp>
+      <p:sp>
+        <p:nvSpPr>
+          <p:cNvPr id="6" name="Slide Number Placeholder 5">
+            <a:extLst>
+              <a:ext uri="{FF2B5EF4-FFF2-40B4-BE49-F238E27FC236}">
+                <a16:creationId xmlns:a16="http://schemas.microsoft.com/office/drawing/2014/main" id="{D233D996-0A87-4973-B6BA-B5BC97B6F1A1}"/>
+              </a:ext>
+            </a:extLst>
+          </p:cNvPr>
+          <p:cNvSpPr>
+            <a:spLocks noGrp="1"/>
+          </p:cNvSpPr>
+          <p:nvPr>
+            <p:ph type="sldNum" sz="quarter" idx="12"/>
+          </p:nvPr>
+        </p:nvSpPr>
+        <p:spPr/>
+        <p:txBody>
+          <a:bodyPr/>
+          <a:lstStyle/>
+          <a:p>
+            <a:fld id="{6427441B-EBD2-447D-AE1D-AD6F97A1CA52}" type="slidenum">
+              <a:rPr lang="en-US" smtClean="0"/>
+              <a:t>‹#›</a:t>
+            </a:fld>
+            <a:endParaRPr lang="en-US"/>
+          </a:p>
+        </p:txBody>
+      </p:sp>
+    </p:spTree>
+    <p:extLst>
+      <p:ext uri="{BB962C8B-B14F-4D97-AF65-F5344CB8AC3E}">
+        <p14:creationId xmlns:p14="http://schemas.microsoft.com/office/powerpoint/2010/main" val="4078790969"/>
       </p:ext>
     </p:extLst>
   </p:cSld>
@@ -2115,7 +4890,7 @@
             <a:fld id="{FB7712AD-3B21-4FE9-B722-CF9B0200D9B9}" type="datetimeFigureOut">
               <a:rPr lang="en-US" smtClean="0"/>
               <a:pPr/>
-              <a:t>10/6/2017</a:t>
+              <a:t>10/9/2017</a:t>
             </a:fld>
             <a:endParaRPr lang="en-US"/>
           </a:p>
@@ -2414,7 +5189,7 @@
             <a:fld id="{FB7712AD-3B21-4FE9-B722-CF9B0200D9B9}" type="datetimeFigureOut">
               <a:rPr lang="en-US" smtClean="0"/>
               <a:pPr/>
-              <a:t>10/6/2017</a:t>
+              <a:t>10/9/2017</a:t>
             </a:fld>
             <a:endParaRPr lang="en-US"/>
           </a:p>
@@ -2852,7 +5627,7 @@
             <a:fld id="{FB7712AD-3B21-4FE9-B722-CF9B0200D9B9}" type="datetimeFigureOut">
               <a:rPr lang="en-US" smtClean="0"/>
               <a:pPr/>
-              <a:t>10/6/2017</a:t>
+              <a:t>10/9/2017</a:t>
             </a:fld>
             <a:endParaRPr lang="en-US"/>
           </a:p>
@@ -2983,7 +5758,7 @@
             <a:fld id="{FB7712AD-3B21-4FE9-B722-CF9B0200D9B9}" type="datetimeFigureOut">
               <a:rPr lang="en-US" smtClean="0"/>
               <a:pPr/>
-              <a:t>10/6/2017</a:t>
+              <a:t>10/9/2017</a:t>
             </a:fld>
             <a:endParaRPr lang="en-US"/>
           </a:p>
@@ -3092,7 +5867,7 @@
             <a:fld id="{FB7712AD-3B21-4FE9-B722-CF9B0200D9B9}" type="datetimeFigureOut">
               <a:rPr lang="en-US" smtClean="0"/>
               <a:pPr/>
-              <a:t>10/6/2017</a:t>
+              <a:t>10/9/2017</a:t>
             </a:fld>
             <a:endParaRPr lang="en-US"/>
           </a:p>
@@ -3381,7 +6156,7 @@
             <a:fld id="{FB7712AD-3B21-4FE9-B722-CF9B0200D9B9}" type="datetimeFigureOut">
               <a:rPr lang="en-US" smtClean="0"/>
               <a:pPr/>
-              <a:t>10/6/2017</a:t>
+              <a:t>10/9/2017</a:t>
             </a:fld>
             <a:endParaRPr lang="en-US"/>
           </a:p>
@@ -3650,7 +6425,7 @@
             <a:fld id="{FB7712AD-3B21-4FE9-B722-CF9B0200D9B9}" type="datetimeFigureOut">
               <a:rPr lang="en-US" smtClean="0"/>
               <a:pPr/>
-              <a:t>10/6/2017</a:t>
+              <a:t>10/9/2017</a:t>
             </a:fld>
             <a:endParaRPr lang="en-US"/>
           </a:p>
@@ -3978,7 +6753,7 @@
             <a:fld id="{FB7712AD-3B21-4FE9-B722-CF9B0200D9B9}" type="datetimeFigureOut">
               <a:rPr lang="en-US" smtClean="0"/>
               <a:pPr/>
-              <a:t>10/6/2017</a:t>
+              <a:t>10/9/2017</a:t>
             </a:fld>
             <a:endParaRPr lang="en-US"/>
           </a:p>
@@ -4511,6 +7286,574 @@
 </p:sldMaster>
 </file>
 
+<file path=ppt/slideMasters/slideMaster2.xml><?xml version="1.0" encoding="utf-8"?>
+<p:sldMaster xmlns:a="http://schemas.openxmlformats.org/drawingml/2006/main" xmlns:r="http://schemas.openxmlformats.org/officeDocument/2006/relationships" xmlns:p="http://schemas.openxmlformats.org/presentationml/2006/main">
+  <p:cSld>
+    <p:bg>
+      <p:bgRef idx="1001">
+        <a:schemeClr val="bg1"/>
+      </p:bgRef>
+    </p:bg>
+    <p:spTree>
+      <p:nvGrpSpPr>
+        <p:cNvPr id="1" name=""/>
+        <p:cNvGrpSpPr/>
+        <p:nvPr/>
+      </p:nvGrpSpPr>
+      <p:grpSpPr>
+        <a:xfrm>
+          <a:off x="0" y="0"/>
+          <a:ext cx="0" cy="0"/>
+          <a:chOff x="0" y="0"/>
+          <a:chExt cx="0" cy="0"/>
+        </a:xfrm>
+      </p:grpSpPr>
+      <p:sp>
+        <p:nvSpPr>
+          <p:cNvPr id="2" name="Title Placeholder 1">
+            <a:extLst>
+              <a:ext uri="{FF2B5EF4-FFF2-40B4-BE49-F238E27FC236}">
+                <a16:creationId xmlns:a16="http://schemas.microsoft.com/office/drawing/2014/main" id="{F4587AF0-3135-47FC-B6B8-5B68DF5C797B}"/>
+              </a:ext>
+            </a:extLst>
+          </p:cNvPr>
+          <p:cNvSpPr>
+            <a:spLocks noGrp="1"/>
+          </p:cNvSpPr>
+          <p:nvPr>
+            <p:ph type="title"/>
+          </p:nvPr>
+        </p:nvSpPr>
+        <p:spPr>
+          <a:xfrm>
+            <a:off x="628650" y="365126"/>
+            <a:ext cx="7886700" cy="1325563"/>
+          </a:xfrm>
+          <a:prstGeom prst="rect">
+            <a:avLst/>
+          </a:prstGeom>
+        </p:spPr>
+        <p:txBody>
+          <a:bodyPr vert="horz" lIns="91440" tIns="45720" rIns="91440" bIns="45720" rtlCol="0" anchor="ctr">
+            <a:normAutofit/>
+          </a:bodyPr>
+          <a:lstStyle/>
+          <a:p>
+            <a:r>
+              <a:rPr lang="en-US"/>
+              <a:t>Click to edit Master title style</a:t>
+            </a:r>
+          </a:p>
+        </p:txBody>
+      </p:sp>
+      <p:sp>
+        <p:nvSpPr>
+          <p:cNvPr id="3" name="Text Placeholder 2">
+            <a:extLst>
+              <a:ext uri="{FF2B5EF4-FFF2-40B4-BE49-F238E27FC236}">
+                <a16:creationId xmlns:a16="http://schemas.microsoft.com/office/drawing/2014/main" id="{27C1E50F-5482-4F90-8AD6-CBF9F335B542}"/>
+              </a:ext>
+            </a:extLst>
+          </p:cNvPr>
+          <p:cNvSpPr>
+            <a:spLocks noGrp="1"/>
+          </p:cNvSpPr>
+          <p:nvPr>
+            <p:ph type="body" idx="1"/>
+          </p:nvPr>
+        </p:nvSpPr>
+        <p:spPr>
+          <a:xfrm>
+            <a:off x="628650" y="1825625"/>
+            <a:ext cx="7886700" cy="4351338"/>
+          </a:xfrm>
+          <a:prstGeom prst="rect">
+            <a:avLst/>
+          </a:prstGeom>
+        </p:spPr>
+        <p:txBody>
+          <a:bodyPr vert="horz" lIns="91440" tIns="45720" rIns="91440" bIns="45720" rtlCol="0">
+            <a:normAutofit/>
+          </a:bodyPr>
+          <a:lstStyle/>
+          <a:p>
+            <a:pPr lvl="0"/>
+            <a:r>
+              <a:rPr lang="en-US"/>
+              <a:t>Edit Master text styles</a:t>
+            </a:r>
+          </a:p>
+          <a:p>
+            <a:pPr lvl="1"/>
+            <a:r>
+              <a:rPr lang="en-US"/>
+              <a:t>Second level</a:t>
+            </a:r>
+          </a:p>
+          <a:p>
+            <a:pPr lvl="2"/>
+            <a:r>
+              <a:rPr lang="en-US"/>
+              <a:t>Third level</a:t>
+            </a:r>
+          </a:p>
+          <a:p>
+            <a:pPr lvl="3"/>
+            <a:r>
+              <a:rPr lang="en-US"/>
+              <a:t>Fourth level</a:t>
+            </a:r>
+          </a:p>
+          <a:p>
+            <a:pPr lvl="4"/>
+            <a:r>
+              <a:rPr lang="en-US"/>
+              <a:t>Fifth level</a:t>
+            </a:r>
+          </a:p>
+        </p:txBody>
+      </p:sp>
+      <p:sp>
+        <p:nvSpPr>
+          <p:cNvPr id="4" name="Date Placeholder 3">
+            <a:extLst>
+              <a:ext uri="{FF2B5EF4-FFF2-40B4-BE49-F238E27FC236}">
+                <a16:creationId xmlns:a16="http://schemas.microsoft.com/office/drawing/2014/main" id="{5B03621F-6A3B-4B43-85D8-17930912E944}"/>
+              </a:ext>
+            </a:extLst>
+          </p:cNvPr>
+          <p:cNvSpPr>
+            <a:spLocks noGrp="1"/>
+          </p:cNvSpPr>
+          <p:nvPr>
+            <p:ph type="dt" sz="half" idx="2"/>
+          </p:nvPr>
+        </p:nvSpPr>
+        <p:spPr>
+          <a:xfrm>
+            <a:off x="628650" y="6356351"/>
+            <a:ext cx="2057400" cy="365125"/>
+          </a:xfrm>
+          <a:prstGeom prst="rect">
+            <a:avLst/>
+          </a:prstGeom>
+        </p:spPr>
+        <p:txBody>
+          <a:bodyPr vert="horz" lIns="91440" tIns="45720" rIns="91440" bIns="45720" rtlCol="0" anchor="ctr"/>
+          <a:lstStyle>
+            <a:lvl1pPr algn="l">
+              <a:defRPr sz="900">
+                <a:solidFill>
+                  <a:schemeClr val="tx1">
+                    <a:tint val="75000"/>
+                  </a:schemeClr>
+                </a:solidFill>
+              </a:defRPr>
+            </a:lvl1pPr>
+          </a:lstStyle>
+          <a:p>
+            <a:fld id="{5FB62F81-FD80-4AA8-93CA-E835B40BE667}" type="datetimeFigureOut">
+              <a:rPr lang="en-US" smtClean="0"/>
+              <a:t>10/9/2017</a:t>
+            </a:fld>
+            <a:endParaRPr lang="en-US"/>
+          </a:p>
+        </p:txBody>
+      </p:sp>
+      <p:sp>
+        <p:nvSpPr>
+          <p:cNvPr id="5" name="Footer Placeholder 4">
+            <a:extLst>
+              <a:ext uri="{FF2B5EF4-FFF2-40B4-BE49-F238E27FC236}">
+                <a16:creationId xmlns:a16="http://schemas.microsoft.com/office/drawing/2014/main" id="{D6BEA281-9CF8-4A62-B638-7E977FE178CA}"/>
+              </a:ext>
+            </a:extLst>
+          </p:cNvPr>
+          <p:cNvSpPr>
+            <a:spLocks noGrp="1"/>
+          </p:cNvSpPr>
+          <p:nvPr>
+            <p:ph type="ftr" sz="quarter" idx="3"/>
+          </p:nvPr>
+        </p:nvSpPr>
+        <p:spPr>
+          <a:xfrm>
+            <a:off x="3028950" y="6356351"/>
+            <a:ext cx="3086100" cy="365125"/>
+          </a:xfrm>
+          <a:prstGeom prst="rect">
+            <a:avLst/>
+          </a:prstGeom>
+        </p:spPr>
+        <p:txBody>
+          <a:bodyPr vert="horz" lIns="91440" tIns="45720" rIns="91440" bIns="45720" rtlCol="0" anchor="ctr"/>
+          <a:lstStyle>
+            <a:lvl1pPr algn="ctr">
+              <a:defRPr sz="900">
+                <a:solidFill>
+                  <a:schemeClr val="tx1">
+                    <a:tint val="75000"/>
+                  </a:schemeClr>
+                </a:solidFill>
+              </a:defRPr>
+            </a:lvl1pPr>
+          </a:lstStyle>
+          <a:p>
+            <a:endParaRPr lang="en-US"/>
+          </a:p>
+        </p:txBody>
+      </p:sp>
+      <p:sp>
+        <p:nvSpPr>
+          <p:cNvPr id="6" name="Slide Number Placeholder 5">
+            <a:extLst>
+              <a:ext uri="{FF2B5EF4-FFF2-40B4-BE49-F238E27FC236}">
+                <a16:creationId xmlns:a16="http://schemas.microsoft.com/office/drawing/2014/main" id="{478F2AB1-9C57-48F5-8977-2FB1E18599BA}"/>
+              </a:ext>
+            </a:extLst>
+          </p:cNvPr>
+          <p:cNvSpPr>
+            <a:spLocks noGrp="1"/>
+          </p:cNvSpPr>
+          <p:nvPr>
+            <p:ph type="sldNum" sz="quarter" idx="4"/>
+          </p:nvPr>
+        </p:nvSpPr>
+        <p:spPr>
+          <a:xfrm>
+            <a:off x="6457950" y="6356351"/>
+            <a:ext cx="2057400" cy="365125"/>
+          </a:xfrm>
+          <a:prstGeom prst="rect">
+            <a:avLst/>
+          </a:prstGeom>
+        </p:spPr>
+        <p:txBody>
+          <a:bodyPr vert="horz" lIns="91440" tIns="45720" rIns="91440" bIns="45720" rtlCol="0" anchor="ctr"/>
+          <a:lstStyle>
+            <a:lvl1pPr algn="r">
+              <a:defRPr sz="900">
+                <a:solidFill>
+                  <a:schemeClr val="tx1">
+                    <a:tint val="75000"/>
+                  </a:schemeClr>
+                </a:solidFill>
+              </a:defRPr>
+            </a:lvl1pPr>
+          </a:lstStyle>
+          <a:p>
+            <a:fld id="{6427441B-EBD2-447D-AE1D-AD6F97A1CA52}" type="slidenum">
+              <a:rPr lang="en-US" smtClean="0"/>
+              <a:t>‹#›</a:t>
+            </a:fld>
+            <a:endParaRPr lang="en-US"/>
+          </a:p>
+        </p:txBody>
+      </p:sp>
+    </p:spTree>
+    <p:extLst>
+      <p:ext uri="{BB962C8B-B14F-4D97-AF65-F5344CB8AC3E}">
+        <p14:creationId xmlns:p14="http://schemas.microsoft.com/office/powerpoint/2010/main" val="2394546071"/>
+      </p:ext>
+    </p:extLst>
+  </p:cSld>
+  <p:clrMap bg1="lt1" tx1="dk1" bg2="lt2" tx2="dk2" accent1="accent1" accent2="accent2" accent3="accent3" accent4="accent4" accent5="accent5" accent6="accent6" hlink="hlink" folHlink="folHlink"/>
+  <p:sldLayoutIdLst>
+    <p:sldLayoutId id="2147483675" r:id="rId1"/>
+    <p:sldLayoutId id="2147483676" r:id="rId2"/>
+    <p:sldLayoutId id="2147483677" r:id="rId3"/>
+    <p:sldLayoutId id="2147483678" r:id="rId4"/>
+    <p:sldLayoutId id="2147483679" r:id="rId5"/>
+    <p:sldLayoutId id="2147483680" r:id="rId6"/>
+    <p:sldLayoutId id="2147483681" r:id="rId7"/>
+    <p:sldLayoutId id="2147483682" r:id="rId8"/>
+    <p:sldLayoutId id="2147483683" r:id="rId9"/>
+    <p:sldLayoutId id="2147483684" r:id="rId10"/>
+    <p:sldLayoutId id="2147483685" r:id="rId11"/>
+  </p:sldLayoutIdLst>
+  <p:txStyles>
+    <p:titleStyle>
+      <a:lvl1pPr algn="l" defTabSz="685800" rtl="0" eaLnBrk="1" latinLnBrk="0" hangingPunct="1">
+        <a:lnSpc>
+          <a:spcPct val="90000"/>
+        </a:lnSpc>
+        <a:spcBef>
+          <a:spcPct val="0"/>
+        </a:spcBef>
+        <a:buNone/>
+        <a:defRPr sz="3300" kern="1200">
+          <a:solidFill>
+            <a:schemeClr val="tx1"/>
+          </a:solidFill>
+          <a:latin typeface="+mj-lt"/>
+          <a:ea typeface="+mj-ea"/>
+          <a:cs typeface="+mj-cs"/>
+        </a:defRPr>
+      </a:lvl1pPr>
+    </p:titleStyle>
+    <p:bodyStyle>
+      <a:lvl1pPr marL="171450" indent="-171450" algn="l" defTabSz="685800" rtl="0" eaLnBrk="1" latinLnBrk="0" hangingPunct="1">
+        <a:lnSpc>
+          <a:spcPct val="90000"/>
+        </a:lnSpc>
+        <a:spcBef>
+          <a:spcPts val="750"/>
+        </a:spcBef>
+        <a:buFont typeface="Arial" panose="020B0604020202020204" pitchFamily="34" charset="0"/>
+        <a:buChar char="•"/>
+        <a:defRPr sz="2100" kern="1200">
+          <a:solidFill>
+            <a:schemeClr val="tx1"/>
+          </a:solidFill>
+          <a:latin typeface="+mn-lt"/>
+          <a:ea typeface="+mn-ea"/>
+          <a:cs typeface="+mn-cs"/>
+        </a:defRPr>
+      </a:lvl1pPr>
+      <a:lvl2pPr marL="514350" indent="-171450" algn="l" defTabSz="685800" rtl="0" eaLnBrk="1" latinLnBrk="0" hangingPunct="1">
+        <a:lnSpc>
+          <a:spcPct val="90000"/>
+        </a:lnSpc>
+        <a:spcBef>
+          <a:spcPts val="375"/>
+        </a:spcBef>
+        <a:buFont typeface="Arial" panose="020B0604020202020204" pitchFamily="34" charset="0"/>
+        <a:buChar char="•"/>
+        <a:defRPr sz="1800" kern="1200">
+          <a:solidFill>
+            <a:schemeClr val="tx1"/>
+          </a:solidFill>
+          <a:latin typeface="+mn-lt"/>
+          <a:ea typeface="+mn-ea"/>
+          <a:cs typeface="+mn-cs"/>
+        </a:defRPr>
+      </a:lvl2pPr>
+      <a:lvl3pPr marL="857250" indent="-171450" algn="l" defTabSz="685800" rtl="0" eaLnBrk="1" latinLnBrk="0" hangingPunct="1">
+        <a:lnSpc>
+          <a:spcPct val="90000"/>
+        </a:lnSpc>
+        <a:spcBef>
+          <a:spcPts val="375"/>
+        </a:spcBef>
+        <a:buFont typeface="Arial" panose="020B0604020202020204" pitchFamily="34" charset="0"/>
+        <a:buChar char="•"/>
+        <a:defRPr sz="1500" kern="1200">
+          <a:solidFill>
+            <a:schemeClr val="tx1"/>
+          </a:solidFill>
+          <a:latin typeface="+mn-lt"/>
+          <a:ea typeface="+mn-ea"/>
+          <a:cs typeface="+mn-cs"/>
+        </a:defRPr>
+      </a:lvl3pPr>
+      <a:lvl4pPr marL="1200150" indent="-171450" algn="l" defTabSz="685800" rtl="0" eaLnBrk="1" latinLnBrk="0" hangingPunct="1">
+        <a:lnSpc>
+          <a:spcPct val="90000"/>
+        </a:lnSpc>
+        <a:spcBef>
+          <a:spcPts val="375"/>
+        </a:spcBef>
+        <a:buFont typeface="Arial" panose="020B0604020202020204" pitchFamily="34" charset="0"/>
+        <a:buChar char="•"/>
+        <a:defRPr sz="1350" kern="1200">
+          <a:solidFill>
+            <a:schemeClr val="tx1"/>
+          </a:solidFill>
+          <a:latin typeface="+mn-lt"/>
+          <a:ea typeface="+mn-ea"/>
+          <a:cs typeface="+mn-cs"/>
+        </a:defRPr>
+      </a:lvl4pPr>
+      <a:lvl5pPr marL="1543050" indent="-171450" algn="l" defTabSz="685800" rtl="0" eaLnBrk="1" latinLnBrk="0" hangingPunct="1">
+        <a:lnSpc>
+          <a:spcPct val="90000"/>
+        </a:lnSpc>
+        <a:spcBef>
+          <a:spcPts val="375"/>
+        </a:spcBef>
+        <a:buFont typeface="Arial" panose="020B0604020202020204" pitchFamily="34" charset="0"/>
+        <a:buChar char="•"/>
+        <a:defRPr sz="1350" kern="1200">
+          <a:solidFill>
+            <a:schemeClr val="tx1"/>
+          </a:solidFill>
+          <a:latin typeface="+mn-lt"/>
+          <a:ea typeface="+mn-ea"/>
+          <a:cs typeface="+mn-cs"/>
+        </a:defRPr>
+      </a:lvl5pPr>
+      <a:lvl6pPr marL="1885950" indent="-171450" algn="l" defTabSz="685800" rtl="0" eaLnBrk="1" latinLnBrk="0" hangingPunct="1">
+        <a:lnSpc>
+          <a:spcPct val="90000"/>
+        </a:lnSpc>
+        <a:spcBef>
+          <a:spcPts val="375"/>
+        </a:spcBef>
+        <a:buFont typeface="Arial" panose="020B0604020202020204" pitchFamily="34" charset="0"/>
+        <a:buChar char="•"/>
+        <a:defRPr sz="1350" kern="1200">
+          <a:solidFill>
+            <a:schemeClr val="tx1"/>
+          </a:solidFill>
+          <a:latin typeface="+mn-lt"/>
+          <a:ea typeface="+mn-ea"/>
+          <a:cs typeface="+mn-cs"/>
+        </a:defRPr>
+      </a:lvl6pPr>
+      <a:lvl7pPr marL="2228850" indent="-171450" algn="l" defTabSz="685800" rtl="0" eaLnBrk="1" latinLnBrk="0" hangingPunct="1">
+        <a:lnSpc>
+          <a:spcPct val="90000"/>
+        </a:lnSpc>
+        <a:spcBef>
+          <a:spcPts val="375"/>
+        </a:spcBef>
+        <a:buFont typeface="Arial" panose="020B0604020202020204" pitchFamily="34" charset="0"/>
+        <a:buChar char="•"/>
+        <a:defRPr sz="1350" kern="1200">
+          <a:solidFill>
+            <a:schemeClr val="tx1"/>
+          </a:solidFill>
+          <a:latin typeface="+mn-lt"/>
+          <a:ea typeface="+mn-ea"/>
+          <a:cs typeface="+mn-cs"/>
+        </a:defRPr>
+      </a:lvl7pPr>
+      <a:lvl8pPr marL="2571750" indent="-171450" algn="l" defTabSz="685800" rtl="0" eaLnBrk="1" latinLnBrk="0" hangingPunct="1">
+        <a:lnSpc>
+          <a:spcPct val="90000"/>
+        </a:lnSpc>
+        <a:spcBef>
+          <a:spcPts val="375"/>
+        </a:spcBef>
+        <a:buFont typeface="Arial" panose="020B0604020202020204" pitchFamily="34" charset="0"/>
+        <a:buChar char="•"/>
+        <a:defRPr sz="1350" kern="1200">
+          <a:solidFill>
+            <a:schemeClr val="tx1"/>
+          </a:solidFill>
+          <a:latin typeface="+mn-lt"/>
+          <a:ea typeface="+mn-ea"/>
+          <a:cs typeface="+mn-cs"/>
+        </a:defRPr>
+      </a:lvl8pPr>
+      <a:lvl9pPr marL="2914650" indent="-171450" algn="l" defTabSz="685800" rtl="0" eaLnBrk="1" latinLnBrk="0" hangingPunct="1">
+        <a:lnSpc>
+          <a:spcPct val="90000"/>
+        </a:lnSpc>
+        <a:spcBef>
+          <a:spcPts val="375"/>
+        </a:spcBef>
+        <a:buFont typeface="Arial" panose="020B0604020202020204" pitchFamily="34" charset="0"/>
+        <a:buChar char="•"/>
+        <a:defRPr sz="1350" kern="1200">
+          <a:solidFill>
+            <a:schemeClr val="tx1"/>
+          </a:solidFill>
+          <a:latin typeface="+mn-lt"/>
+          <a:ea typeface="+mn-ea"/>
+          <a:cs typeface="+mn-cs"/>
+        </a:defRPr>
+      </a:lvl9pPr>
+    </p:bodyStyle>
+    <p:otherStyle>
+      <a:defPPr>
+        <a:defRPr lang="en-US"/>
+      </a:defPPr>
+      <a:lvl1pPr marL="0" algn="l" defTabSz="685800" rtl="0" eaLnBrk="1" latinLnBrk="0" hangingPunct="1">
+        <a:defRPr sz="1350" kern="1200">
+          <a:solidFill>
+            <a:schemeClr val="tx1"/>
+          </a:solidFill>
+          <a:latin typeface="+mn-lt"/>
+          <a:ea typeface="+mn-ea"/>
+          <a:cs typeface="+mn-cs"/>
+        </a:defRPr>
+      </a:lvl1pPr>
+      <a:lvl2pPr marL="342900" algn="l" defTabSz="685800" rtl="0" eaLnBrk="1" latinLnBrk="0" hangingPunct="1">
+        <a:defRPr sz="1350" kern="1200">
+          <a:solidFill>
+            <a:schemeClr val="tx1"/>
+          </a:solidFill>
+          <a:latin typeface="+mn-lt"/>
+          <a:ea typeface="+mn-ea"/>
+          <a:cs typeface="+mn-cs"/>
+        </a:defRPr>
+      </a:lvl2pPr>
+      <a:lvl3pPr marL="685800" algn="l" defTabSz="685800" rtl="0" eaLnBrk="1" latinLnBrk="0" hangingPunct="1">
+        <a:defRPr sz="1350" kern="1200">
+          <a:solidFill>
+            <a:schemeClr val="tx1"/>
+          </a:solidFill>
+          <a:latin typeface="+mn-lt"/>
+          <a:ea typeface="+mn-ea"/>
+          <a:cs typeface="+mn-cs"/>
+        </a:defRPr>
+      </a:lvl3pPr>
+      <a:lvl4pPr marL="1028700" algn="l" defTabSz="685800" rtl="0" eaLnBrk="1" latinLnBrk="0" hangingPunct="1">
+        <a:defRPr sz="1350" kern="1200">
+          <a:solidFill>
+            <a:schemeClr val="tx1"/>
+          </a:solidFill>
+          <a:latin typeface="+mn-lt"/>
+          <a:ea typeface="+mn-ea"/>
+          <a:cs typeface="+mn-cs"/>
+        </a:defRPr>
+      </a:lvl4pPr>
+      <a:lvl5pPr marL="1371600" algn="l" defTabSz="685800" rtl="0" eaLnBrk="1" latinLnBrk="0" hangingPunct="1">
+        <a:defRPr sz="1350" kern="1200">
+          <a:solidFill>
+            <a:schemeClr val="tx1"/>
+          </a:solidFill>
+          <a:latin typeface="+mn-lt"/>
+          <a:ea typeface="+mn-ea"/>
+          <a:cs typeface="+mn-cs"/>
+        </a:defRPr>
+      </a:lvl5pPr>
+      <a:lvl6pPr marL="1714500" algn="l" defTabSz="685800" rtl="0" eaLnBrk="1" latinLnBrk="0" hangingPunct="1">
+        <a:defRPr sz="1350" kern="1200">
+          <a:solidFill>
+            <a:schemeClr val="tx1"/>
+          </a:solidFill>
+          <a:latin typeface="+mn-lt"/>
+          <a:ea typeface="+mn-ea"/>
+          <a:cs typeface="+mn-cs"/>
+        </a:defRPr>
+      </a:lvl6pPr>
+      <a:lvl7pPr marL="2057400" algn="l" defTabSz="685800" rtl="0" eaLnBrk="1" latinLnBrk="0" hangingPunct="1">
+        <a:defRPr sz="1350" kern="1200">
+          <a:solidFill>
+            <a:schemeClr val="tx1"/>
+          </a:solidFill>
+          <a:latin typeface="+mn-lt"/>
+          <a:ea typeface="+mn-ea"/>
+          <a:cs typeface="+mn-cs"/>
+        </a:defRPr>
+      </a:lvl7pPr>
+      <a:lvl8pPr marL="2400300" algn="l" defTabSz="685800" rtl="0" eaLnBrk="1" latinLnBrk="0" hangingPunct="1">
+        <a:defRPr sz="1350" kern="1200">
+          <a:solidFill>
+            <a:schemeClr val="tx1"/>
+          </a:solidFill>
+          <a:latin typeface="+mn-lt"/>
+          <a:ea typeface="+mn-ea"/>
+          <a:cs typeface="+mn-cs"/>
+        </a:defRPr>
+      </a:lvl8pPr>
+      <a:lvl9pPr marL="2743200" algn="l" defTabSz="685800" rtl="0" eaLnBrk="1" latinLnBrk="0" hangingPunct="1">
+        <a:defRPr sz="1350" kern="1200">
+          <a:solidFill>
+            <a:schemeClr val="tx1"/>
+          </a:solidFill>
+          <a:latin typeface="+mn-lt"/>
+          <a:ea typeface="+mn-ea"/>
+          <a:cs typeface="+mn-cs"/>
+        </a:defRPr>
+      </a:lvl9pPr>
+    </p:otherStyle>
+  </p:txStyles>
+</p:sldMaster>
+</file>
+
 <file path=ppt/slides/slide1.xml><?xml version="1.0" encoding="utf-8"?>
 <p:sld xmlns:a="http://schemas.openxmlformats.org/drawingml/2006/main" xmlns:r="http://schemas.openxmlformats.org/officeDocument/2006/relationships" xmlns:p="http://schemas.openxmlformats.org/presentationml/2006/main">
   <p:cSld>
@@ -4546,7 +7889,14 @@
             <a:pPr algn="ctr"/>
             <a:r>
               <a:rPr lang="en-US" sz="4000" dirty="0"/>
-              <a:t>Creating Dynamic Documents with JavaScript</a:t>
+              <a:t>Dynamic Documents </a:t>
+            </a:r>
+            <a:br>
+              <a:rPr lang="en-US" sz="4000" dirty="0"/>
+            </a:br>
+            <a:r>
+              <a:rPr lang="en-US" sz="4000" dirty="0"/>
+              <a:t>with JavaScript</a:t>
             </a:r>
           </a:p>
         </p:txBody>
@@ -7747,41 +11097,77 @@
             <a:pPr algn="ctr"/>
             <a:r>
               <a:rPr lang="en-US" dirty="0">
-                <a:latin typeface="Consolas" panose="020B0609020204030204" pitchFamily="49" charset="0"/>
-                <a:cs typeface="Consolas" panose="020B0609020204030204" pitchFamily="49" charset="0"/>
+                <a:cs typeface="Calibri" panose="020F0502020204030204" pitchFamily="34" charset="0"/>
               </a:rPr>
-              <a:t>showHide.html</a:t>
-            </a:r>
+              <a:t>showHide.html </a:t>
+            </a:r>
+            <a:r>
+              <a:rPr lang="en-US" dirty="0">
+                <a:cs typeface="Calibri" panose="020F0502020204030204" pitchFamily="34" charset="0"/>
+                <a:hlinkClick r:id="rId2" action="ppaction://hlinkfile"/>
+              </a:rPr>
+              <a:t>[link]</a:t>
+            </a:r>
+            <a:endParaRPr lang="en-US" dirty="0">
+              <a:cs typeface="Calibri" panose="020F0502020204030204" pitchFamily="34" charset="0"/>
+            </a:endParaRPr>
           </a:p>
           <a:p>
             <a:pPr algn="ctr"/>
             <a:r>
               <a:rPr lang="en-US" dirty="0">
-                <a:latin typeface="Consolas" panose="020B0609020204030204" pitchFamily="49" charset="0"/>
-                <a:cs typeface="Consolas" panose="020B0609020204030204" pitchFamily="49" charset="0"/>
+                <a:cs typeface="Calibri" panose="020F0502020204030204" pitchFamily="34" charset="0"/>
               </a:rPr>
-              <a:t>dynColors.html</a:t>
-            </a:r>
+              <a:t>dynColors.html </a:t>
+            </a:r>
+            <a:r>
+              <a:rPr lang="en-US" dirty="0">
+                <a:cs typeface="Calibri" panose="020F0502020204030204" pitchFamily="34" charset="0"/>
+                <a:hlinkClick r:id="rId3" action="ppaction://hlinkfile"/>
+              </a:rPr>
+              <a:t>[link]</a:t>
+            </a:r>
+            <a:endParaRPr lang="en-US" dirty="0">
+              <a:cs typeface="Calibri" panose="020F0502020204030204" pitchFamily="34" charset="0"/>
+            </a:endParaRPr>
           </a:p>
           <a:p>
             <a:pPr algn="ctr"/>
             <a:r>
               <a:rPr lang="en-US" dirty="0">
-                <a:latin typeface="Consolas" panose="020B0609020204030204" pitchFamily="49" charset="0"/>
-                <a:cs typeface="Consolas" panose="020B0609020204030204" pitchFamily="49" charset="0"/>
+                <a:cs typeface="Calibri" panose="020F0502020204030204" pitchFamily="34" charset="0"/>
               </a:rPr>
-              <a:t>dynFont.html</a:t>
-            </a:r>
+              <a:t>dynFont.html </a:t>
+            </a:r>
+            <a:r>
+              <a:rPr lang="en-US" dirty="0">
+                <a:cs typeface="Calibri" panose="020F0502020204030204" pitchFamily="34" charset="0"/>
+                <a:hlinkClick r:id="rId4" action="ppaction://hlinkfile"/>
+              </a:rPr>
+              <a:t>[link]</a:t>
+            </a:r>
+            <a:endParaRPr lang="en-US" dirty="0">
+              <a:cs typeface="Calibri" panose="020F0502020204030204" pitchFamily="34" charset="0"/>
+            </a:endParaRPr>
           </a:p>
           <a:p>
             <a:pPr algn="ctr"/>
             <a:r>
               <a:rPr lang="en-US" dirty="0">
-                <a:latin typeface="Consolas" panose="020B0609020204030204" pitchFamily="49" charset="0"/>
-                <a:cs typeface="Consolas" panose="020B0609020204030204" pitchFamily="49" charset="0"/>
+                <a:cs typeface="Calibri" panose="020F0502020204030204" pitchFamily="34" charset="0"/>
               </a:rPr>
-              <a:t>dynValue.html</a:t>
-            </a:r>
+              <a:t>dynValue.html </a:t>
+            </a:r>
+            <a:r>
+              <a:rPr lang="en-US" dirty="0">
+                <a:cs typeface="Calibri" panose="020F0502020204030204" pitchFamily="34" charset="0"/>
+                <a:hlinkClick r:id="rId5" action="ppaction://hlinkfile"/>
+              </a:rPr>
+              <a:t>[link]</a:t>
+            </a:r>
+            <a:endParaRPr lang="en-US" dirty="0">
+              <a:cs typeface="Calibri" panose="020F0502020204030204" pitchFamily="34" charset="0"/>
+            </a:endParaRPr>
           </a:p>
         </p:txBody>
       </p:sp>
@@ -7801,6 +11187,16 @@
 <file path=ppt/slides/slide18.xml><?xml version="1.0" encoding="utf-8"?>
 <p:sld xmlns:a="http://schemas.openxmlformats.org/drawingml/2006/main" xmlns:r="http://schemas.openxmlformats.org/officeDocument/2006/relationships" xmlns:p="http://schemas.openxmlformats.org/presentationml/2006/main">
   <p:cSld>
+    <p:bg>
+      <p:bgPr>
+        <a:solidFill>
+          <a:schemeClr val="bg1">
+            <a:lumMod val="75000"/>
+          </a:schemeClr>
+        </a:solidFill>
+        <a:effectLst/>
+      </p:bgPr>
+    </p:bg>
     <p:spTree>
       <p:nvGrpSpPr>
         <p:cNvPr id="1" name=""/>
@@ -7817,7 +11213,7 @@
       </p:grpSpPr>
       <p:sp>
         <p:nvSpPr>
-          <p:cNvPr id="4" name="Title 3"/>
+          <p:cNvPr id="2" name="Title 1"/>
           <p:cNvSpPr>
             <a:spLocks noGrp="1"/>
           </p:cNvSpPr>
@@ -7825,14 +11221,58 @@
             <p:ph type="ctrTitle"/>
           </p:nvPr>
         </p:nvSpPr>
-        <p:spPr/>
-        <p:txBody>
-          <a:bodyPr/>
+        <p:spPr>
+          <a:xfrm>
+            <a:off x="1143000" y="1699022"/>
+            <a:ext cx="6858000" cy="1790700"/>
+          </a:xfrm>
+        </p:spPr>
+        <p:txBody>
+          <a:bodyPr>
+            <a:normAutofit/>
+          </a:bodyPr>
           <a:lstStyle/>
           <a:p>
             <a:r>
-              <a:rPr lang="en-US" b="1" dirty="0"/>
-              <a:t>Element Stacking</a:t>
+              <a:rPr lang="en-US" sz="3600" dirty="0"/>
+              <a:t>End of Session</a:t>
+            </a:r>
+          </a:p>
+        </p:txBody>
+      </p:sp>
+      <p:sp>
+        <p:nvSpPr>
+          <p:cNvPr id="3" name="Subtitle 2"/>
+          <p:cNvSpPr>
+            <a:spLocks noGrp="1"/>
+          </p:cNvSpPr>
+          <p:nvPr>
+            <p:ph type="subTitle" idx="1"/>
+          </p:nvPr>
+        </p:nvSpPr>
+        <p:spPr>
+          <a:xfrm>
+            <a:off x="1143000" y="3558778"/>
+            <a:ext cx="6858000" cy="1648517"/>
+          </a:xfrm>
+        </p:spPr>
+        <p:txBody>
+          <a:bodyPr>
+            <a:normAutofit/>
+          </a:bodyPr>
+          <a:lstStyle/>
+          <a:p>
+            <a:pPr algn="l"/>
+            <a:r>
+              <a:rPr lang="en-US" dirty="0"/>
+              <a:t>Course Number: CPSC-24700</a:t>
+            </a:r>
+          </a:p>
+          <a:p>
+            <a:pPr algn="l"/>
+            <a:r>
+              <a:rPr lang="en-US" dirty="0"/>
+              <a:t>Instructor: Eric Pogue</a:t>
             </a:r>
           </a:p>
         </p:txBody>
@@ -7840,7 +11280,7 @@
     </p:spTree>
     <p:extLst>
       <p:ext uri="{BB962C8B-B14F-4D97-AF65-F5344CB8AC3E}">
-        <p14:creationId xmlns:p14="http://schemas.microsoft.com/office/powerpoint/2010/main" val="2210860122"/>
+        <p14:creationId xmlns:p14="http://schemas.microsoft.com/office/powerpoint/2010/main" val="1130818612"/>
       </p:ext>
     </p:extLst>
   </p:cSld>
@@ -7869,12 +11309,12 @@
       </p:grpSpPr>
       <p:sp>
         <p:nvSpPr>
-          <p:cNvPr id="2" name="Title 1"/>
-          <p:cNvSpPr>
-            <a:spLocks noGrp="1"/>
-          </p:cNvSpPr>
-          <p:nvPr>
-            <p:ph type="title"/>
+          <p:cNvPr id="4" name="Title 3"/>
+          <p:cNvSpPr>
+            <a:spLocks noGrp="1"/>
+          </p:cNvSpPr>
+          <p:nvPr>
+            <p:ph type="ctrTitle"/>
           </p:nvPr>
         </p:nvSpPr>
         <p:spPr/>
@@ -7883,411 +11323,22 @@
           <a:lstStyle/>
           <a:p>
             <a:r>
-              <a:rPr lang="en-US" dirty="0"/>
-              <a:t>Stacking Elements</a:t>
-            </a:r>
-          </a:p>
-        </p:txBody>
-      </p:sp>
-      <p:sp>
-        <p:nvSpPr>
-          <p:cNvPr id="3" name="Content Placeholder 2"/>
-          <p:cNvSpPr>
-            <a:spLocks noGrp="1"/>
-          </p:cNvSpPr>
-          <p:nvPr>
-            <p:ph idx="1"/>
-          </p:nvPr>
-        </p:nvSpPr>
-        <p:spPr>
-          <a:xfrm>
-            <a:off x="685800" y="1219200"/>
-            <a:ext cx="7772400" cy="4800600"/>
-          </a:xfrm>
-        </p:spPr>
-        <p:txBody>
-          <a:bodyPr>
-            <a:normAutofit/>
-          </a:bodyPr>
-          <a:lstStyle/>
-          <a:p>
-            <a:pPr marL="6350" indent="6350">
-              <a:lnSpc>
-                <a:spcPct val="100000"/>
-              </a:lnSpc>
-            </a:pPr>
-            <a:r>
-              <a:rPr lang="en-US" dirty="0"/>
-              <a:t>The CSS </a:t>
-            </a:r>
-            <a:r>
-              <a:rPr lang="en-US" b="1" dirty="0">
-                <a:solidFill>
-                  <a:srgbClr val="FF0000"/>
-                </a:solidFill>
-                <a:latin typeface="Courier New" pitchFamily="49" charset="0"/>
-              </a:rPr>
-              <a:t>z-index</a:t>
-            </a:r>
-            <a:r>
-              <a:rPr lang="en-US" dirty="0"/>
-              <a:t> attribute determines which element is in front and which are covered by the front element</a:t>
-            </a:r>
-          </a:p>
-          <a:p>
-            <a:pPr marL="6350" indent="6350">
-              <a:lnSpc>
-                <a:spcPct val="100000"/>
-              </a:lnSpc>
-            </a:pPr>
-            <a:endParaRPr lang="en-US" dirty="0"/>
-          </a:p>
-          <a:p>
-            <a:pPr marL="6858" indent="-457200"/>
-            <a:r>
-              <a:rPr lang="en-US" dirty="0"/>
-              <a:t>The JavaScript property associated with the </a:t>
-            </a:r>
-            <a:r>
-              <a:rPr lang="en-US" dirty="0">
-                <a:latin typeface="Courier New" pitchFamily="49" charset="0"/>
-              </a:rPr>
-              <a:t>z-index</a:t>
-            </a:r>
-            <a:r>
-              <a:rPr lang="en-US" dirty="0"/>
-              <a:t> attribute is </a:t>
-            </a:r>
-            <a:r>
-              <a:rPr lang="en-US" dirty="0" err="1">
-                <a:latin typeface="Courier New" pitchFamily="49" charset="0"/>
-              </a:rPr>
-              <a:t>zIndex</a:t>
-            </a:r>
-            <a:r>
-              <a:rPr lang="en-US" dirty="0"/>
-              <a:t>, which can be changed dynamically</a:t>
-            </a:r>
-          </a:p>
-          <a:p>
-            <a:pPr marL="6858" indent="-457200"/>
-            <a:endParaRPr lang="en-US" dirty="0"/>
-          </a:p>
-          <a:p>
-            <a:pPr>
-              <a:lnSpc>
-                <a:spcPct val="100000"/>
-              </a:lnSpc>
-            </a:pPr>
-            <a:r>
-              <a:rPr lang="en-US" dirty="0"/>
-              <a:t> To change stacking order, the handler function must change the </a:t>
-            </a:r>
-            <a:r>
-              <a:rPr lang="en-US" dirty="0" err="1">
-                <a:latin typeface="Courier New" pitchFamily="49" charset="0"/>
-              </a:rPr>
-              <a:t>zIndex</a:t>
-            </a:r>
-            <a:r>
-              <a:rPr lang="en-US" dirty="0"/>
-              <a:t> property value of the element</a:t>
-            </a:r>
-          </a:p>
-          <a:p>
-            <a:pPr marL="457200" indent="-457200">
-              <a:lnSpc>
-                <a:spcPct val="100000"/>
-              </a:lnSpc>
-            </a:pPr>
-            <a:endParaRPr lang="en-US" dirty="0"/>
-          </a:p>
-          <a:p>
-            <a:pPr marL="457200" indent="-457200">
-              <a:lnSpc>
-                <a:spcPct val="100000"/>
-              </a:lnSpc>
-            </a:pPr>
-            <a:r>
-              <a:rPr lang="en-US" dirty="0"/>
-              <a:t>Higher </a:t>
-            </a:r>
-            <a:r>
-              <a:rPr lang="en-US" dirty="0" err="1">
-                <a:latin typeface="Courier New" pitchFamily="49" charset="0"/>
-              </a:rPr>
-              <a:t>zIndex</a:t>
-            </a:r>
-            <a:r>
-              <a:rPr lang="en-US" dirty="0"/>
-              <a:t> values will make the elements go on top</a:t>
-            </a:r>
-          </a:p>
-        </p:txBody>
-      </p:sp>
-      <p:sp>
-        <p:nvSpPr>
-          <p:cNvPr id="4" name="Slide Number Placeholder 3"/>
-          <p:cNvSpPr>
-            <a:spLocks noGrp="1"/>
-          </p:cNvSpPr>
-          <p:nvPr>
-            <p:ph type="sldNum" sz="quarter" idx="12"/>
-          </p:nvPr>
-        </p:nvSpPr>
-        <p:spPr/>
-        <p:txBody>
-          <a:bodyPr/>
-          <a:lstStyle/>
-          <a:p>
-            <a:fld id="{9648F39E-9C37-485F-AC97-16BB4BDF9F49}" type="slidenum">
-              <a:rPr kumimoji="0" lang="en-US" smtClean="0"/>
-              <a:pPr/>
-              <a:t>19</a:t>
-            </a:fld>
-            <a:endParaRPr kumimoji="0" lang="en-US"/>
+              <a:rPr lang="en-US" b="1" dirty="0"/>
+              <a:t>Element Stacking</a:t>
+            </a:r>
           </a:p>
         </p:txBody>
       </p:sp>
     </p:spTree>
     <p:extLst>
       <p:ext uri="{BB962C8B-B14F-4D97-AF65-F5344CB8AC3E}">
-        <p14:creationId xmlns:p14="http://schemas.microsoft.com/office/powerpoint/2010/main" val="977180083"/>
+        <p14:creationId xmlns:p14="http://schemas.microsoft.com/office/powerpoint/2010/main" val="2210860122"/>
       </p:ext>
     </p:extLst>
   </p:cSld>
   <p:clrMapOvr>
     <a:masterClrMapping/>
   </p:clrMapOvr>
-  <p:timing>
-    <p:tnLst>
-      <p:par>
-        <p:cTn id="1" dur="indefinite" restart="never" nodeType="tmRoot">
-          <p:childTnLst>
-            <p:seq concurrent="1" nextAc="seek">
-              <p:cTn id="2" dur="indefinite" nodeType="mainSeq">
-                <p:childTnLst>
-                  <p:par>
-                    <p:cTn id="3" fill="hold">
-                      <p:stCondLst>
-                        <p:cond delay="indefinite"/>
-                      </p:stCondLst>
-                      <p:childTnLst>
-                        <p:par>
-                          <p:cTn id="4" fill="hold">
-                            <p:stCondLst>
-                              <p:cond delay="0"/>
-                            </p:stCondLst>
-                            <p:childTnLst>
-                              <p:par>
-                                <p:cTn id="5" presetID="1" presetClass="entr" presetSubtype="0" fill="hold" grpId="0" nodeType="clickEffect">
-                                  <p:stCondLst>
-                                    <p:cond delay="0"/>
-                                  </p:stCondLst>
-                                  <p:childTnLst>
-                                    <p:set>
-                                      <p:cBhvr>
-                                        <p:cTn id="6" dur="1" fill="hold">
-                                          <p:stCondLst>
-                                            <p:cond delay="0"/>
-                                          </p:stCondLst>
-                                        </p:cTn>
-                                        <p:tgtEl>
-                                          <p:spTgt spid="3">
-                                            <p:txEl>
-                                              <p:pRg st="0" end="0"/>
-                                            </p:txEl>
-                                          </p:spTgt>
-                                        </p:tgtEl>
-                                        <p:attrNameLst>
-                                          <p:attrName>style.visibility</p:attrName>
-                                        </p:attrNameLst>
-                                      </p:cBhvr>
-                                      <p:to>
-                                        <p:strVal val="visible"/>
-                                      </p:to>
-                                    </p:set>
-                                  </p:childTnLst>
-                                </p:cTn>
-                              </p:par>
-                            </p:childTnLst>
-                          </p:cTn>
-                        </p:par>
-                      </p:childTnLst>
-                    </p:cTn>
-                  </p:par>
-                  <p:par>
-                    <p:cTn id="7" fill="hold">
-                      <p:stCondLst>
-                        <p:cond delay="indefinite"/>
-                      </p:stCondLst>
-                      <p:childTnLst>
-                        <p:par>
-                          <p:cTn id="8" fill="hold">
-                            <p:stCondLst>
-                              <p:cond delay="0"/>
-                            </p:stCondLst>
-                            <p:childTnLst>
-                              <p:par>
-                                <p:cTn id="9" presetID="1" presetClass="entr" presetSubtype="0" fill="hold" grpId="0" nodeType="clickEffect">
-                                  <p:stCondLst>
-                                    <p:cond delay="0"/>
-                                  </p:stCondLst>
-                                  <p:childTnLst>
-                                    <p:set>
-                                      <p:cBhvr>
-                                        <p:cTn id="10" dur="1" fill="hold">
-                                          <p:stCondLst>
-                                            <p:cond delay="0"/>
-                                          </p:stCondLst>
-                                        </p:cTn>
-                                        <p:tgtEl>
-                                          <p:spTgt spid="3">
-                                            <p:txEl>
-                                              <p:pRg st="2" end="2"/>
-                                            </p:txEl>
-                                          </p:spTgt>
-                                        </p:tgtEl>
-                                        <p:attrNameLst>
-                                          <p:attrName>style.visibility</p:attrName>
-                                        </p:attrNameLst>
-                                      </p:cBhvr>
-                                      <p:to>
-                                        <p:strVal val="visible"/>
-                                      </p:to>
-                                    </p:set>
-                                  </p:childTnLst>
-                                </p:cTn>
-                              </p:par>
-                            </p:childTnLst>
-                          </p:cTn>
-                        </p:par>
-                      </p:childTnLst>
-                    </p:cTn>
-                  </p:par>
-                  <p:par>
-                    <p:cTn id="11" fill="hold">
-                      <p:stCondLst>
-                        <p:cond delay="indefinite"/>
-                      </p:stCondLst>
-                      <p:childTnLst>
-                        <p:par>
-                          <p:cTn id="12" fill="hold">
-                            <p:stCondLst>
-                              <p:cond delay="0"/>
-                            </p:stCondLst>
-                            <p:childTnLst>
-                              <p:par>
-                                <p:cTn id="13" presetID="1" presetClass="entr" presetSubtype="0" fill="hold" grpId="0" nodeType="clickEffect">
-                                  <p:stCondLst>
-                                    <p:cond delay="0"/>
-                                  </p:stCondLst>
-                                  <p:childTnLst>
-                                    <p:set>
-                                      <p:cBhvr>
-                                        <p:cTn id="14" dur="1" fill="hold">
-                                          <p:stCondLst>
-                                            <p:cond delay="0"/>
-                                          </p:stCondLst>
-                                        </p:cTn>
-                                        <p:tgtEl>
-                                          <p:spTgt spid="3">
-                                            <p:txEl>
-                                              <p:pRg st="4" end="4"/>
-                                            </p:txEl>
-                                          </p:spTgt>
-                                        </p:tgtEl>
-                                        <p:attrNameLst>
-                                          <p:attrName>style.visibility</p:attrName>
-                                        </p:attrNameLst>
-                                      </p:cBhvr>
-                                      <p:to>
-                                        <p:strVal val="visible"/>
-                                      </p:to>
-                                    </p:set>
-                                  </p:childTnLst>
-                                </p:cTn>
-                              </p:par>
-                            </p:childTnLst>
-                          </p:cTn>
-                        </p:par>
-                      </p:childTnLst>
-                    </p:cTn>
-                  </p:par>
-                  <p:par>
-                    <p:cTn id="15" fill="hold">
-                      <p:stCondLst>
-                        <p:cond delay="indefinite"/>
-                      </p:stCondLst>
-                      <p:childTnLst>
-                        <p:par>
-                          <p:cTn id="16" fill="hold">
-                            <p:stCondLst>
-                              <p:cond delay="0"/>
-                            </p:stCondLst>
-                            <p:childTnLst>
-                              <p:par>
-                                <p:cTn id="17" presetID="1" presetClass="entr" presetSubtype="0" fill="hold" grpId="0" nodeType="clickEffect">
-                                  <p:stCondLst>
-                                    <p:cond delay="0"/>
-                                  </p:stCondLst>
-                                  <p:childTnLst>
-                                    <p:set>
-                                      <p:cBhvr>
-                                        <p:cTn id="18" dur="1" fill="hold">
-                                          <p:stCondLst>
-                                            <p:cond delay="0"/>
-                                          </p:stCondLst>
-                                        </p:cTn>
-                                        <p:tgtEl>
-                                          <p:spTgt spid="3">
-                                            <p:txEl>
-                                              <p:pRg st="6" end="6"/>
-                                            </p:txEl>
-                                          </p:spTgt>
-                                        </p:tgtEl>
-                                        <p:attrNameLst>
-                                          <p:attrName>style.visibility</p:attrName>
-                                        </p:attrNameLst>
-                                      </p:cBhvr>
-                                      <p:to>
-                                        <p:strVal val="visible"/>
-                                      </p:to>
-                                    </p:set>
-                                  </p:childTnLst>
-                                </p:cTn>
-                              </p:par>
-                            </p:childTnLst>
-                          </p:cTn>
-                        </p:par>
-                      </p:childTnLst>
-                    </p:cTn>
-                  </p:par>
-                </p:childTnLst>
-              </p:cTn>
-              <p:prevCondLst>
-                <p:cond evt="onPrev" delay="0">
-                  <p:tgtEl>
-                    <p:sldTgt/>
-                  </p:tgtEl>
-                </p:cond>
-              </p:prevCondLst>
-              <p:nextCondLst>
-                <p:cond evt="onNext" delay="0">
-                  <p:tgtEl>
-                    <p:sldTgt/>
-                  </p:tgtEl>
-                </p:cond>
-              </p:nextCondLst>
-            </p:seq>
-          </p:childTnLst>
-        </p:cTn>
-      </p:par>
-    </p:tnLst>
-    <p:bldLst>
-      <p:bldP spid="3" grpId="0" build="p"/>
-    </p:bldLst>
-  </p:timing>
 </p:sld>
 </file>
 
@@ -8788,21 +11839,14 @@
             <p:ph type="title"/>
           </p:nvPr>
         </p:nvSpPr>
-        <p:spPr>
-          <a:solidFill>
-            <a:schemeClr val="accent6">
-              <a:lumMod val="20000"/>
-              <a:lumOff val="80000"/>
-            </a:schemeClr>
-          </a:solidFill>
-        </p:spPr>
+        <p:spPr/>
         <p:txBody>
           <a:bodyPr/>
           <a:lstStyle/>
           <a:p>
             <a:r>
               <a:rPr lang="en-US" dirty="0"/>
-              <a:t>Examples</a:t>
+              <a:t>Stacking Elements</a:t>
             </a:r>
           </a:p>
         </p:txBody>
@@ -8815,6 +11859,142 @@
           </p:cNvSpPr>
           <p:nvPr>
             <p:ph idx="1"/>
+          </p:nvPr>
+        </p:nvSpPr>
+        <p:spPr>
+          <a:xfrm>
+            <a:off x="685800" y="1219200"/>
+            <a:ext cx="7772400" cy="4800600"/>
+          </a:xfrm>
+        </p:spPr>
+        <p:txBody>
+          <a:bodyPr>
+            <a:normAutofit/>
+          </a:bodyPr>
+          <a:lstStyle/>
+          <a:p>
+            <a:pPr marL="6350" indent="6350">
+              <a:lnSpc>
+                <a:spcPct val="100000"/>
+              </a:lnSpc>
+            </a:pPr>
+            <a:r>
+              <a:rPr lang="en-US" dirty="0"/>
+              <a:t>The CSS </a:t>
+            </a:r>
+            <a:r>
+              <a:rPr lang="en-US" b="1" dirty="0">
+                <a:solidFill>
+                  <a:srgbClr val="FF0000"/>
+                </a:solidFill>
+                <a:latin typeface="Courier New" pitchFamily="49" charset="0"/>
+              </a:rPr>
+              <a:t>z-index</a:t>
+            </a:r>
+            <a:r>
+              <a:rPr lang="en-US" dirty="0"/>
+              <a:t> attribute determines which element is in front and which are covered by the front element</a:t>
+            </a:r>
+          </a:p>
+          <a:p>
+            <a:pPr marL="6350" indent="6350">
+              <a:lnSpc>
+                <a:spcPct val="100000"/>
+              </a:lnSpc>
+            </a:pPr>
+            <a:endParaRPr lang="en-US" dirty="0"/>
+          </a:p>
+          <a:p>
+            <a:pPr marL="6858" indent="-457200"/>
+            <a:r>
+              <a:rPr lang="en-US" dirty="0"/>
+              <a:t>The JavaScript property associated with the </a:t>
+            </a:r>
+            <a:r>
+              <a:rPr lang="en-US" dirty="0">
+                <a:latin typeface="Courier New" pitchFamily="49" charset="0"/>
+              </a:rPr>
+              <a:t>z-index</a:t>
+            </a:r>
+            <a:r>
+              <a:rPr lang="en-US" dirty="0"/>
+              <a:t> attribute is </a:t>
+            </a:r>
+            <a:r>
+              <a:rPr lang="en-US" dirty="0" err="1">
+                <a:latin typeface="Courier New" pitchFamily="49" charset="0"/>
+              </a:rPr>
+              <a:t>zIndex</a:t>
+            </a:r>
+            <a:r>
+              <a:rPr lang="en-US" dirty="0"/>
+              <a:t>, which can be changed dynamically</a:t>
+            </a:r>
+          </a:p>
+          <a:p>
+            <a:pPr marL="6858" indent="-457200"/>
+            <a:endParaRPr lang="en-US" dirty="0"/>
+          </a:p>
+          <a:p>
+            <a:pPr>
+              <a:lnSpc>
+                <a:spcPct val="100000"/>
+              </a:lnSpc>
+            </a:pPr>
+            <a:r>
+              <a:rPr lang="en-US" dirty="0"/>
+              <a:t> To change stacking order, the handler function must change the </a:t>
+            </a:r>
+            <a:r>
+              <a:rPr lang="en-US" dirty="0" err="1">
+                <a:latin typeface="Courier New" pitchFamily="49" charset="0"/>
+              </a:rPr>
+              <a:t>zIndex</a:t>
+            </a:r>
+            <a:r>
+              <a:rPr lang="en-US" dirty="0"/>
+              <a:t> property value of the element</a:t>
+            </a:r>
+          </a:p>
+          <a:p>
+            <a:pPr marL="457200" indent="-457200">
+              <a:lnSpc>
+                <a:spcPct val="100000"/>
+              </a:lnSpc>
+            </a:pPr>
+            <a:endParaRPr lang="en-US" dirty="0"/>
+          </a:p>
+          <a:p>
+            <a:pPr marL="457200" indent="-457200">
+              <a:lnSpc>
+                <a:spcPct val="100000"/>
+              </a:lnSpc>
+            </a:pPr>
+            <a:r>
+              <a:rPr lang="en-US" dirty="0"/>
+              <a:t>Higher </a:t>
+            </a:r>
+            <a:r>
+              <a:rPr lang="en-US" dirty="0" err="1">
+                <a:latin typeface="Courier New" pitchFamily="49" charset="0"/>
+              </a:rPr>
+              <a:t>zIndex</a:t>
+            </a:r>
+            <a:r>
+              <a:rPr lang="en-US" dirty="0"/>
+              <a:t> values will make the elements go on top</a:t>
+            </a:r>
+          </a:p>
+        </p:txBody>
+      </p:sp>
+      <p:sp>
+        <p:nvSpPr>
+          <p:cNvPr id="4" name="Slide Number Placeholder 3"/>
+          <p:cNvSpPr>
+            <a:spLocks noGrp="1"/>
+          </p:cNvSpPr>
+          <p:nvPr>
+            <p:ph type="sldNum" sz="quarter" idx="12"/>
           </p:nvPr>
         </p:nvSpPr>
         <p:spPr/>
@@ -8822,34 +12002,254 @@
           <a:bodyPr/>
           <a:lstStyle/>
           <a:p>
-            <a:pPr algn="ctr"/>
-            <a:endParaRPr lang="en-US" dirty="0">
-              <a:latin typeface="Consolas" panose="020B0609020204030204" pitchFamily="49" charset="0"/>
-              <a:cs typeface="Consolas" panose="020B0609020204030204" pitchFamily="49" charset="0"/>
-            </a:endParaRPr>
-          </a:p>
-          <a:p>
-            <a:pPr algn="ctr"/>
-            <a:r>
-              <a:rPr lang="en-US" dirty="0">
-                <a:latin typeface="Consolas" panose="020B0609020204030204" pitchFamily="49" charset="0"/>
-                <a:cs typeface="Consolas" panose="020B0609020204030204" pitchFamily="49" charset="0"/>
-              </a:rPr>
-              <a:t>stacking.html</a:t>
-            </a:r>
+            <a:fld id="{9648F39E-9C37-485F-AC97-16BB4BDF9F49}" type="slidenum">
+              <a:rPr kumimoji="0" lang="en-US" smtClean="0"/>
+              <a:pPr/>
+              <a:t>20</a:t>
+            </a:fld>
+            <a:endParaRPr kumimoji="0" lang="en-US"/>
           </a:p>
         </p:txBody>
       </p:sp>
     </p:spTree>
     <p:extLst>
       <p:ext uri="{BB962C8B-B14F-4D97-AF65-F5344CB8AC3E}">
-        <p14:creationId xmlns:p14="http://schemas.microsoft.com/office/powerpoint/2010/main" val="1840955552"/>
+        <p14:creationId xmlns:p14="http://schemas.microsoft.com/office/powerpoint/2010/main" val="977180083"/>
       </p:ext>
     </p:extLst>
   </p:cSld>
   <p:clrMapOvr>
     <a:masterClrMapping/>
   </p:clrMapOvr>
+  <p:timing>
+    <p:tnLst>
+      <p:par>
+        <p:cTn id="1" dur="indefinite" restart="never" nodeType="tmRoot">
+          <p:childTnLst>
+            <p:seq concurrent="1" nextAc="seek">
+              <p:cTn id="2" dur="indefinite" nodeType="mainSeq">
+                <p:childTnLst>
+                  <p:par>
+                    <p:cTn id="3" fill="hold">
+                      <p:stCondLst>
+                        <p:cond delay="indefinite"/>
+                      </p:stCondLst>
+                      <p:childTnLst>
+                        <p:par>
+                          <p:cTn id="4" fill="hold">
+                            <p:stCondLst>
+                              <p:cond delay="0"/>
+                            </p:stCondLst>
+                            <p:childTnLst>
+                              <p:par>
+                                <p:cTn id="5" presetID="1" presetClass="entr" presetSubtype="0" fill="hold" grpId="0" nodeType="clickEffect">
+                                  <p:stCondLst>
+                                    <p:cond delay="0"/>
+                                  </p:stCondLst>
+                                  <p:childTnLst>
+                                    <p:set>
+                                      <p:cBhvr>
+                                        <p:cTn id="6" dur="1" fill="hold">
+                                          <p:stCondLst>
+                                            <p:cond delay="0"/>
+                                          </p:stCondLst>
+                                        </p:cTn>
+                                        <p:tgtEl>
+                                          <p:spTgt spid="3">
+                                            <p:txEl>
+                                              <p:pRg st="0" end="0"/>
+                                            </p:txEl>
+                                          </p:spTgt>
+                                        </p:tgtEl>
+                                        <p:attrNameLst>
+                                          <p:attrName>style.visibility</p:attrName>
+                                        </p:attrNameLst>
+                                      </p:cBhvr>
+                                      <p:to>
+                                        <p:strVal val="visible"/>
+                                      </p:to>
+                                    </p:set>
+                                  </p:childTnLst>
+                                </p:cTn>
+                              </p:par>
+                            </p:childTnLst>
+                          </p:cTn>
+                        </p:par>
+                      </p:childTnLst>
+                    </p:cTn>
+                  </p:par>
+                  <p:par>
+                    <p:cTn id="7" fill="hold">
+                      <p:stCondLst>
+                        <p:cond delay="indefinite"/>
+                      </p:stCondLst>
+                      <p:childTnLst>
+                        <p:par>
+                          <p:cTn id="8" fill="hold">
+                            <p:stCondLst>
+                              <p:cond delay="0"/>
+                            </p:stCondLst>
+                            <p:childTnLst>
+                              <p:par>
+                                <p:cTn id="9" presetID="1" presetClass="entr" presetSubtype="0" fill="hold" grpId="0" nodeType="clickEffect">
+                                  <p:stCondLst>
+                                    <p:cond delay="0"/>
+                                  </p:stCondLst>
+                                  <p:childTnLst>
+                                    <p:set>
+                                      <p:cBhvr>
+                                        <p:cTn id="10" dur="1" fill="hold">
+                                          <p:stCondLst>
+                                            <p:cond delay="0"/>
+                                          </p:stCondLst>
+                                        </p:cTn>
+                                        <p:tgtEl>
+                                          <p:spTgt spid="3">
+                                            <p:txEl>
+                                              <p:pRg st="2" end="2"/>
+                                            </p:txEl>
+                                          </p:spTgt>
+                                        </p:tgtEl>
+                                        <p:attrNameLst>
+                                          <p:attrName>style.visibility</p:attrName>
+                                        </p:attrNameLst>
+                                      </p:cBhvr>
+                                      <p:to>
+                                        <p:strVal val="visible"/>
+                                      </p:to>
+                                    </p:set>
+                                  </p:childTnLst>
+                                </p:cTn>
+                              </p:par>
+                            </p:childTnLst>
+                          </p:cTn>
+                        </p:par>
+                      </p:childTnLst>
+                    </p:cTn>
+                  </p:par>
+                  <p:par>
+                    <p:cTn id="11" fill="hold">
+                      <p:stCondLst>
+                        <p:cond delay="indefinite"/>
+                      </p:stCondLst>
+                      <p:childTnLst>
+                        <p:par>
+                          <p:cTn id="12" fill="hold">
+                            <p:stCondLst>
+                              <p:cond delay="0"/>
+                            </p:stCondLst>
+                            <p:childTnLst>
+                              <p:par>
+                                <p:cTn id="13" presetID="1" presetClass="entr" presetSubtype="0" fill="hold" grpId="0" nodeType="clickEffect">
+                                  <p:stCondLst>
+                                    <p:cond delay="0"/>
+                                  </p:stCondLst>
+                                  <p:childTnLst>
+                                    <p:set>
+                                      <p:cBhvr>
+                                        <p:cTn id="14" dur="1" fill="hold">
+                                          <p:stCondLst>
+                                            <p:cond delay="0"/>
+                                          </p:stCondLst>
+                                        </p:cTn>
+                                        <p:tgtEl>
+                                          <p:spTgt spid="3">
+                                            <p:txEl>
+                                              <p:pRg st="4" end="4"/>
+                                            </p:txEl>
+                                          </p:spTgt>
+                                        </p:tgtEl>
+                                        <p:attrNameLst>
+                                          <p:attrName>style.visibility</p:attrName>
+                                        </p:attrNameLst>
+                                      </p:cBhvr>
+                                      <p:to>
+                                        <p:strVal val="visible"/>
+                                      </p:to>
+                                    </p:set>
+                                  </p:childTnLst>
+                                </p:cTn>
+                              </p:par>
+                            </p:childTnLst>
+                          </p:cTn>
+                        </p:par>
+                      </p:childTnLst>
+                    </p:cTn>
+                  </p:par>
+                  <p:par>
+                    <p:cTn id="15" fill="hold">
+                      <p:stCondLst>
+                        <p:cond delay="indefinite"/>
+                      </p:stCondLst>
+                      <p:childTnLst>
+                        <p:par>
+                          <p:cTn id="16" fill="hold">
+                            <p:stCondLst>
+                              <p:cond delay="0"/>
+                            </p:stCondLst>
+                            <p:childTnLst>
+                              <p:par>
+                                <p:cTn id="17" presetID="1" presetClass="entr" presetSubtype="0" fill="hold" grpId="0" nodeType="clickEffect">
+                                  <p:stCondLst>
+                                    <p:cond delay="0"/>
+                                  </p:stCondLst>
+                                  <p:childTnLst>
+                                    <p:set>
+                                      <p:cBhvr>
+                                        <p:cTn id="18" dur="1" fill="hold">
+                                          <p:stCondLst>
+                                            <p:cond delay="0"/>
+                                          </p:stCondLst>
+                                        </p:cTn>
+                                        <p:tgtEl>
+                                          <p:spTgt spid="3">
+                                            <p:txEl>
+                                              <p:pRg st="6" end="6"/>
+                                            </p:txEl>
+                                          </p:spTgt>
+                                        </p:tgtEl>
+                                        <p:attrNameLst>
+                                          <p:attrName>style.visibility</p:attrName>
+                                        </p:attrNameLst>
+                                      </p:cBhvr>
+                                      <p:to>
+                                        <p:strVal val="visible"/>
+                                      </p:to>
+                                    </p:set>
+                                  </p:childTnLst>
+                                </p:cTn>
+                              </p:par>
+                            </p:childTnLst>
+                          </p:cTn>
+                        </p:par>
+                      </p:childTnLst>
+                    </p:cTn>
+                  </p:par>
+                </p:childTnLst>
+              </p:cTn>
+              <p:prevCondLst>
+                <p:cond evt="onPrev" delay="0">
+                  <p:tgtEl>
+                    <p:sldTgt/>
+                  </p:tgtEl>
+                </p:cond>
+              </p:prevCondLst>
+              <p:nextCondLst>
+                <p:cond evt="onNext" delay="0">
+                  <p:tgtEl>
+                    <p:sldTgt/>
+                  </p:tgtEl>
+                </p:cond>
+              </p:nextCondLst>
+            </p:seq>
+          </p:childTnLst>
+        </p:cTn>
+      </p:par>
+    </p:tnLst>
+    <p:bldLst>
+      <p:bldP spid="3" grpId="0" build="p"/>
+    </p:bldLst>
+  </p:timing>
 </p:sld>
 </file>
 
@@ -8872,30 +12272,79 @@
       </p:grpSpPr>
       <p:sp>
         <p:nvSpPr>
-          <p:cNvPr id="4" name="Title 3"/>
-          <p:cNvSpPr>
-            <a:spLocks noGrp="1"/>
-          </p:cNvSpPr>
-          <p:nvPr>
-            <p:ph type="ctrTitle"/>
-          </p:nvPr>
-        </p:nvSpPr>
-        <p:spPr/>
+          <p:cNvPr id="2" name="Title 1"/>
+          <p:cNvSpPr>
+            <a:spLocks noGrp="1"/>
+          </p:cNvSpPr>
+          <p:nvPr>
+            <p:ph type="title"/>
+          </p:nvPr>
+        </p:nvSpPr>
+        <p:spPr>
+          <a:solidFill>
+            <a:schemeClr val="accent6">
+              <a:lumMod val="20000"/>
+              <a:lumOff val="80000"/>
+            </a:schemeClr>
+          </a:solidFill>
+        </p:spPr>
         <p:txBody>
           <a:bodyPr/>
           <a:lstStyle/>
           <a:p>
             <a:r>
-              <a:rPr lang="en-US" b="1" dirty="0"/>
-              <a:t>Mouse Cursor and Events</a:t>
-            </a:r>
+              <a:rPr lang="en-US" dirty="0"/>
+              <a:t>Examples</a:t>
+            </a:r>
+          </a:p>
+        </p:txBody>
+      </p:sp>
+      <p:sp>
+        <p:nvSpPr>
+          <p:cNvPr id="3" name="Content Placeholder 2"/>
+          <p:cNvSpPr>
+            <a:spLocks noGrp="1"/>
+          </p:cNvSpPr>
+          <p:nvPr>
+            <p:ph idx="1"/>
+          </p:nvPr>
+        </p:nvSpPr>
+        <p:spPr/>
+        <p:txBody>
+          <a:bodyPr/>
+          <a:lstStyle/>
+          <a:p>
+            <a:pPr algn="ctr"/>
+            <a:endParaRPr lang="en-US" dirty="0">
+              <a:latin typeface="Consolas" panose="020B0609020204030204" pitchFamily="49" charset="0"/>
+              <a:cs typeface="Consolas" panose="020B0609020204030204" pitchFamily="49" charset="0"/>
+            </a:endParaRPr>
+          </a:p>
+          <a:p>
+            <a:pPr algn="ctr"/>
+            <a:r>
+              <a:rPr lang="en-US" dirty="0">
+                <a:cs typeface="Calibri" panose="020F0502020204030204" pitchFamily="34" charset="0"/>
+              </a:rPr>
+              <a:t>stacking.html </a:t>
+            </a:r>
+            <a:r>
+              <a:rPr lang="en-US" dirty="0">
+                <a:cs typeface="Calibri" panose="020F0502020204030204" pitchFamily="34" charset="0"/>
+                <a:hlinkClick r:id="rId2" action="ppaction://hlinkfile"/>
+              </a:rPr>
+              <a:t>[link]</a:t>
+            </a:r>
+            <a:endParaRPr lang="en-US" dirty="0">
+              <a:cs typeface="Calibri" panose="020F0502020204030204" pitchFamily="34" charset="0"/>
+            </a:endParaRPr>
           </a:p>
         </p:txBody>
       </p:sp>
     </p:spTree>
     <p:extLst>
       <p:ext uri="{BB962C8B-B14F-4D97-AF65-F5344CB8AC3E}">
-        <p14:creationId xmlns:p14="http://schemas.microsoft.com/office/powerpoint/2010/main" val="4285972433"/>
+        <p14:creationId xmlns:p14="http://schemas.microsoft.com/office/powerpoint/2010/main" val="1840955552"/>
       </p:ext>
     </p:extLst>
   </p:cSld>
@@ -8924,6 +12373,58 @@
       </p:grpSpPr>
       <p:sp>
         <p:nvSpPr>
+          <p:cNvPr id="4" name="Title 3"/>
+          <p:cNvSpPr>
+            <a:spLocks noGrp="1"/>
+          </p:cNvSpPr>
+          <p:nvPr>
+            <p:ph type="ctrTitle"/>
+          </p:nvPr>
+        </p:nvSpPr>
+        <p:spPr/>
+        <p:txBody>
+          <a:bodyPr/>
+          <a:lstStyle/>
+          <a:p>
+            <a:r>
+              <a:rPr lang="en-US" b="1" dirty="0"/>
+              <a:t>Mouse Cursor and Events</a:t>
+            </a:r>
+          </a:p>
+        </p:txBody>
+      </p:sp>
+    </p:spTree>
+    <p:extLst>
+      <p:ext uri="{BB962C8B-B14F-4D97-AF65-F5344CB8AC3E}">
+        <p14:creationId xmlns:p14="http://schemas.microsoft.com/office/powerpoint/2010/main" val="4285972433"/>
+      </p:ext>
+    </p:extLst>
+  </p:cSld>
+  <p:clrMapOvr>
+    <a:masterClrMapping/>
+  </p:clrMapOvr>
+</p:sld>
+</file>
+
+<file path=ppt/slides/slide23.xml><?xml version="1.0" encoding="utf-8"?>
+<p:sld xmlns:a="http://schemas.openxmlformats.org/drawingml/2006/main" xmlns:r="http://schemas.openxmlformats.org/officeDocument/2006/relationships" xmlns:p="http://schemas.openxmlformats.org/presentationml/2006/main">
+  <p:cSld>
+    <p:spTree>
+      <p:nvGrpSpPr>
+        <p:cNvPr id="1" name=""/>
+        <p:cNvGrpSpPr/>
+        <p:nvPr/>
+      </p:nvGrpSpPr>
+      <p:grpSpPr>
+        <a:xfrm>
+          <a:off x="0" y="0"/>
+          <a:ext cx="0" cy="0"/>
+          <a:chOff x="0" y="0"/>
+          <a:chExt cx="0" cy="0"/>
+        </a:xfrm>
+      </p:grpSpPr>
+      <p:sp>
+        <p:nvSpPr>
           <p:cNvPr id="2" name="Title 1"/>
           <p:cNvSpPr>
             <a:spLocks noGrp="1"/>
@@ -9168,7 +12669,7 @@
             <a:fld id="{9648F39E-9C37-485F-AC97-16BB4BDF9F49}" type="slidenum">
               <a:rPr kumimoji="0" lang="en-US" smtClean="0"/>
               <a:pPr/>
-              <a:t>22</a:t>
+              <a:t>23</a:t>
             </a:fld>
             <a:endParaRPr kumimoji="0" lang="en-US"/>
           </a:p>
@@ -9465,115 +12966,6 @@
 </p:sld>
 </file>
 
-<file path=ppt/slides/slide23.xml><?xml version="1.0" encoding="utf-8"?>
-<p:sld xmlns:a="http://schemas.openxmlformats.org/drawingml/2006/main" xmlns:r="http://schemas.openxmlformats.org/officeDocument/2006/relationships" xmlns:p="http://schemas.openxmlformats.org/presentationml/2006/main">
-  <p:cSld>
-    <p:spTree>
-      <p:nvGrpSpPr>
-        <p:cNvPr id="1" name=""/>
-        <p:cNvGrpSpPr/>
-        <p:nvPr/>
-      </p:nvGrpSpPr>
-      <p:grpSpPr>
-        <a:xfrm>
-          <a:off x="0" y="0"/>
-          <a:ext cx="0" cy="0"/>
-          <a:chOff x="0" y="0"/>
-          <a:chExt cx="0" cy="0"/>
-        </a:xfrm>
-      </p:grpSpPr>
-      <p:sp>
-        <p:nvSpPr>
-          <p:cNvPr id="2" name="Title 1"/>
-          <p:cNvSpPr>
-            <a:spLocks noGrp="1"/>
-          </p:cNvSpPr>
-          <p:nvPr>
-            <p:ph type="title"/>
-          </p:nvPr>
-        </p:nvSpPr>
-        <p:spPr>
-          <a:solidFill>
-            <a:schemeClr val="accent6">
-              <a:lumMod val="20000"/>
-              <a:lumOff val="80000"/>
-            </a:schemeClr>
-          </a:solidFill>
-        </p:spPr>
-        <p:txBody>
-          <a:bodyPr/>
-          <a:lstStyle/>
-          <a:p>
-            <a:r>
-              <a:rPr lang="en-US" dirty="0"/>
-              <a:t>Examples</a:t>
-            </a:r>
-          </a:p>
-        </p:txBody>
-      </p:sp>
-      <p:sp>
-        <p:nvSpPr>
-          <p:cNvPr id="3" name="Content Placeholder 2"/>
-          <p:cNvSpPr>
-            <a:spLocks noGrp="1"/>
-          </p:cNvSpPr>
-          <p:nvPr>
-            <p:ph idx="1"/>
-          </p:nvPr>
-        </p:nvSpPr>
-        <p:spPr/>
-        <p:txBody>
-          <a:bodyPr/>
-          <a:lstStyle/>
-          <a:p>
-            <a:pPr algn="ctr"/>
-            <a:endParaRPr lang="en-US" dirty="0">
-              <a:latin typeface="Consolas" panose="020B0609020204030204" pitchFamily="49" charset="0"/>
-              <a:cs typeface="Consolas" panose="020B0609020204030204" pitchFamily="49" charset="0"/>
-            </a:endParaRPr>
-          </a:p>
-          <a:p>
-            <a:pPr algn="ctr"/>
-            <a:r>
-              <a:rPr lang="en-US" dirty="0">
-                <a:latin typeface="Consolas" panose="020B0609020204030204" pitchFamily="49" charset="0"/>
-                <a:cs typeface="Consolas" panose="020B0609020204030204" pitchFamily="49" charset="0"/>
-              </a:rPr>
-              <a:t>where.html</a:t>
-            </a:r>
-          </a:p>
-          <a:p>
-            <a:pPr algn="ctr"/>
-            <a:r>
-              <a:rPr lang="en-US" dirty="0">
-                <a:latin typeface="Consolas" panose="020B0609020204030204" pitchFamily="49" charset="0"/>
-                <a:cs typeface="Consolas" panose="020B0609020204030204" pitchFamily="49" charset="0"/>
-              </a:rPr>
-              <a:t>anywhere.html</a:t>
-            </a:r>
-          </a:p>
-          <a:p>
-            <a:pPr algn="ctr"/>
-            <a:endParaRPr lang="en-US" dirty="0">
-              <a:latin typeface="Consolas" panose="020B0609020204030204" pitchFamily="49" charset="0"/>
-              <a:cs typeface="Consolas" panose="020B0609020204030204" pitchFamily="49" charset="0"/>
-            </a:endParaRPr>
-          </a:p>
-        </p:txBody>
-      </p:sp>
-    </p:spTree>
-    <p:extLst>
-      <p:ext uri="{BB962C8B-B14F-4D97-AF65-F5344CB8AC3E}">
-        <p14:creationId xmlns:p14="http://schemas.microsoft.com/office/powerpoint/2010/main" val="1840955552"/>
-      </p:ext>
-    </p:extLst>
-  </p:cSld>
-  <p:clrMapOvr>
-    <a:masterClrMapping/>
-  </p:clrMapOvr>
-</p:sld>
-</file>
-
 <file path=ppt/slides/slide24.xml><?xml version="1.0" encoding="utf-8"?>
 <p:sld xmlns:a="http://schemas.openxmlformats.org/drawingml/2006/main" xmlns:r="http://schemas.openxmlformats.org/officeDocument/2006/relationships" xmlns:p="http://schemas.openxmlformats.org/presentationml/2006/main">
   <p:cSld>
@@ -9593,30 +12985,87 @@
       </p:grpSpPr>
       <p:sp>
         <p:nvSpPr>
-          <p:cNvPr id="4" name="Title 3"/>
-          <p:cNvSpPr>
-            <a:spLocks noGrp="1"/>
-          </p:cNvSpPr>
-          <p:nvPr>
-            <p:ph type="ctrTitle"/>
-          </p:nvPr>
-        </p:nvSpPr>
-        <p:spPr/>
+          <p:cNvPr id="2" name="Title 1"/>
+          <p:cNvSpPr>
+            <a:spLocks noGrp="1"/>
+          </p:cNvSpPr>
+          <p:nvPr>
+            <p:ph type="title"/>
+          </p:nvPr>
+        </p:nvSpPr>
+        <p:spPr>
+          <a:solidFill>
+            <a:schemeClr val="accent6">
+              <a:lumMod val="20000"/>
+              <a:lumOff val="80000"/>
+            </a:schemeClr>
+          </a:solidFill>
+        </p:spPr>
         <p:txBody>
           <a:bodyPr/>
           <a:lstStyle/>
           <a:p>
             <a:r>
-              <a:rPr lang="en-US" b="1" dirty="0"/>
-              <a:t>Implementing Drag and Drop</a:t>
-            </a:r>
+              <a:rPr lang="en-US" dirty="0"/>
+              <a:t>Examples</a:t>
+            </a:r>
+          </a:p>
+        </p:txBody>
+      </p:sp>
+      <p:sp>
+        <p:nvSpPr>
+          <p:cNvPr id="3" name="Content Placeholder 2"/>
+          <p:cNvSpPr>
+            <a:spLocks noGrp="1"/>
+          </p:cNvSpPr>
+          <p:nvPr>
+            <p:ph idx="1"/>
+          </p:nvPr>
+        </p:nvSpPr>
+        <p:spPr/>
+        <p:txBody>
+          <a:bodyPr/>
+          <a:lstStyle/>
+          <a:p>
+            <a:pPr algn="ctr"/>
+            <a:endParaRPr lang="en-US" dirty="0">
+              <a:latin typeface="Consolas" panose="020B0609020204030204" pitchFamily="49" charset="0"/>
+              <a:cs typeface="Consolas" panose="020B0609020204030204" pitchFamily="49" charset="0"/>
+            </a:endParaRPr>
+          </a:p>
+          <a:p>
+            <a:pPr algn="ctr"/>
+            <a:r>
+              <a:rPr lang="en-US" dirty="0">
+                <a:latin typeface="Consolas" panose="020B0609020204030204" pitchFamily="49" charset="0"/>
+                <a:cs typeface="Consolas" panose="020B0609020204030204" pitchFamily="49" charset="0"/>
+              </a:rPr>
+              <a:t>where.html</a:t>
+            </a:r>
+          </a:p>
+          <a:p>
+            <a:pPr algn="ctr"/>
+            <a:r>
+              <a:rPr lang="en-US" dirty="0">
+                <a:latin typeface="Consolas" panose="020B0609020204030204" pitchFamily="49" charset="0"/>
+                <a:cs typeface="Consolas" panose="020B0609020204030204" pitchFamily="49" charset="0"/>
+              </a:rPr>
+              <a:t>anywhere.html</a:t>
+            </a:r>
+          </a:p>
+          <a:p>
+            <a:pPr algn="ctr"/>
+            <a:endParaRPr lang="en-US" dirty="0">
+              <a:latin typeface="Consolas" panose="020B0609020204030204" pitchFamily="49" charset="0"/>
+              <a:cs typeface="Consolas" panose="020B0609020204030204" pitchFamily="49" charset="0"/>
+            </a:endParaRPr>
           </a:p>
         </p:txBody>
       </p:sp>
     </p:spTree>
     <p:extLst>
       <p:ext uri="{BB962C8B-B14F-4D97-AF65-F5344CB8AC3E}">
-        <p14:creationId xmlns:p14="http://schemas.microsoft.com/office/powerpoint/2010/main" val="1671548980"/>
+        <p14:creationId xmlns:p14="http://schemas.microsoft.com/office/powerpoint/2010/main" val="1840955552"/>
       </p:ext>
     </p:extLst>
   </p:cSld>
@@ -9645,6 +13094,58 @@
       </p:grpSpPr>
       <p:sp>
         <p:nvSpPr>
+          <p:cNvPr id="4" name="Title 3"/>
+          <p:cNvSpPr>
+            <a:spLocks noGrp="1"/>
+          </p:cNvSpPr>
+          <p:nvPr>
+            <p:ph type="ctrTitle"/>
+          </p:nvPr>
+        </p:nvSpPr>
+        <p:spPr/>
+        <p:txBody>
+          <a:bodyPr/>
+          <a:lstStyle/>
+          <a:p>
+            <a:r>
+              <a:rPr lang="en-US" b="1" dirty="0"/>
+              <a:t>Implementing Drag and Drop</a:t>
+            </a:r>
+          </a:p>
+        </p:txBody>
+      </p:sp>
+    </p:spTree>
+    <p:extLst>
+      <p:ext uri="{BB962C8B-B14F-4D97-AF65-F5344CB8AC3E}">
+        <p14:creationId xmlns:p14="http://schemas.microsoft.com/office/powerpoint/2010/main" val="1671548980"/>
+      </p:ext>
+    </p:extLst>
+  </p:cSld>
+  <p:clrMapOvr>
+    <a:masterClrMapping/>
+  </p:clrMapOvr>
+</p:sld>
+</file>
+
+<file path=ppt/slides/slide26.xml><?xml version="1.0" encoding="utf-8"?>
+<p:sld xmlns:a="http://schemas.openxmlformats.org/drawingml/2006/main" xmlns:r="http://schemas.openxmlformats.org/officeDocument/2006/relationships" xmlns:p="http://schemas.openxmlformats.org/presentationml/2006/main">
+  <p:cSld>
+    <p:spTree>
+      <p:nvGrpSpPr>
+        <p:cNvPr id="1" name=""/>
+        <p:cNvGrpSpPr/>
+        <p:nvPr/>
+      </p:nvGrpSpPr>
+      <p:grpSpPr>
+        <a:xfrm>
+          <a:off x="0" y="0"/>
+          <a:ext cx="0" cy="0"/>
+          <a:chOff x="0" y="0"/>
+          <a:chExt cx="0" cy="0"/>
+        </a:xfrm>
+      </p:grpSpPr>
+      <p:sp>
+        <p:nvSpPr>
           <p:cNvPr id="2" name="Title 1"/>
           <p:cNvSpPr>
             <a:spLocks noGrp="1"/>
@@ -9931,7 +13432,7 @@
             <a:fld id="{9648F39E-9C37-485F-AC97-16BB4BDF9F49}" type="slidenum">
               <a:rPr kumimoji="0" lang="en-US" smtClean="0"/>
               <a:pPr/>
-              <a:t>25</a:t>
+              <a:t>26</a:t>
             </a:fld>
             <a:endParaRPr kumimoji="0" lang="en-US"/>
           </a:p>
@@ -10179,7 +13680,7 @@
 </p:sld>
 </file>
 
-<file path=ppt/slides/slide26.xml><?xml version="1.0" encoding="utf-8"?>
+<file path=ppt/slides/slide27.xml><?xml version="1.0" encoding="utf-8"?>
 <p:sld xmlns:a="http://schemas.openxmlformats.org/drawingml/2006/main" xmlns:r="http://schemas.openxmlformats.org/officeDocument/2006/relationships" xmlns:p="http://schemas.openxmlformats.org/presentationml/2006/main">
   <p:cSld>
     <p:spTree>
@@ -10518,7 +14019,7 @@
             <a:fld id="{9648F39E-9C37-485F-AC97-16BB4BDF9F49}" type="slidenum">
               <a:rPr kumimoji="0" lang="en-US" smtClean="0"/>
               <a:pPr/>
-              <a:t>26</a:t>
+              <a:t>27</a:t>
             </a:fld>
             <a:endParaRPr kumimoji="0" lang="en-US"/>
           </a:p>
@@ -10797,7 +14298,7 @@
 </p:sld>
 </file>
 
-<file path=ppt/slides/slide27.xml><?xml version="1.0" encoding="utf-8"?>
+<file path=ppt/slides/slide28.xml><?xml version="1.0" encoding="utf-8"?>
 <p:sld xmlns:a="http://schemas.openxmlformats.org/drawingml/2006/main" xmlns:r="http://schemas.openxmlformats.org/officeDocument/2006/relationships" xmlns:p="http://schemas.openxmlformats.org/presentationml/2006/main">
   <p:cSld>
     <p:spTree>
@@ -10889,7 +14390,7 @@
 </p:sld>
 </file>
 
-<file path=ppt/slides/slide28.xml><?xml version="1.0" encoding="utf-8"?>
+<file path=ppt/slides/slide29.xml><?xml version="1.0" encoding="utf-8"?>
 <p:sld xmlns:a="http://schemas.openxmlformats.org/drawingml/2006/main" xmlns:r="http://schemas.openxmlformats.org/officeDocument/2006/relationships" xmlns:p="http://schemas.openxmlformats.org/presentationml/2006/main">
   <p:cSld>
     <p:spTree>
@@ -14760,6 +18261,301 @@
         <a:sysClr val="window" lastClr="FFFFFF"/>
       </a:lt1>
       <a:dk2>
+        <a:srgbClr val="44546A"/>
+      </a:dk2>
+      <a:lt2>
+        <a:srgbClr val="E7E6E6"/>
+      </a:lt2>
+      <a:accent1>
+        <a:srgbClr val="4472C4"/>
+      </a:accent1>
+      <a:accent2>
+        <a:srgbClr val="ED7D31"/>
+      </a:accent2>
+      <a:accent3>
+        <a:srgbClr val="A5A5A5"/>
+      </a:accent3>
+      <a:accent4>
+        <a:srgbClr val="FFC000"/>
+      </a:accent4>
+      <a:accent5>
+        <a:srgbClr val="5B9BD5"/>
+      </a:accent5>
+      <a:accent6>
+        <a:srgbClr val="70AD47"/>
+      </a:accent6>
+      <a:hlink>
+        <a:srgbClr val="0563C1"/>
+      </a:hlink>
+      <a:folHlink>
+        <a:srgbClr val="954F72"/>
+      </a:folHlink>
+    </a:clrScheme>
+    <a:fontScheme name="Office">
+      <a:majorFont>
+        <a:latin typeface="Calibri Light" panose="020F0302020204030204"/>
+        <a:ea typeface=""/>
+        <a:cs typeface=""/>
+        <a:font script="Jpan" typeface="游ゴシック Light"/>
+        <a:font script="Hang" typeface="맑은 고딕"/>
+        <a:font script="Hans" typeface="等线 Light"/>
+        <a:font script="Hant" typeface="新細明體"/>
+        <a:font script="Arab" typeface="Times New Roman"/>
+        <a:font script="Hebr" typeface="Times New Roman"/>
+        <a:font script="Thai" typeface="Angsana New"/>
+        <a:font script="Ethi" typeface="Nyala"/>
+        <a:font script="Beng" typeface="Vrinda"/>
+        <a:font script="Gujr" typeface="Shruti"/>
+        <a:font script="Khmr" typeface="MoolBoran"/>
+        <a:font script="Knda" typeface="Tunga"/>
+        <a:font script="Guru" typeface="Raavi"/>
+        <a:font script="Cans" typeface="Euphemia"/>
+        <a:font script="Cher" typeface="Plantagenet Cherokee"/>
+        <a:font script="Yiii" typeface="Microsoft Yi Baiti"/>
+        <a:font script="Tibt" typeface="Microsoft Himalaya"/>
+        <a:font script="Thaa" typeface="MV Boli"/>
+        <a:font script="Deva" typeface="Mangal"/>
+        <a:font script="Telu" typeface="Gautami"/>
+        <a:font script="Taml" typeface="Latha"/>
+        <a:font script="Syrc" typeface="Estrangelo Edessa"/>
+        <a:font script="Orya" typeface="Kalinga"/>
+        <a:font script="Mlym" typeface="Kartika"/>
+        <a:font script="Laoo" typeface="DokChampa"/>
+        <a:font script="Sinh" typeface="Iskoola Pota"/>
+        <a:font script="Mong" typeface="Mongolian Baiti"/>
+        <a:font script="Viet" typeface="Times New Roman"/>
+        <a:font script="Uigh" typeface="Microsoft Uighur"/>
+        <a:font script="Geor" typeface="Sylfaen"/>
+        <a:font script="Armn" typeface="Arial"/>
+        <a:font script="Bugi" typeface="Leelawadee UI"/>
+        <a:font script="Bopo" typeface="Microsoft JhengHei"/>
+        <a:font script="Java" typeface="Javanese Text"/>
+        <a:font script="Lisu" typeface="Segoe UI"/>
+        <a:font script="Mymr" typeface="Myanmar Text"/>
+        <a:font script="Nkoo" typeface="Ebrima"/>
+        <a:font script="Olck" typeface="Nirmala UI"/>
+        <a:font script="Osma" typeface="Ebrima"/>
+        <a:font script="Phag" typeface="Phagspa"/>
+        <a:font script="Syrn" typeface="Estrangelo Edessa"/>
+        <a:font script="Syrj" typeface="Estrangelo Edessa"/>
+        <a:font script="Syre" typeface="Estrangelo Edessa"/>
+        <a:font script="Sora" typeface="Nirmala UI"/>
+        <a:font script="Tale" typeface="Microsoft Tai Le"/>
+        <a:font script="Talu" typeface="Microsoft New Tai Lue"/>
+        <a:font script="Tfng" typeface="Ebrima"/>
+      </a:majorFont>
+      <a:minorFont>
+        <a:latin typeface="Calibri" panose="020F0502020204030204"/>
+        <a:ea typeface=""/>
+        <a:cs typeface=""/>
+        <a:font script="Jpan" typeface="游ゴシック"/>
+        <a:font script="Hang" typeface="맑은 고딕"/>
+        <a:font script="Hans" typeface="等线"/>
+        <a:font script="Hant" typeface="新細明體"/>
+        <a:font script="Arab" typeface="Arial"/>
+        <a:font script="Hebr" typeface="Arial"/>
+        <a:font script="Thai" typeface="Cordia New"/>
+        <a:font script="Ethi" typeface="Nyala"/>
+        <a:font script="Beng" typeface="Vrinda"/>
+        <a:font script="Gujr" typeface="Shruti"/>
+        <a:font script="Khmr" typeface="DaunPenh"/>
+        <a:font script="Knda" typeface="Tunga"/>
+        <a:font script="Guru" typeface="Raavi"/>
+        <a:font script="Cans" typeface="Euphemia"/>
+        <a:font script="Cher" typeface="Plantagenet Cherokee"/>
+        <a:font script="Yiii" typeface="Microsoft Yi Baiti"/>
+        <a:font script="Tibt" typeface="Microsoft Himalaya"/>
+        <a:font script="Thaa" typeface="MV Boli"/>
+        <a:font script="Deva" typeface="Mangal"/>
+        <a:font script="Telu" typeface="Gautami"/>
+        <a:font script="Taml" typeface="Latha"/>
+        <a:font script="Syrc" typeface="Estrangelo Edessa"/>
+        <a:font script="Orya" typeface="Kalinga"/>
+        <a:font script="Mlym" typeface="Kartika"/>
+        <a:font script="Laoo" typeface="DokChampa"/>
+        <a:font script="Sinh" typeface="Iskoola Pota"/>
+        <a:font script="Mong" typeface="Mongolian Baiti"/>
+        <a:font script="Viet" typeface="Arial"/>
+        <a:font script="Uigh" typeface="Microsoft Uighur"/>
+        <a:font script="Geor" typeface="Sylfaen"/>
+        <a:font script="Armn" typeface="Arial"/>
+        <a:font script="Bugi" typeface="Leelawadee UI"/>
+        <a:font script="Bopo" typeface="Microsoft JhengHei"/>
+        <a:font script="Java" typeface="Javanese Text"/>
+        <a:font script="Lisu" typeface="Segoe UI"/>
+        <a:font script="Mymr" typeface="Myanmar Text"/>
+        <a:font script="Nkoo" typeface="Ebrima"/>
+        <a:font script="Olck" typeface="Nirmala UI"/>
+        <a:font script="Osma" typeface="Ebrima"/>
+        <a:font script="Phag" typeface="Phagspa"/>
+        <a:font script="Syrn" typeface="Estrangelo Edessa"/>
+        <a:font script="Syrj" typeface="Estrangelo Edessa"/>
+        <a:font script="Syre" typeface="Estrangelo Edessa"/>
+        <a:font script="Sora" typeface="Nirmala UI"/>
+        <a:font script="Tale" typeface="Microsoft Tai Le"/>
+        <a:font script="Talu" typeface="Microsoft New Tai Lue"/>
+        <a:font script="Tfng" typeface="Ebrima"/>
+      </a:minorFont>
+    </a:fontScheme>
+    <a:fmtScheme name="Office">
+      <a:fillStyleLst>
+        <a:solidFill>
+          <a:schemeClr val="phClr"/>
+        </a:solidFill>
+        <a:gradFill rotWithShape="1">
+          <a:gsLst>
+            <a:gs pos="0">
+              <a:schemeClr val="phClr">
+                <a:lumMod val="110000"/>
+                <a:satMod val="105000"/>
+                <a:tint val="67000"/>
+              </a:schemeClr>
+            </a:gs>
+            <a:gs pos="50000">
+              <a:schemeClr val="phClr">
+                <a:lumMod val="105000"/>
+                <a:satMod val="103000"/>
+                <a:tint val="73000"/>
+              </a:schemeClr>
+            </a:gs>
+            <a:gs pos="100000">
+              <a:schemeClr val="phClr">
+                <a:lumMod val="105000"/>
+                <a:satMod val="109000"/>
+                <a:tint val="81000"/>
+              </a:schemeClr>
+            </a:gs>
+          </a:gsLst>
+          <a:lin ang="5400000" scaled="0"/>
+        </a:gradFill>
+        <a:gradFill rotWithShape="1">
+          <a:gsLst>
+            <a:gs pos="0">
+              <a:schemeClr val="phClr">
+                <a:satMod val="103000"/>
+                <a:lumMod val="102000"/>
+                <a:tint val="94000"/>
+              </a:schemeClr>
+            </a:gs>
+            <a:gs pos="50000">
+              <a:schemeClr val="phClr">
+                <a:satMod val="110000"/>
+                <a:lumMod val="100000"/>
+                <a:shade val="100000"/>
+              </a:schemeClr>
+            </a:gs>
+            <a:gs pos="100000">
+              <a:schemeClr val="phClr">
+                <a:lumMod val="99000"/>
+                <a:satMod val="120000"/>
+                <a:shade val="78000"/>
+              </a:schemeClr>
+            </a:gs>
+          </a:gsLst>
+          <a:lin ang="5400000" scaled="0"/>
+        </a:gradFill>
+      </a:fillStyleLst>
+      <a:lnStyleLst>
+        <a:ln w="6350" cap="flat" cmpd="sng" algn="ctr">
+          <a:solidFill>
+            <a:schemeClr val="phClr"/>
+          </a:solidFill>
+          <a:prstDash val="solid"/>
+          <a:miter lim="800000"/>
+        </a:ln>
+        <a:ln w="12700" cap="flat" cmpd="sng" algn="ctr">
+          <a:solidFill>
+            <a:schemeClr val="phClr"/>
+          </a:solidFill>
+          <a:prstDash val="solid"/>
+          <a:miter lim="800000"/>
+        </a:ln>
+        <a:ln w="19050" cap="flat" cmpd="sng" algn="ctr">
+          <a:solidFill>
+            <a:schemeClr val="phClr"/>
+          </a:solidFill>
+          <a:prstDash val="solid"/>
+          <a:miter lim="800000"/>
+        </a:ln>
+      </a:lnStyleLst>
+      <a:effectStyleLst>
+        <a:effectStyle>
+          <a:effectLst/>
+        </a:effectStyle>
+        <a:effectStyle>
+          <a:effectLst/>
+        </a:effectStyle>
+        <a:effectStyle>
+          <a:effectLst>
+            <a:outerShdw blurRad="57150" dist="19050" dir="5400000" algn="ctr" rotWithShape="0">
+              <a:srgbClr val="000000">
+                <a:alpha val="63000"/>
+              </a:srgbClr>
+            </a:outerShdw>
+          </a:effectLst>
+        </a:effectStyle>
+      </a:effectStyleLst>
+      <a:bgFillStyleLst>
+        <a:solidFill>
+          <a:schemeClr val="phClr"/>
+        </a:solidFill>
+        <a:solidFill>
+          <a:schemeClr val="phClr">
+            <a:tint val="95000"/>
+            <a:satMod val="170000"/>
+          </a:schemeClr>
+        </a:solidFill>
+        <a:gradFill rotWithShape="1">
+          <a:gsLst>
+            <a:gs pos="0">
+              <a:schemeClr val="phClr">
+                <a:tint val="93000"/>
+                <a:satMod val="150000"/>
+                <a:shade val="98000"/>
+                <a:lumMod val="102000"/>
+              </a:schemeClr>
+            </a:gs>
+            <a:gs pos="50000">
+              <a:schemeClr val="phClr">
+                <a:tint val="98000"/>
+                <a:satMod val="130000"/>
+                <a:shade val="90000"/>
+                <a:lumMod val="103000"/>
+              </a:schemeClr>
+            </a:gs>
+            <a:gs pos="100000">
+              <a:schemeClr val="phClr">
+                <a:shade val="63000"/>
+                <a:satMod val="120000"/>
+              </a:schemeClr>
+            </a:gs>
+          </a:gsLst>
+          <a:lin ang="5400000" scaled="0"/>
+        </a:gradFill>
+      </a:bgFillStyleLst>
+    </a:fmtScheme>
+  </a:themeElements>
+  <a:objectDefaults/>
+  <a:extraClrSchemeLst/>
+  <a:extLst>
+    <a:ext uri="{05A4C25C-085E-4340-85A3-A5531E510DB2}">
+      <thm15:themeFamily xmlns:thm15="http://schemas.microsoft.com/office/thememl/2012/main" name="Office Theme" id="{62F939B6-93AF-4DB8-9C6B-D6C7DFDC589F}" vid="{4A3C46E8-61CC-4603-A589-7422A47A8E4A}"/>
+    </a:ext>
+  </a:extLst>
+</a:theme>
+</file>
+
+<file path=ppt/theme/theme3.xml><?xml version="1.0" encoding="utf-8"?>
+<a:theme xmlns:a="http://schemas.openxmlformats.org/drawingml/2006/main" name="Office Theme">
+  <a:themeElements>
+    <a:clrScheme name="Office">
+      <a:dk1>
+        <a:sysClr val="windowText" lastClr="000000"/>
+      </a:dk1>
+      <a:lt1>
+        <a:sysClr val="window" lastClr="FFFFFF"/>
+      </a:lt1>
+      <a:dk2>
         <a:srgbClr val="1F497D"/>
       </a:dk2>
       <a:lt2>

--- a/CPSC-24700/Presentations/dynamic-documents-with-javascript.pptx
+++ b/CPSC-24700/Presentations/dynamic-documents-with-javascript.pptx
@@ -20,13 +20,13 @@
     <p:sldId id="291" r:id="rId11"/>
     <p:sldId id="292" r:id="rId12"/>
     <p:sldId id="281" r:id="rId13"/>
-    <p:sldId id="288" r:id="rId14"/>
-    <p:sldId id="265" r:id="rId15"/>
-    <p:sldId id="266" r:id="rId16"/>
-    <p:sldId id="267" r:id="rId17"/>
-    <p:sldId id="269" r:id="rId18"/>
-    <p:sldId id="284" r:id="rId19"/>
-    <p:sldId id="294" r:id="rId20"/>
+    <p:sldId id="294" r:id="rId14"/>
+    <p:sldId id="288" r:id="rId15"/>
+    <p:sldId id="265" r:id="rId16"/>
+    <p:sldId id="266" r:id="rId17"/>
+    <p:sldId id="267" r:id="rId18"/>
+    <p:sldId id="269" r:id="rId19"/>
+    <p:sldId id="284" r:id="rId20"/>
     <p:sldId id="289" r:id="rId21"/>
     <p:sldId id="270" r:id="rId22"/>
     <p:sldId id="285" r:id="rId23"/>
@@ -242,7 +242,7 @@
             <a:fld id="{82AC26F5-A2E7-4901-A403-BBD25C17198C}" type="datetimeFigureOut">
               <a:rPr lang="en-US" smtClean="0"/>
               <a:pPr/>
-              <a:t>10/9/2017</a:t>
+              <a:t>10/12/2017</a:t>
             </a:fld>
             <a:endParaRPr lang="en-US"/>
           </a:p>
@@ -865,7 +865,7 @@
                 <a:tabLst/>
                 <a:defRPr/>
               </a:pPr>
-              <a:t>18</a:t>
+              <a:t>12</a:t>
             </a:fld>
             <a:endParaRPr kumimoji="0" lang="en-US" sz="1200" b="0" i="0" u="none" strike="noStrike" kern="1200" cap="none" spc="0" normalizeH="0" baseline="0" noProof="0" dirty="0">
               <a:ln>
@@ -887,7 +887,7 @@
     </p:spTree>
     <p:extLst>
       <p:ext uri="{BB962C8B-B14F-4D97-AF65-F5344CB8AC3E}">
-        <p14:creationId xmlns:p14="http://schemas.microsoft.com/office/powerpoint/2010/main" val="3093393580"/>
+        <p14:creationId xmlns:p14="http://schemas.microsoft.com/office/powerpoint/2010/main" val="928252873"/>
       </p:ext>
     </p:extLst>
   </p:cSld>
@@ -1223,7 +1223,7 @@
             <a:fld id="{FB7712AD-3B21-4FE9-B722-CF9B0200D9B9}" type="datetimeFigureOut">
               <a:rPr lang="en-US" smtClean="0"/>
               <a:pPr/>
-              <a:t>10/9/2017</a:t>
+              <a:t>10/12/2017</a:t>
             </a:fld>
             <a:endParaRPr lang="en-US"/>
           </a:p>
@@ -1405,7 +1405,7 @@
             <a:fld id="{FB7712AD-3B21-4FE9-B722-CF9B0200D9B9}" type="datetimeFigureOut">
               <a:rPr lang="en-US" smtClean="0"/>
               <a:pPr/>
-              <a:t>10/9/2017</a:t>
+              <a:t>10/12/2017</a:t>
             </a:fld>
             <a:endParaRPr lang="en-US"/>
           </a:p>
@@ -1597,7 +1597,7 @@
             <a:fld id="{FB7712AD-3B21-4FE9-B722-CF9B0200D9B9}" type="datetimeFigureOut">
               <a:rPr lang="en-US" smtClean="0"/>
               <a:pPr/>
-              <a:t>10/9/2017</a:t>
+              <a:t>10/12/2017</a:t>
             </a:fld>
             <a:endParaRPr lang="en-US"/>
           </a:p>
@@ -2048,7 +2048,7 @@
           <a:p>
             <a:fld id="{5FB62F81-FD80-4AA8-93CA-E835B40BE667}" type="datetimeFigureOut">
               <a:rPr lang="en-US" smtClean="0"/>
-              <a:t>10/9/2017</a:t>
+              <a:t>10/12/2017</a:t>
             </a:fld>
             <a:endParaRPr lang="en-US"/>
           </a:p>
@@ -2111,7 +2111,7 @@
     </p:spTree>
     <p:extLst>
       <p:ext uri="{BB962C8B-B14F-4D97-AF65-F5344CB8AC3E}">
-        <p14:creationId xmlns:p14="http://schemas.microsoft.com/office/powerpoint/2010/main" val="3964791698"/>
+        <p14:creationId xmlns:p14="http://schemas.microsoft.com/office/powerpoint/2010/main" val="3960085493"/>
       </p:ext>
     </p:extLst>
   </p:cSld>
@@ -2246,7 +2246,7 @@
           <a:p>
             <a:fld id="{5FB62F81-FD80-4AA8-93CA-E835B40BE667}" type="datetimeFigureOut">
               <a:rPr lang="en-US" smtClean="0"/>
-              <a:t>10/9/2017</a:t>
+              <a:t>10/12/2017</a:t>
             </a:fld>
             <a:endParaRPr lang="en-US"/>
           </a:p>
@@ -2309,7 +2309,7 @@
     </p:spTree>
     <p:extLst>
       <p:ext uri="{BB962C8B-B14F-4D97-AF65-F5344CB8AC3E}">
-        <p14:creationId xmlns:p14="http://schemas.microsoft.com/office/powerpoint/2010/main" val="2689454358"/>
+        <p14:creationId xmlns:p14="http://schemas.microsoft.com/office/powerpoint/2010/main" val="1491561224"/>
       </p:ext>
     </p:extLst>
   </p:cSld>
@@ -2521,7 +2521,7 @@
           <a:p>
             <a:fld id="{5FB62F81-FD80-4AA8-93CA-E835B40BE667}" type="datetimeFigureOut">
               <a:rPr lang="en-US" smtClean="0"/>
-              <a:t>10/9/2017</a:t>
+              <a:t>10/12/2017</a:t>
             </a:fld>
             <a:endParaRPr lang="en-US"/>
           </a:p>
@@ -2584,7 +2584,7 @@
     </p:spTree>
     <p:extLst>
       <p:ext uri="{BB962C8B-B14F-4D97-AF65-F5344CB8AC3E}">
-        <p14:creationId xmlns:p14="http://schemas.microsoft.com/office/powerpoint/2010/main" val="1926279272"/>
+        <p14:creationId xmlns:p14="http://schemas.microsoft.com/office/powerpoint/2010/main" val="1415662010"/>
       </p:ext>
     </p:extLst>
   </p:cSld>
@@ -2786,7 +2786,7 @@
           <a:p>
             <a:fld id="{5FB62F81-FD80-4AA8-93CA-E835B40BE667}" type="datetimeFigureOut">
               <a:rPr lang="en-US" smtClean="0"/>
-              <a:t>10/9/2017</a:t>
+              <a:t>10/12/2017</a:t>
             </a:fld>
             <a:endParaRPr lang="en-US"/>
           </a:p>
@@ -2849,7 +2849,7 @@
     </p:spTree>
     <p:extLst>
       <p:ext uri="{BB962C8B-B14F-4D97-AF65-F5344CB8AC3E}">
-        <p14:creationId xmlns:p14="http://schemas.microsoft.com/office/powerpoint/2010/main" val="3726283501"/>
+        <p14:creationId xmlns:p14="http://schemas.microsoft.com/office/powerpoint/2010/main" val="1562638814"/>
       </p:ext>
     </p:extLst>
   </p:cSld>
@@ -3198,7 +3198,7 @@
           <a:p>
             <a:fld id="{5FB62F81-FD80-4AA8-93CA-E835B40BE667}" type="datetimeFigureOut">
               <a:rPr lang="en-US" smtClean="0"/>
-              <a:t>10/9/2017</a:t>
+              <a:t>10/12/2017</a:t>
             </a:fld>
             <a:endParaRPr lang="en-US"/>
           </a:p>
@@ -3261,7 +3261,7 @@
     </p:spTree>
     <p:extLst>
       <p:ext uri="{BB962C8B-B14F-4D97-AF65-F5344CB8AC3E}">
-        <p14:creationId xmlns:p14="http://schemas.microsoft.com/office/powerpoint/2010/main" val="3776684383"/>
+        <p14:creationId xmlns:p14="http://schemas.microsoft.com/office/powerpoint/2010/main" val="1090483938"/>
       </p:ext>
     </p:extLst>
   </p:cSld>
@@ -3339,7 +3339,7 @@
           <a:p>
             <a:fld id="{5FB62F81-FD80-4AA8-93CA-E835B40BE667}" type="datetimeFigureOut">
               <a:rPr lang="en-US" smtClean="0"/>
-              <a:t>10/9/2017</a:t>
+              <a:t>10/12/2017</a:t>
             </a:fld>
             <a:endParaRPr lang="en-US"/>
           </a:p>
@@ -3402,7 +3402,7 @@
     </p:spTree>
     <p:extLst>
       <p:ext uri="{BB962C8B-B14F-4D97-AF65-F5344CB8AC3E}">
-        <p14:creationId xmlns:p14="http://schemas.microsoft.com/office/powerpoint/2010/main" val="3697832317"/>
+        <p14:creationId xmlns:p14="http://schemas.microsoft.com/office/powerpoint/2010/main" val="1795984029"/>
       </p:ext>
     </p:extLst>
   </p:cSld>
@@ -3452,7 +3452,7 @@
           <a:p>
             <a:fld id="{5FB62F81-FD80-4AA8-93CA-E835B40BE667}" type="datetimeFigureOut">
               <a:rPr lang="en-US" smtClean="0"/>
-              <a:t>10/9/2017</a:t>
+              <a:t>10/12/2017</a:t>
             </a:fld>
             <a:endParaRPr lang="en-US"/>
           </a:p>
@@ -3515,7 +3515,7 @@
     </p:spTree>
     <p:extLst>
       <p:ext uri="{BB962C8B-B14F-4D97-AF65-F5344CB8AC3E}">
-        <p14:creationId xmlns:p14="http://schemas.microsoft.com/office/powerpoint/2010/main" val="812037858"/>
+        <p14:creationId xmlns:p14="http://schemas.microsoft.com/office/powerpoint/2010/main" val="3210175455"/>
       </p:ext>
     </p:extLst>
   </p:cSld>
@@ -3680,7 +3680,7 @@
             <a:fld id="{FB7712AD-3B21-4FE9-B722-CF9B0200D9B9}" type="datetimeFigureOut">
               <a:rPr lang="en-US" smtClean="0"/>
               <a:pPr/>
-              <a:t>10/9/2017</a:t>
+              <a:t>10/12/2017</a:t>
             </a:fld>
             <a:endParaRPr lang="en-US"/>
           </a:p>
@@ -3988,7 +3988,7 @@
           <a:p>
             <a:fld id="{5FB62F81-FD80-4AA8-93CA-E835B40BE667}" type="datetimeFigureOut">
               <a:rPr lang="en-US" smtClean="0"/>
-              <a:t>10/9/2017</a:t>
+              <a:t>10/12/2017</a:t>
             </a:fld>
             <a:endParaRPr lang="en-US"/>
           </a:p>
@@ -4051,7 +4051,7 @@
     </p:spTree>
     <p:extLst>
       <p:ext uri="{BB962C8B-B14F-4D97-AF65-F5344CB8AC3E}">
-        <p14:creationId xmlns:p14="http://schemas.microsoft.com/office/powerpoint/2010/main" val="4054002084"/>
+        <p14:creationId xmlns:p14="http://schemas.microsoft.com/office/powerpoint/2010/main" val="1550191305"/>
       </p:ext>
     </p:extLst>
   </p:cSld>
@@ -4276,7 +4276,7 @@
           <a:p>
             <a:fld id="{5FB62F81-FD80-4AA8-93CA-E835B40BE667}" type="datetimeFigureOut">
               <a:rPr lang="en-US" smtClean="0"/>
-              <a:t>10/9/2017</a:t>
+              <a:t>10/12/2017</a:t>
             </a:fld>
             <a:endParaRPr lang="en-US"/>
           </a:p>
@@ -4339,7 +4339,7 @@
     </p:spTree>
     <p:extLst>
       <p:ext uri="{BB962C8B-B14F-4D97-AF65-F5344CB8AC3E}">
-        <p14:creationId xmlns:p14="http://schemas.microsoft.com/office/powerpoint/2010/main" val="1675248772"/>
+        <p14:creationId xmlns:p14="http://schemas.microsoft.com/office/powerpoint/2010/main" val="1829504858"/>
       </p:ext>
     </p:extLst>
   </p:cSld>
@@ -4474,7 +4474,7 @@
           <a:p>
             <a:fld id="{5FB62F81-FD80-4AA8-93CA-E835B40BE667}" type="datetimeFigureOut">
               <a:rPr lang="en-US" smtClean="0"/>
-              <a:t>10/9/2017</a:t>
+              <a:t>10/12/2017</a:t>
             </a:fld>
             <a:endParaRPr lang="en-US"/>
           </a:p>
@@ -4537,7 +4537,7 @@
     </p:spTree>
     <p:extLst>
       <p:ext uri="{BB962C8B-B14F-4D97-AF65-F5344CB8AC3E}">
-        <p14:creationId xmlns:p14="http://schemas.microsoft.com/office/powerpoint/2010/main" val="3036651475"/>
+        <p14:creationId xmlns:p14="http://schemas.microsoft.com/office/powerpoint/2010/main" val="2923847216"/>
       </p:ext>
     </p:extLst>
   </p:cSld>
@@ -4682,7 +4682,7 @@
           <a:p>
             <a:fld id="{5FB62F81-FD80-4AA8-93CA-E835B40BE667}" type="datetimeFigureOut">
               <a:rPr lang="en-US" smtClean="0"/>
-              <a:t>10/9/2017</a:t>
+              <a:t>10/12/2017</a:t>
             </a:fld>
             <a:endParaRPr lang="en-US"/>
           </a:p>
@@ -4745,7 +4745,7 @@
     </p:spTree>
     <p:extLst>
       <p:ext uri="{BB962C8B-B14F-4D97-AF65-F5344CB8AC3E}">
-        <p14:creationId xmlns:p14="http://schemas.microsoft.com/office/powerpoint/2010/main" val="4078790969"/>
+        <p14:creationId xmlns:p14="http://schemas.microsoft.com/office/powerpoint/2010/main" val="169549657"/>
       </p:ext>
     </p:extLst>
   </p:cSld>
@@ -4890,7 +4890,7 @@
             <a:fld id="{FB7712AD-3B21-4FE9-B722-CF9B0200D9B9}" type="datetimeFigureOut">
               <a:rPr lang="en-US" smtClean="0"/>
               <a:pPr/>
-              <a:t>10/9/2017</a:t>
+              <a:t>10/12/2017</a:t>
             </a:fld>
             <a:endParaRPr lang="en-US"/>
           </a:p>
@@ -5189,7 +5189,7 @@
             <a:fld id="{FB7712AD-3B21-4FE9-B722-CF9B0200D9B9}" type="datetimeFigureOut">
               <a:rPr lang="en-US" smtClean="0"/>
               <a:pPr/>
-              <a:t>10/9/2017</a:t>
+              <a:t>10/12/2017</a:t>
             </a:fld>
             <a:endParaRPr lang="en-US"/>
           </a:p>
@@ -5627,7 +5627,7 @@
             <a:fld id="{FB7712AD-3B21-4FE9-B722-CF9B0200D9B9}" type="datetimeFigureOut">
               <a:rPr lang="en-US" smtClean="0"/>
               <a:pPr/>
-              <a:t>10/9/2017</a:t>
+              <a:t>10/12/2017</a:t>
             </a:fld>
             <a:endParaRPr lang="en-US"/>
           </a:p>
@@ -5758,7 +5758,7 @@
             <a:fld id="{FB7712AD-3B21-4FE9-B722-CF9B0200D9B9}" type="datetimeFigureOut">
               <a:rPr lang="en-US" smtClean="0"/>
               <a:pPr/>
-              <a:t>10/9/2017</a:t>
+              <a:t>10/12/2017</a:t>
             </a:fld>
             <a:endParaRPr lang="en-US"/>
           </a:p>
@@ -5867,7 +5867,7 @@
             <a:fld id="{FB7712AD-3B21-4FE9-B722-CF9B0200D9B9}" type="datetimeFigureOut">
               <a:rPr lang="en-US" smtClean="0"/>
               <a:pPr/>
-              <a:t>10/9/2017</a:t>
+              <a:t>10/12/2017</a:t>
             </a:fld>
             <a:endParaRPr lang="en-US"/>
           </a:p>
@@ -6156,7 +6156,7 @@
             <a:fld id="{FB7712AD-3B21-4FE9-B722-CF9B0200D9B9}" type="datetimeFigureOut">
               <a:rPr lang="en-US" smtClean="0"/>
               <a:pPr/>
-              <a:t>10/9/2017</a:t>
+              <a:t>10/12/2017</a:t>
             </a:fld>
             <a:endParaRPr lang="en-US"/>
           </a:p>
@@ -6425,7 +6425,7 @@
             <a:fld id="{FB7712AD-3B21-4FE9-B722-CF9B0200D9B9}" type="datetimeFigureOut">
               <a:rPr lang="en-US" smtClean="0"/>
               <a:pPr/>
-              <a:t>10/9/2017</a:t>
+              <a:t>10/12/2017</a:t>
             </a:fld>
             <a:endParaRPr lang="en-US"/>
           </a:p>
@@ -6753,7 +6753,7 @@
             <a:fld id="{FB7712AD-3B21-4FE9-B722-CF9B0200D9B9}" type="datetimeFigureOut">
               <a:rPr lang="en-US" smtClean="0"/>
               <a:pPr/>
-              <a:t>10/9/2017</a:t>
+              <a:t>10/12/2017</a:t>
             </a:fld>
             <a:endParaRPr lang="en-US"/>
           </a:p>
@@ -7454,7 +7454,7 @@
           <a:p>
             <a:fld id="{5FB62F81-FD80-4AA8-93CA-E835B40BE667}" type="datetimeFigureOut">
               <a:rPr lang="en-US" smtClean="0"/>
-              <a:t>10/9/2017</a:t>
+              <a:t>10/12/2017</a:t>
             </a:fld>
             <a:endParaRPr lang="en-US"/>
           </a:p>
@@ -7553,7 +7553,7 @@
     </p:spTree>
     <p:extLst>
       <p:ext uri="{BB962C8B-B14F-4D97-AF65-F5344CB8AC3E}">
-        <p14:creationId xmlns:p14="http://schemas.microsoft.com/office/powerpoint/2010/main" val="2394546071"/>
+        <p14:creationId xmlns:p14="http://schemas.microsoft.com/office/powerpoint/2010/main" val="3877680283"/>
       </p:ext>
     </p:extLst>
   </p:cSld>
@@ -8768,6 +8768,16 @@
 <file path=ppt/slides/slide12.xml><?xml version="1.0" encoding="utf-8"?>
 <p:sld xmlns:a="http://schemas.openxmlformats.org/drawingml/2006/main" xmlns:r="http://schemas.openxmlformats.org/officeDocument/2006/relationships" xmlns:p="http://schemas.openxmlformats.org/presentationml/2006/main">
   <p:cSld>
+    <p:bg>
+      <p:bgPr>
+        <a:solidFill>
+          <a:schemeClr val="bg1">
+            <a:lumMod val="75000"/>
+          </a:schemeClr>
+        </a:solidFill>
+        <a:effectLst/>
+      </p:bgPr>
+    </p:bg>
     <p:spTree>
       <p:nvGrpSpPr>
         <p:cNvPr id="1" name=""/>
@@ -8784,12 +8794,47 @@
       </p:grpSpPr>
       <p:sp>
         <p:nvSpPr>
-          <p:cNvPr id="4" name="Title 3"/>
+          <p:cNvPr id="2" name="Title 1"/>
           <p:cNvSpPr>
             <a:spLocks noGrp="1"/>
           </p:cNvSpPr>
           <p:nvPr>
             <p:ph type="ctrTitle"/>
+          </p:nvPr>
+        </p:nvSpPr>
+        <p:spPr>
+          <a:xfrm>
+            <a:off x="1143000" y="1699022"/>
+            <a:ext cx="6858000" cy="1790700"/>
+          </a:xfrm>
+        </p:spPr>
+        <p:txBody>
+          <a:bodyPr>
+            <a:normAutofit/>
+          </a:bodyPr>
+          <a:lstStyle/>
+          <a:p>
+            <a:r>
+              <a:rPr lang="en-US" sz="3600" dirty="0"/>
+              <a:t>Start Session 19</a:t>
+            </a:r>
+          </a:p>
+        </p:txBody>
+      </p:sp>
+      <p:sp>
+        <p:nvSpPr>
+          <p:cNvPr id="5" name="Subtitle 4">
+            <a:extLst>
+              <a:ext uri="{FF2B5EF4-FFF2-40B4-BE49-F238E27FC236}">
+                <a16:creationId xmlns:a16="http://schemas.microsoft.com/office/drawing/2014/main" id="{66A31F2C-A124-4975-86A1-CE6BD8B315ED}"/>
+              </a:ext>
+            </a:extLst>
+          </p:cNvPr>
+          <p:cNvSpPr>
+            <a:spLocks noGrp="1"/>
+          </p:cNvSpPr>
+          <p:nvPr>
+            <p:ph type="subTitle" idx="1"/>
           </p:nvPr>
         </p:nvSpPr>
         <p:spPr/>
@@ -8797,17 +8842,14 @@
           <a:bodyPr/>
           <a:lstStyle/>
           <a:p>
-            <a:r>
-              <a:rPr lang="en-US" b="1" dirty="0"/>
-              <a:t>Controlling Visibility, Colors, Fonts, and Content</a:t>
-            </a:r>
+            <a:endParaRPr lang="en-US"/>
           </a:p>
         </p:txBody>
       </p:sp>
     </p:spTree>
     <p:extLst>
       <p:ext uri="{BB962C8B-B14F-4D97-AF65-F5344CB8AC3E}">
-        <p14:creationId xmlns:p14="http://schemas.microsoft.com/office/powerpoint/2010/main" val="3694270689"/>
+        <p14:creationId xmlns:p14="http://schemas.microsoft.com/office/powerpoint/2010/main" val="519159018"/>
       </p:ext>
     </p:extLst>
   </p:cSld>
@@ -8836,6 +8878,58 @@
       </p:grpSpPr>
       <p:sp>
         <p:nvSpPr>
+          <p:cNvPr id="4" name="Title 3"/>
+          <p:cNvSpPr>
+            <a:spLocks noGrp="1"/>
+          </p:cNvSpPr>
+          <p:nvPr>
+            <p:ph type="ctrTitle"/>
+          </p:nvPr>
+        </p:nvSpPr>
+        <p:spPr/>
+        <p:txBody>
+          <a:bodyPr/>
+          <a:lstStyle/>
+          <a:p>
+            <a:r>
+              <a:rPr lang="en-US" b="1" dirty="0"/>
+              <a:t>Controlling Visibility, Colors, Fonts, and Content</a:t>
+            </a:r>
+          </a:p>
+        </p:txBody>
+      </p:sp>
+    </p:spTree>
+    <p:extLst>
+      <p:ext uri="{BB962C8B-B14F-4D97-AF65-F5344CB8AC3E}">
+        <p14:creationId xmlns:p14="http://schemas.microsoft.com/office/powerpoint/2010/main" val="3694270689"/>
+      </p:ext>
+    </p:extLst>
+  </p:cSld>
+  <p:clrMapOvr>
+    <a:masterClrMapping/>
+  </p:clrMapOvr>
+</p:sld>
+</file>
+
+<file path=ppt/slides/slide14.xml><?xml version="1.0" encoding="utf-8"?>
+<p:sld xmlns:a="http://schemas.openxmlformats.org/drawingml/2006/main" xmlns:r="http://schemas.openxmlformats.org/officeDocument/2006/relationships" xmlns:p="http://schemas.openxmlformats.org/presentationml/2006/main">
+  <p:cSld>
+    <p:spTree>
+      <p:nvGrpSpPr>
+        <p:cNvPr id="1" name=""/>
+        <p:cNvGrpSpPr/>
+        <p:nvPr/>
+      </p:nvGrpSpPr>
+      <p:grpSpPr>
+        <a:xfrm>
+          <a:off x="0" y="0"/>
+          <a:ext cx="0" cy="0"/>
+          <a:chOff x="0" y="0"/>
+          <a:chExt cx="0" cy="0"/>
+        </a:xfrm>
+      </p:grpSpPr>
+      <p:sp>
+        <p:nvSpPr>
           <p:cNvPr id="2" name="Title 1"/>
           <p:cNvSpPr>
             <a:spLocks noGrp="1"/>
@@ -9072,7 +9166,7 @@
             <a:fld id="{9648F39E-9C37-485F-AC97-16BB4BDF9F49}" type="slidenum">
               <a:rPr kumimoji="0" lang="en-US" smtClean="0"/>
               <a:pPr/>
-              <a:t>13</a:t>
+              <a:t>14</a:t>
             </a:fld>
             <a:endParaRPr kumimoji="0" lang="en-US"/>
           </a:p>
@@ -9467,7 +9561,7 @@
 </p:sld>
 </file>
 
-<file path=ppt/slides/slide14.xml><?xml version="1.0" encoding="utf-8"?>
+<file path=ppt/slides/slide15.xml><?xml version="1.0" encoding="utf-8"?>
 <p:sld xmlns:a="http://schemas.openxmlformats.org/drawingml/2006/main" xmlns:r="http://schemas.openxmlformats.org/officeDocument/2006/relationships" xmlns:p="http://schemas.openxmlformats.org/presentationml/2006/main">
   <p:cSld>
     <p:spTree>
@@ -9739,7 +9833,7 @@
             <a:fld id="{9648F39E-9C37-485F-AC97-16BB4BDF9F49}" type="slidenum">
               <a:rPr kumimoji="0" lang="en-US" smtClean="0"/>
               <a:pPr/>
-              <a:t>14</a:t>
+              <a:t>15</a:t>
             </a:fld>
             <a:endParaRPr kumimoji="0" lang="en-US"/>
           </a:p>
@@ -10134,7 +10228,7 @@
 </p:sld>
 </file>
 
-<file path=ppt/slides/slide15.xml><?xml version="1.0" encoding="utf-8"?>
+<file path=ppt/slides/slide16.xml><?xml version="1.0" encoding="utf-8"?>
 <p:sld xmlns:a="http://schemas.openxmlformats.org/drawingml/2006/main" xmlns:r="http://schemas.openxmlformats.org/officeDocument/2006/relationships" xmlns:p="http://schemas.openxmlformats.org/presentationml/2006/main">
   <p:cSld>
     <p:spTree>
@@ -10410,7 +10504,7 @@
             <a:fld id="{9648F39E-9C37-485F-AC97-16BB4BDF9F49}" type="slidenum">
               <a:rPr kumimoji="0" lang="en-US" smtClean="0"/>
               <a:pPr/>
-              <a:t>15</a:t>
+              <a:t>16</a:t>
             </a:fld>
             <a:endParaRPr kumimoji="0" lang="en-US"/>
           </a:p>
@@ -10684,7 +10778,7 @@
 </p:sld>
 </file>
 
-<file path=ppt/slides/slide16.xml><?xml version="1.0" encoding="utf-8"?>
+<file path=ppt/slides/slide17.xml><?xml version="1.0" encoding="utf-8"?>
 <p:sld xmlns:a="http://schemas.openxmlformats.org/drawingml/2006/main" xmlns:r="http://schemas.openxmlformats.org/officeDocument/2006/relationships" xmlns:p="http://schemas.openxmlformats.org/presentationml/2006/main">
   <p:cSld>
     <p:spTree>
@@ -10827,7 +10921,7 @@
             <a:fld id="{9648F39E-9C37-485F-AC97-16BB4BDF9F49}" type="slidenum">
               <a:rPr kumimoji="0" lang="en-US" smtClean="0"/>
               <a:pPr/>
-              <a:t>16</a:t>
+              <a:t>17</a:t>
             </a:fld>
             <a:endParaRPr kumimoji="0" lang="en-US"/>
           </a:p>
@@ -11026,7 +11120,7 @@
 </p:sld>
 </file>
 
-<file path=ppt/slides/slide17.xml><?xml version="1.0" encoding="utf-8"?>
+<file path=ppt/slides/slide18.xml><?xml version="1.0" encoding="utf-8"?>
 <p:sld xmlns:a="http://schemas.openxmlformats.org/drawingml/2006/main" xmlns:r="http://schemas.openxmlformats.org/officeDocument/2006/relationships" xmlns:p="http://schemas.openxmlformats.org/presentationml/2006/main">
   <p:cSld>
     <p:spTree>
@@ -11175,112 +11269,6 @@
     <p:extLst>
       <p:ext uri="{BB962C8B-B14F-4D97-AF65-F5344CB8AC3E}">
         <p14:creationId xmlns:p14="http://schemas.microsoft.com/office/powerpoint/2010/main" val="3002889713"/>
-      </p:ext>
-    </p:extLst>
-  </p:cSld>
-  <p:clrMapOvr>
-    <a:masterClrMapping/>
-  </p:clrMapOvr>
-</p:sld>
-</file>
-
-<file path=ppt/slides/slide18.xml><?xml version="1.0" encoding="utf-8"?>
-<p:sld xmlns:a="http://schemas.openxmlformats.org/drawingml/2006/main" xmlns:r="http://schemas.openxmlformats.org/officeDocument/2006/relationships" xmlns:p="http://schemas.openxmlformats.org/presentationml/2006/main">
-  <p:cSld>
-    <p:bg>
-      <p:bgPr>
-        <a:solidFill>
-          <a:schemeClr val="bg1">
-            <a:lumMod val="75000"/>
-          </a:schemeClr>
-        </a:solidFill>
-        <a:effectLst/>
-      </p:bgPr>
-    </p:bg>
-    <p:spTree>
-      <p:nvGrpSpPr>
-        <p:cNvPr id="1" name=""/>
-        <p:cNvGrpSpPr/>
-        <p:nvPr/>
-      </p:nvGrpSpPr>
-      <p:grpSpPr>
-        <a:xfrm>
-          <a:off x="0" y="0"/>
-          <a:ext cx="0" cy="0"/>
-          <a:chOff x="0" y="0"/>
-          <a:chExt cx="0" cy="0"/>
-        </a:xfrm>
-      </p:grpSpPr>
-      <p:sp>
-        <p:nvSpPr>
-          <p:cNvPr id="2" name="Title 1"/>
-          <p:cNvSpPr>
-            <a:spLocks noGrp="1"/>
-          </p:cNvSpPr>
-          <p:nvPr>
-            <p:ph type="ctrTitle"/>
-          </p:nvPr>
-        </p:nvSpPr>
-        <p:spPr>
-          <a:xfrm>
-            <a:off x="1143000" y="1699022"/>
-            <a:ext cx="6858000" cy="1790700"/>
-          </a:xfrm>
-        </p:spPr>
-        <p:txBody>
-          <a:bodyPr>
-            <a:normAutofit/>
-          </a:bodyPr>
-          <a:lstStyle/>
-          <a:p>
-            <a:r>
-              <a:rPr lang="en-US" sz="3600" dirty="0"/>
-              <a:t>End of Session</a:t>
-            </a:r>
-          </a:p>
-        </p:txBody>
-      </p:sp>
-      <p:sp>
-        <p:nvSpPr>
-          <p:cNvPr id="3" name="Subtitle 2"/>
-          <p:cNvSpPr>
-            <a:spLocks noGrp="1"/>
-          </p:cNvSpPr>
-          <p:nvPr>
-            <p:ph type="subTitle" idx="1"/>
-          </p:nvPr>
-        </p:nvSpPr>
-        <p:spPr>
-          <a:xfrm>
-            <a:off x="1143000" y="3558778"/>
-            <a:ext cx="6858000" cy="1648517"/>
-          </a:xfrm>
-        </p:spPr>
-        <p:txBody>
-          <a:bodyPr>
-            <a:normAutofit/>
-          </a:bodyPr>
-          <a:lstStyle/>
-          <a:p>
-            <a:pPr algn="l"/>
-            <a:r>
-              <a:rPr lang="en-US" dirty="0"/>
-              <a:t>Course Number: CPSC-24700</a:t>
-            </a:r>
-          </a:p>
-          <a:p>
-            <a:pPr algn="l"/>
-            <a:r>
-              <a:rPr lang="en-US" dirty="0"/>
-              <a:t>Instructor: Eric Pogue</a:t>
-            </a:r>
-          </a:p>
-        </p:txBody>
-      </p:sp>
-    </p:spTree>
-    <p:extLst>
-      <p:ext uri="{BB962C8B-B14F-4D97-AF65-F5344CB8AC3E}">
-        <p14:creationId xmlns:p14="http://schemas.microsoft.com/office/powerpoint/2010/main" val="1130818612"/>
       </p:ext>
     </p:extLst>
   </p:cSld>
@@ -13037,21 +13025,39 @@
             <a:pPr algn="ctr"/>
             <a:r>
               <a:rPr lang="en-US" dirty="0">
-                <a:latin typeface="Consolas" panose="020B0609020204030204" pitchFamily="49" charset="0"/>
-                <a:cs typeface="Consolas" panose="020B0609020204030204" pitchFamily="49" charset="0"/>
+                <a:cs typeface="Calibri" panose="020F0502020204030204" pitchFamily="34" charset="0"/>
               </a:rPr>
-              <a:t>where.html</a:t>
-            </a:r>
+              <a:t>where.html </a:t>
+            </a:r>
+            <a:r>
+              <a:rPr lang="en-US" dirty="0">
+                <a:cs typeface="Calibri" panose="020F0502020204030204" pitchFamily="34" charset="0"/>
+                <a:hlinkClick r:id="rId2" action="ppaction://hlinkfile"/>
+              </a:rPr>
+              <a:t>[link]</a:t>
+            </a:r>
+            <a:endParaRPr lang="en-US" dirty="0">
+              <a:cs typeface="Calibri" panose="020F0502020204030204" pitchFamily="34" charset="0"/>
+            </a:endParaRPr>
           </a:p>
           <a:p>
             <a:pPr algn="ctr"/>
             <a:r>
               <a:rPr lang="en-US" dirty="0">
-                <a:latin typeface="Consolas" panose="020B0609020204030204" pitchFamily="49" charset="0"/>
-                <a:cs typeface="Consolas" panose="020B0609020204030204" pitchFamily="49" charset="0"/>
+                <a:cs typeface="Calibri" panose="020F0502020204030204" pitchFamily="34" charset="0"/>
               </a:rPr>
-              <a:t>anywhere.html</a:t>
-            </a:r>
+              <a:t>anywhere.html </a:t>
+            </a:r>
+            <a:r>
+              <a:rPr lang="en-US" dirty="0">
+                <a:cs typeface="Calibri" panose="020F0502020204030204" pitchFamily="34" charset="0"/>
+                <a:hlinkClick r:id="rId3" action="ppaction://hlinkfile"/>
+              </a:rPr>
+              <a:t>[link]</a:t>
+            </a:r>
+            <a:endParaRPr lang="en-US" dirty="0">
+              <a:cs typeface="Calibri" panose="020F0502020204030204" pitchFamily="34" charset="0"/>
+            </a:endParaRPr>
           </a:p>
           <a:p>
             <a:pPr algn="ctr"/>
@@ -14369,11 +14375,20 @@
             <a:pPr algn="ctr"/>
             <a:r>
               <a:rPr lang="en-US" dirty="0">
-                <a:latin typeface="Consolas" panose="020B0609020204030204" pitchFamily="49" charset="0"/>
-                <a:cs typeface="Consolas" panose="020B0609020204030204" pitchFamily="49" charset="0"/>
+                <a:cs typeface="Calibri" panose="020F0502020204030204" pitchFamily="34" charset="0"/>
               </a:rPr>
-              <a:t>dragNDrop.html</a:t>
-            </a:r>
+              <a:t>dragNDrop.html </a:t>
+            </a:r>
+            <a:r>
+              <a:rPr lang="en-US" dirty="0">
+                <a:cs typeface="Calibri" panose="020F0502020204030204" pitchFamily="34" charset="0"/>
+                <a:hlinkClick r:id="rId2" action="ppaction://hlinkfile"/>
+              </a:rPr>
+              <a:t>[link]</a:t>
+            </a:r>
+            <a:endParaRPr lang="en-US" dirty="0">
+              <a:cs typeface="Calibri" panose="020F0502020204030204" pitchFamily="34" charset="0"/>
+            </a:endParaRPr>
           </a:p>
         </p:txBody>
       </p:sp>

--- a/CPSC-24700/Presentations/dynamic-documents-with-javascript.pptx
+++ b/CPSC-24700/Presentations/dynamic-documents-with-javascript.pptx
@@ -242,7 +242,7 @@
             <a:fld id="{82AC26F5-A2E7-4901-A403-BBD25C17198C}" type="datetimeFigureOut">
               <a:rPr lang="en-US" smtClean="0"/>
               <a:pPr/>
-              <a:t>10/12/2017</a:t>
+              <a:t>10/13/2017</a:t>
             </a:fld>
             <a:endParaRPr lang="en-US"/>
           </a:p>
@@ -941,6 +941,91 @@
           <a:bodyPr/>
           <a:lstStyle/>
           <a:p>
+            <a:endParaRPr lang="en-US" dirty="0"/>
+          </a:p>
+        </p:txBody>
+      </p:sp>
+      <p:sp>
+        <p:nvSpPr>
+          <p:cNvPr id="4" name="Slide Number Placeholder 3"/>
+          <p:cNvSpPr>
+            <a:spLocks noGrp="1"/>
+          </p:cNvSpPr>
+          <p:nvPr>
+            <p:ph type="sldNum" sz="quarter" idx="10"/>
+          </p:nvPr>
+        </p:nvSpPr>
+        <p:spPr/>
+        <p:txBody>
+          <a:bodyPr/>
+          <a:lstStyle/>
+          <a:p>
+            <a:fld id="{40F5A9F4-14AB-4E34-9372-28158D5523BB}" type="slidenum">
+              <a:rPr lang="en-US" smtClean="0"/>
+              <a:pPr/>
+              <a:t>18</a:t>
+            </a:fld>
+            <a:endParaRPr lang="en-US"/>
+          </a:p>
+        </p:txBody>
+      </p:sp>
+    </p:spTree>
+    <p:extLst>
+      <p:ext uri="{BB962C8B-B14F-4D97-AF65-F5344CB8AC3E}">
+        <p14:creationId xmlns:p14="http://schemas.microsoft.com/office/powerpoint/2010/main" val="3493048919"/>
+      </p:ext>
+    </p:extLst>
+  </p:cSld>
+  <p:clrMapOvr>
+    <a:masterClrMapping/>
+  </p:clrMapOvr>
+</p:notes>
+</file>
+
+<file path=ppt/notesSlides/notesSlide6.xml><?xml version="1.0" encoding="utf-8"?>
+<p:notes xmlns:a="http://schemas.openxmlformats.org/drawingml/2006/main" xmlns:r="http://schemas.openxmlformats.org/officeDocument/2006/relationships" xmlns:p="http://schemas.openxmlformats.org/presentationml/2006/main">
+  <p:cSld>
+    <p:spTree>
+      <p:nvGrpSpPr>
+        <p:cNvPr id="1" name=""/>
+        <p:cNvGrpSpPr/>
+        <p:nvPr/>
+      </p:nvGrpSpPr>
+      <p:grpSpPr>
+        <a:xfrm>
+          <a:off x="0" y="0"/>
+          <a:ext cx="0" cy="0"/>
+          <a:chOff x="0" y="0"/>
+          <a:chExt cx="0" cy="0"/>
+        </a:xfrm>
+      </p:grpSpPr>
+      <p:sp>
+        <p:nvSpPr>
+          <p:cNvPr id="2" name="Slide Image Placeholder 1"/>
+          <p:cNvSpPr>
+            <a:spLocks noGrp="1" noRot="1" noChangeAspect="1"/>
+          </p:cNvSpPr>
+          <p:nvPr>
+            <p:ph type="sldImg"/>
+          </p:nvPr>
+        </p:nvSpPr>
+        <p:spPr/>
+      </p:sp>
+      <p:sp>
+        <p:nvSpPr>
+          <p:cNvPr id="3" name="Notes Placeholder 2"/>
+          <p:cNvSpPr>
+            <a:spLocks noGrp="1"/>
+          </p:cNvSpPr>
+          <p:nvPr>
+            <p:ph type="body" idx="1"/>
+          </p:nvPr>
+        </p:nvSpPr>
+        <p:spPr/>
+        <p:txBody>
+          <a:bodyPr/>
+          <a:lstStyle/>
+          <a:p>
             <a:r>
               <a:rPr lang="en-US" dirty="0"/>
               <a:t>example: where.html</a:t>
@@ -985,7 +1070,7 @@
 </p:notes>
 </file>
 
-<file path=ppt/notesSlides/notesSlide6.xml><?xml version="1.0" encoding="utf-8"?>
+<file path=ppt/notesSlides/notesSlide7.xml><?xml version="1.0" encoding="utf-8"?>
 <p:notes xmlns:a="http://schemas.openxmlformats.org/drawingml/2006/main" xmlns:r="http://schemas.openxmlformats.org/officeDocument/2006/relationships" xmlns:p="http://schemas.openxmlformats.org/presentationml/2006/main">
   <p:cSld>
     <p:spTree>
@@ -1223,7 +1308,7 @@
             <a:fld id="{FB7712AD-3B21-4FE9-B722-CF9B0200D9B9}" type="datetimeFigureOut">
               <a:rPr lang="en-US" smtClean="0"/>
               <a:pPr/>
-              <a:t>10/12/2017</a:t>
+              <a:t>10/13/2017</a:t>
             </a:fld>
             <a:endParaRPr lang="en-US"/>
           </a:p>
@@ -1405,7 +1490,7 @@
             <a:fld id="{FB7712AD-3B21-4FE9-B722-CF9B0200D9B9}" type="datetimeFigureOut">
               <a:rPr lang="en-US" smtClean="0"/>
               <a:pPr/>
-              <a:t>10/12/2017</a:t>
+              <a:t>10/13/2017</a:t>
             </a:fld>
             <a:endParaRPr lang="en-US"/>
           </a:p>
@@ -1597,7 +1682,7 @@
             <a:fld id="{FB7712AD-3B21-4FE9-B722-CF9B0200D9B9}" type="datetimeFigureOut">
               <a:rPr lang="en-US" smtClean="0"/>
               <a:pPr/>
-              <a:t>10/12/2017</a:t>
+              <a:t>10/13/2017</a:t>
             </a:fld>
             <a:endParaRPr lang="en-US"/>
           </a:p>
@@ -2048,7 +2133,7 @@
           <a:p>
             <a:fld id="{5FB62F81-FD80-4AA8-93CA-E835B40BE667}" type="datetimeFigureOut">
               <a:rPr lang="en-US" smtClean="0"/>
-              <a:t>10/12/2017</a:t>
+              <a:t>10/13/2017</a:t>
             </a:fld>
             <a:endParaRPr lang="en-US"/>
           </a:p>
@@ -2246,7 +2331,7 @@
           <a:p>
             <a:fld id="{5FB62F81-FD80-4AA8-93CA-E835B40BE667}" type="datetimeFigureOut">
               <a:rPr lang="en-US" smtClean="0"/>
-              <a:t>10/12/2017</a:t>
+              <a:t>10/13/2017</a:t>
             </a:fld>
             <a:endParaRPr lang="en-US"/>
           </a:p>
@@ -2521,7 +2606,7 @@
           <a:p>
             <a:fld id="{5FB62F81-FD80-4AA8-93CA-E835B40BE667}" type="datetimeFigureOut">
               <a:rPr lang="en-US" smtClean="0"/>
-              <a:t>10/12/2017</a:t>
+              <a:t>10/13/2017</a:t>
             </a:fld>
             <a:endParaRPr lang="en-US"/>
           </a:p>
@@ -2786,7 +2871,7 @@
           <a:p>
             <a:fld id="{5FB62F81-FD80-4AA8-93CA-E835B40BE667}" type="datetimeFigureOut">
               <a:rPr lang="en-US" smtClean="0"/>
-              <a:t>10/12/2017</a:t>
+              <a:t>10/13/2017</a:t>
             </a:fld>
             <a:endParaRPr lang="en-US"/>
           </a:p>
@@ -3198,7 +3283,7 @@
           <a:p>
             <a:fld id="{5FB62F81-FD80-4AA8-93CA-E835B40BE667}" type="datetimeFigureOut">
               <a:rPr lang="en-US" smtClean="0"/>
-              <a:t>10/12/2017</a:t>
+              <a:t>10/13/2017</a:t>
             </a:fld>
             <a:endParaRPr lang="en-US"/>
           </a:p>
@@ -3339,7 +3424,7 @@
           <a:p>
             <a:fld id="{5FB62F81-FD80-4AA8-93CA-E835B40BE667}" type="datetimeFigureOut">
               <a:rPr lang="en-US" smtClean="0"/>
-              <a:t>10/12/2017</a:t>
+              <a:t>10/13/2017</a:t>
             </a:fld>
             <a:endParaRPr lang="en-US"/>
           </a:p>
@@ -3452,7 +3537,7 @@
           <a:p>
             <a:fld id="{5FB62F81-FD80-4AA8-93CA-E835B40BE667}" type="datetimeFigureOut">
               <a:rPr lang="en-US" smtClean="0"/>
-              <a:t>10/12/2017</a:t>
+              <a:t>10/13/2017</a:t>
             </a:fld>
             <a:endParaRPr lang="en-US"/>
           </a:p>
@@ -3680,7 +3765,7 @@
             <a:fld id="{FB7712AD-3B21-4FE9-B722-CF9B0200D9B9}" type="datetimeFigureOut">
               <a:rPr lang="en-US" smtClean="0"/>
               <a:pPr/>
-              <a:t>10/12/2017</a:t>
+              <a:t>10/13/2017</a:t>
             </a:fld>
             <a:endParaRPr lang="en-US"/>
           </a:p>
@@ -3988,7 +4073,7 @@
           <a:p>
             <a:fld id="{5FB62F81-FD80-4AA8-93CA-E835B40BE667}" type="datetimeFigureOut">
               <a:rPr lang="en-US" smtClean="0"/>
-              <a:t>10/12/2017</a:t>
+              <a:t>10/13/2017</a:t>
             </a:fld>
             <a:endParaRPr lang="en-US"/>
           </a:p>
@@ -4276,7 +4361,7 @@
           <a:p>
             <a:fld id="{5FB62F81-FD80-4AA8-93CA-E835B40BE667}" type="datetimeFigureOut">
               <a:rPr lang="en-US" smtClean="0"/>
-              <a:t>10/12/2017</a:t>
+              <a:t>10/13/2017</a:t>
             </a:fld>
             <a:endParaRPr lang="en-US"/>
           </a:p>
@@ -4474,7 +4559,7 @@
           <a:p>
             <a:fld id="{5FB62F81-FD80-4AA8-93CA-E835B40BE667}" type="datetimeFigureOut">
               <a:rPr lang="en-US" smtClean="0"/>
-              <a:t>10/12/2017</a:t>
+              <a:t>10/13/2017</a:t>
             </a:fld>
             <a:endParaRPr lang="en-US"/>
           </a:p>
@@ -4682,7 +4767,7 @@
           <a:p>
             <a:fld id="{5FB62F81-FD80-4AA8-93CA-E835B40BE667}" type="datetimeFigureOut">
               <a:rPr lang="en-US" smtClean="0"/>
-              <a:t>10/12/2017</a:t>
+              <a:t>10/13/2017</a:t>
             </a:fld>
             <a:endParaRPr lang="en-US"/>
           </a:p>
@@ -4890,7 +4975,7 @@
             <a:fld id="{FB7712AD-3B21-4FE9-B722-CF9B0200D9B9}" type="datetimeFigureOut">
               <a:rPr lang="en-US" smtClean="0"/>
               <a:pPr/>
-              <a:t>10/12/2017</a:t>
+              <a:t>10/13/2017</a:t>
             </a:fld>
             <a:endParaRPr lang="en-US"/>
           </a:p>
@@ -5189,7 +5274,7 @@
             <a:fld id="{FB7712AD-3B21-4FE9-B722-CF9B0200D9B9}" type="datetimeFigureOut">
               <a:rPr lang="en-US" smtClean="0"/>
               <a:pPr/>
-              <a:t>10/12/2017</a:t>
+              <a:t>10/13/2017</a:t>
             </a:fld>
             <a:endParaRPr lang="en-US"/>
           </a:p>
@@ -5627,7 +5712,7 @@
             <a:fld id="{FB7712AD-3B21-4FE9-B722-CF9B0200D9B9}" type="datetimeFigureOut">
               <a:rPr lang="en-US" smtClean="0"/>
               <a:pPr/>
-              <a:t>10/12/2017</a:t>
+              <a:t>10/13/2017</a:t>
             </a:fld>
             <a:endParaRPr lang="en-US"/>
           </a:p>
@@ -5758,7 +5843,7 @@
             <a:fld id="{FB7712AD-3B21-4FE9-B722-CF9B0200D9B9}" type="datetimeFigureOut">
               <a:rPr lang="en-US" smtClean="0"/>
               <a:pPr/>
-              <a:t>10/12/2017</a:t>
+              <a:t>10/13/2017</a:t>
             </a:fld>
             <a:endParaRPr lang="en-US"/>
           </a:p>
@@ -5867,7 +5952,7 @@
             <a:fld id="{FB7712AD-3B21-4FE9-B722-CF9B0200D9B9}" type="datetimeFigureOut">
               <a:rPr lang="en-US" smtClean="0"/>
               <a:pPr/>
-              <a:t>10/12/2017</a:t>
+              <a:t>10/13/2017</a:t>
             </a:fld>
             <a:endParaRPr lang="en-US"/>
           </a:p>
@@ -6156,7 +6241,7 @@
             <a:fld id="{FB7712AD-3B21-4FE9-B722-CF9B0200D9B9}" type="datetimeFigureOut">
               <a:rPr lang="en-US" smtClean="0"/>
               <a:pPr/>
-              <a:t>10/12/2017</a:t>
+              <a:t>10/13/2017</a:t>
             </a:fld>
             <a:endParaRPr lang="en-US"/>
           </a:p>
@@ -6425,7 +6510,7 @@
             <a:fld id="{FB7712AD-3B21-4FE9-B722-CF9B0200D9B9}" type="datetimeFigureOut">
               <a:rPr lang="en-US" smtClean="0"/>
               <a:pPr/>
-              <a:t>10/12/2017</a:t>
+              <a:t>10/13/2017</a:t>
             </a:fld>
             <a:endParaRPr lang="en-US"/>
           </a:p>
@@ -6753,7 +6838,7 @@
             <a:fld id="{FB7712AD-3B21-4FE9-B722-CF9B0200D9B9}" type="datetimeFigureOut">
               <a:rPr lang="en-US" smtClean="0"/>
               <a:pPr/>
-              <a:t>10/12/2017</a:t>
+              <a:t>10/13/2017</a:t>
             </a:fld>
             <a:endParaRPr lang="en-US"/>
           </a:p>
@@ -7454,7 +7539,7 @@
           <a:p>
             <a:fld id="{5FB62F81-FD80-4AA8-93CA-E835B40BE667}" type="datetimeFigureOut">
               <a:rPr lang="en-US" smtClean="0"/>
-              <a:t>10/12/2017</a:t>
+              <a:t>10/13/2017</a:t>
             </a:fld>
             <a:endParaRPr lang="en-US"/>
           </a:p>
@@ -8842,7 +8927,7 @@
           <a:bodyPr/>
           <a:lstStyle/>
           <a:p>
-            <a:endParaRPr lang="en-US"/>
+            <a:endParaRPr lang="en-US" dirty="0"/>
           </a:p>
         </p:txBody>
       </p:sp>
@@ -11198,7 +11283,7 @@
             <a:r>
               <a:rPr lang="en-US" dirty="0">
                 <a:cs typeface="Calibri" panose="020F0502020204030204" pitchFamily="34" charset="0"/>
-                <a:hlinkClick r:id="rId2" action="ppaction://hlinkfile"/>
+                <a:hlinkClick r:id="rId3" action="ppaction://hlinkfile"/>
               </a:rPr>
               <a:t>[link]</a:t>
             </a:r>
@@ -11213,25 +11298,6 @@
                 <a:cs typeface="Calibri" panose="020F0502020204030204" pitchFamily="34" charset="0"/>
               </a:rPr>
               <a:t>dynColors.html </a:t>
-            </a:r>
-            <a:r>
-              <a:rPr lang="en-US" dirty="0">
-                <a:cs typeface="Calibri" panose="020F0502020204030204" pitchFamily="34" charset="0"/>
-                <a:hlinkClick r:id="rId3" action="ppaction://hlinkfile"/>
-              </a:rPr>
-              <a:t>[link]</a:t>
-            </a:r>
-            <a:endParaRPr lang="en-US" dirty="0">
-              <a:cs typeface="Calibri" panose="020F0502020204030204" pitchFamily="34" charset="0"/>
-            </a:endParaRPr>
-          </a:p>
-          <a:p>
-            <a:pPr algn="ctr"/>
-            <a:r>
-              <a:rPr lang="en-US" dirty="0">
-                <a:cs typeface="Calibri" panose="020F0502020204030204" pitchFamily="34" charset="0"/>
-              </a:rPr>
-              <a:t>dynFont.html </a:t>
             </a:r>
             <a:r>
               <a:rPr lang="en-US" dirty="0">
@@ -11250,12 +11316,31 @@
               <a:rPr lang="en-US" dirty="0">
                 <a:cs typeface="Calibri" panose="020F0502020204030204" pitchFamily="34" charset="0"/>
               </a:rPr>
-              <a:t>dynValue.html </a:t>
+              <a:t>dynFont.html </a:t>
             </a:r>
             <a:r>
               <a:rPr lang="en-US" dirty="0">
                 <a:cs typeface="Calibri" panose="020F0502020204030204" pitchFamily="34" charset="0"/>
                 <a:hlinkClick r:id="rId5" action="ppaction://hlinkfile"/>
+              </a:rPr>
+              <a:t>[link]</a:t>
+            </a:r>
+            <a:endParaRPr lang="en-US" dirty="0">
+              <a:cs typeface="Calibri" panose="020F0502020204030204" pitchFamily="34" charset="0"/>
+            </a:endParaRPr>
+          </a:p>
+          <a:p>
+            <a:pPr algn="ctr"/>
+            <a:r>
+              <a:rPr lang="en-US" dirty="0">
+                <a:cs typeface="Calibri" panose="020F0502020204030204" pitchFamily="34" charset="0"/>
+              </a:rPr>
+              <a:t>dynValue.html </a:t>
+            </a:r>
+            <a:r>
+              <a:rPr lang="en-US" dirty="0">
+                <a:cs typeface="Calibri" panose="020F0502020204030204" pitchFamily="34" charset="0"/>
+                <a:hlinkClick r:id="rId6" action="ppaction://hlinkfile"/>
               </a:rPr>
               <a:t>[link]</a:t>
             </a:r>
@@ -14462,7 +14547,7 @@
         </p:spPr>
         <p:txBody>
           <a:bodyPr>
-            <a:normAutofit fontScale="92500" lnSpcReduction="20000"/>
+            <a:normAutofit/>
           </a:bodyPr>
           <a:lstStyle/>
           <a:p>
@@ -14471,7 +14556,7 @@
               <a:buChar char="•"/>
             </a:pPr>
             <a:r>
-              <a:rPr lang="en-US" dirty="0"/>
+              <a:rPr lang="en-US" sz="2000" dirty="0"/>
               <a:t>A dynamic HTML document is one whose tag attributes, tag contents, or element style properties can be changed after the document has been and is still being displayed by a browser</a:t>
             </a:r>
           </a:p>
@@ -14481,7 +14566,7 @@
               <a:buChar char="•"/>
             </a:pPr>
             <a:r>
-              <a:rPr lang="en-US" dirty="0"/>
+              <a:rPr lang="en-US" sz="2000" dirty="0"/>
               <a:t>CSS-P allows the position of any element to be specified by the three style properties: position, left, and top</a:t>
             </a:r>
           </a:p>
@@ -14491,7 +14576,7 @@
               <a:buChar char="•"/>
             </a:pPr>
             <a:r>
-              <a:rPr lang="en-US" dirty="0"/>
+              <a:rPr lang="en-US" sz="2000" dirty="0"/>
               <a:t>The style property of an HTML element can be changed within JavaScript to dynamically control color, fonts, and other aspects of the element's presentation</a:t>
             </a:r>
           </a:p>
@@ -14501,15 +14586,15 @@
               <a:buChar char="•"/>
             </a:pPr>
             <a:r>
-              <a:rPr lang="en-US" dirty="0"/>
+              <a:rPr lang="en-US" sz="2000" dirty="0"/>
               <a:t>The </a:t>
             </a:r>
             <a:r>
-              <a:rPr lang="en-US" dirty="0" err="1"/>
+              <a:rPr lang="en-US" sz="2000" dirty="0" err="1"/>
               <a:t>zIndex</a:t>
             </a:r>
             <a:r>
-              <a:rPr lang="en-US" dirty="0"/>
+              <a:rPr lang="en-US" sz="2000" dirty="0"/>
               <a:t> is a property that controls the order in which elements are drawn to the screen</a:t>
             </a:r>
           </a:p>
@@ -14519,39 +14604,39 @@
               <a:buChar char="•"/>
             </a:pPr>
             <a:r>
-              <a:rPr lang="en-US" dirty="0"/>
+              <a:rPr lang="en-US" sz="2000" dirty="0"/>
               <a:t>Mouse coordinates can be accessed through the mouse event object using either the </a:t>
             </a:r>
             <a:r>
-              <a:rPr lang="en-US" dirty="0" err="1"/>
+              <a:rPr lang="en-US" sz="2000" dirty="0" err="1"/>
               <a:t>clientX</a:t>
             </a:r>
             <a:r>
-              <a:rPr lang="en-US" dirty="0"/>
+              <a:rPr lang="en-US" sz="2000" dirty="0"/>
               <a:t> and </a:t>
             </a:r>
             <a:r>
-              <a:rPr lang="en-US" dirty="0" err="1"/>
+              <a:rPr lang="en-US" sz="2000" dirty="0" err="1"/>
               <a:t>clientY</a:t>
             </a:r>
             <a:r>
-              <a:rPr lang="en-US" dirty="0"/>
+              <a:rPr lang="en-US" sz="2000" dirty="0"/>
               <a:t>, or </a:t>
             </a:r>
             <a:r>
-              <a:rPr lang="en-US" dirty="0" err="1"/>
+              <a:rPr lang="en-US" sz="2000" dirty="0" err="1"/>
               <a:t>screenX</a:t>
             </a:r>
             <a:r>
-              <a:rPr lang="en-US" dirty="0"/>
+              <a:rPr lang="en-US" sz="2000" dirty="0"/>
               <a:t> and </a:t>
             </a:r>
             <a:r>
-              <a:rPr lang="en-US" dirty="0" err="1"/>
+              <a:rPr lang="en-US" sz="2000" dirty="0" err="1"/>
               <a:t>screenY</a:t>
             </a:r>
             <a:r>
-              <a:rPr lang="en-US" dirty="0"/>
+              <a:rPr lang="en-US" sz="2000" dirty="0"/>
               <a:t> properties</a:t>
             </a:r>
           </a:p>
@@ -14561,7 +14646,7 @@
               <a:buChar char="•"/>
             </a:pPr>
             <a:r>
-              <a:rPr lang="en-US" dirty="0"/>
+              <a:rPr lang="en-US" sz="2000" dirty="0"/>
               <a:t>Drag and drop functionality can be implemented by dynamically adding and removing event handlers using the DOM 2 event model</a:t>
             </a:r>
           </a:p>

--- a/CPSC-24700/Presentations/dynamic-documents-with-javascript.pptx
+++ b/CPSC-24700/Presentations/dynamic-documents-with-javascript.pptx
@@ -20,13 +20,13 @@
     <p:sldId id="291" r:id="rId11"/>
     <p:sldId id="292" r:id="rId12"/>
     <p:sldId id="281" r:id="rId13"/>
-    <p:sldId id="288" r:id="rId14"/>
-    <p:sldId id="265" r:id="rId15"/>
-    <p:sldId id="266" r:id="rId16"/>
-    <p:sldId id="267" r:id="rId17"/>
-    <p:sldId id="269" r:id="rId18"/>
-    <p:sldId id="284" r:id="rId19"/>
-    <p:sldId id="294" r:id="rId20"/>
+    <p:sldId id="294" r:id="rId14"/>
+    <p:sldId id="288" r:id="rId15"/>
+    <p:sldId id="265" r:id="rId16"/>
+    <p:sldId id="266" r:id="rId17"/>
+    <p:sldId id="267" r:id="rId18"/>
+    <p:sldId id="269" r:id="rId19"/>
+    <p:sldId id="284" r:id="rId20"/>
     <p:sldId id="289" r:id="rId21"/>
     <p:sldId id="270" r:id="rId22"/>
     <p:sldId id="285" r:id="rId23"/>
@@ -242,7 +242,7 @@
             <a:fld id="{82AC26F5-A2E7-4901-A403-BBD25C17198C}" type="datetimeFigureOut">
               <a:rPr lang="en-US" smtClean="0"/>
               <a:pPr/>
-              <a:t>10/9/2017</a:t>
+              <a:t>10/13/2017</a:t>
             </a:fld>
             <a:endParaRPr lang="en-US"/>
           </a:p>
@@ -865,7 +865,7 @@
                 <a:tabLst/>
                 <a:defRPr/>
               </a:pPr>
-              <a:t>18</a:t>
+              <a:t>12</a:t>
             </a:fld>
             <a:endParaRPr kumimoji="0" lang="en-US" sz="1200" b="0" i="0" u="none" strike="noStrike" kern="1200" cap="none" spc="0" normalizeH="0" baseline="0" noProof="0" dirty="0">
               <a:ln>
@@ -887,7 +887,7 @@
     </p:spTree>
     <p:extLst>
       <p:ext uri="{BB962C8B-B14F-4D97-AF65-F5344CB8AC3E}">
-        <p14:creationId xmlns:p14="http://schemas.microsoft.com/office/powerpoint/2010/main" val="3093393580"/>
+        <p14:creationId xmlns:p14="http://schemas.microsoft.com/office/powerpoint/2010/main" val="928252873"/>
       </p:ext>
     </p:extLst>
   </p:cSld>
@@ -941,6 +941,91 @@
           <a:bodyPr/>
           <a:lstStyle/>
           <a:p>
+            <a:endParaRPr lang="en-US" dirty="0"/>
+          </a:p>
+        </p:txBody>
+      </p:sp>
+      <p:sp>
+        <p:nvSpPr>
+          <p:cNvPr id="4" name="Slide Number Placeholder 3"/>
+          <p:cNvSpPr>
+            <a:spLocks noGrp="1"/>
+          </p:cNvSpPr>
+          <p:nvPr>
+            <p:ph type="sldNum" sz="quarter" idx="10"/>
+          </p:nvPr>
+        </p:nvSpPr>
+        <p:spPr/>
+        <p:txBody>
+          <a:bodyPr/>
+          <a:lstStyle/>
+          <a:p>
+            <a:fld id="{40F5A9F4-14AB-4E34-9372-28158D5523BB}" type="slidenum">
+              <a:rPr lang="en-US" smtClean="0"/>
+              <a:pPr/>
+              <a:t>18</a:t>
+            </a:fld>
+            <a:endParaRPr lang="en-US"/>
+          </a:p>
+        </p:txBody>
+      </p:sp>
+    </p:spTree>
+    <p:extLst>
+      <p:ext uri="{BB962C8B-B14F-4D97-AF65-F5344CB8AC3E}">
+        <p14:creationId xmlns:p14="http://schemas.microsoft.com/office/powerpoint/2010/main" val="3493048919"/>
+      </p:ext>
+    </p:extLst>
+  </p:cSld>
+  <p:clrMapOvr>
+    <a:masterClrMapping/>
+  </p:clrMapOvr>
+</p:notes>
+</file>
+
+<file path=ppt/notesSlides/notesSlide6.xml><?xml version="1.0" encoding="utf-8"?>
+<p:notes xmlns:a="http://schemas.openxmlformats.org/drawingml/2006/main" xmlns:r="http://schemas.openxmlformats.org/officeDocument/2006/relationships" xmlns:p="http://schemas.openxmlformats.org/presentationml/2006/main">
+  <p:cSld>
+    <p:spTree>
+      <p:nvGrpSpPr>
+        <p:cNvPr id="1" name=""/>
+        <p:cNvGrpSpPr/>
+        <p:nvPr/>
+      </p:nvGrpSpPr>
+      <p:grpSpPr>
+        <a:xfrm>
+          <a:off x="0" y="0"/>
+          <a:ext cx="0" cy="0"/>
+          <a:chOff x="0" y="0"/>
+          <a:chExt cx="0" cy="0"/>
+        </a:xfrm>
+      </p:grpSpPr>
+      <p:sp>
+        <p:nvSpPr>
+          <p:cNvPr id="2" name="Slide Image Placeholder 1"/>
+          <p:cNvSpPr>
+            <a:spLocks noGrp="1" noRot="1" noChangeAspect="1"/>
+          </p:cNvSpPr>
+          <p:nvPr>
+            <p:ph type="sldImg"/>
+          </p:nvPr>
+        </p:nvSpPr>
+        <p:spPr/>
+      </p:sp>
+      <p:sp>
+        <p:nvSpPr>
+          <p:cNvPr id="3" name="Notes Placeholder 2"/>
+          <p:cNvSpPr>
+            <a:spLocks noGrp="1"/>
+          </p:cNvSpPr>
+          <p:nvPr>
+            <p:ph type="body" idx="1"/>
+          </p:nvPr>
+        </p:nvSpPr>
+        <p:spPr/>
+        <p:txBody>
+          <a:bodyPr/>
+          <a:lstStyle/>
+          <a:p>
             <a:r>
               <a:rPr lang="en-US" dirty="0"/>
               <a:t>example: where.html</a:t>
@@ -985,7 +1070,7 @@
 </p:notes>
 </file>
 
-<file path=ppt/notesSlides/notesSlide6.xml><?xml version="1.0" encoding="utf-8"?>
+<file path=ppt/notesSlides/notesSlide7.xml><?xml version="1.0" encoding="utf-8"?>
 <p:notes xmlns:a="http://schemas.openxmlformats.org/drawingml/2006/main" xmlns:r="http://schemas.openxmlformats.org/officeDocument/2006/relationships" xmlns:p="http://schemas.openxmlformats.org/presentationml/2006/main">
   <p:cSld>
     <p:spTree>
@@ -1223,7 +1308,7 @@
             <a:fld id="{FB7712AD-3B21-4FE9-B722-CF9B0200D9B9}" type="datetimeFigureOut">
               <a:rPr lang="en-US" smtClean="0"/>
               <a:pPr/>
-              <a:t>10/9/2017</a:t>
+              <a:t>10/13/2017</a:t>
             </a:fld>
             <a:endParaRPr lang="en-US"/>
           </a:p>
@@ -1405,7 +1490,7 @@
             <a:fld id="{FB7712AD-3B21-4FE9-B722-CF9B0200D9B9}" type="datetimeFigureOut">
               <a:rPr lang="en-US" smtClean="0"/>
               <a:pPr/>
-              <a:t>10/9/2017</a:t>
+              <a:t>10/13/2017</a:t>
             </a:fld>
             <a:endParaRPr lang="en-US"/>
           </a:p>
@@ -1597,7 +1682,7 @@
             <a:fld id="{FB7712AD-3B21-4FE9-B722-CF9B0200D9B9}" type="datetimeFigureOut">
               <a:rPr lang="en-US" smtClean="0"/>
               <a:pPr/>
-              <a:t>10/9/2017</a:t>
+              <a:t>10/13/2017</a:t>
             </a:fld>
             <a:endParaRPr lang="en-US"/>
           </a:p>
@@ -2048,7 +2133,7 @@
           <a:p>
             <a:fld id="{5FB62F81-FD80-4AA8-93CA-E835B40BE667}" type="datetimeFigureOut">
               <a:rPr lang="en-US" smtClean="0"/>
-              <a:t>10/9/2017</a:t>
+              <a:t>10/13/2017</a:t>
             </a:fld>
             <a:endParaRPr lang="en-US"/>
           </a:p>
@@ -2111,7 +2196,7 @@
     </p:spTree>
     <p:extLst>
       <p:ext uri="{BB962C8B-B14F-4D97-AF65-F5344CB8AC3E}">
-        <p14:creationId xmlns:p14="http://schemas.microsoft.com/office/powerpoint/2010/main" val="3964791698"/>
+        <p14:creationId xmlns:p14="http://schemas.microsoft.com/office/powerpoint/2010/main" val="3960085493"/>
       </p:ext>
     </p:extLst>
   </p:cSld>
@@ -2246,7 +2331,7 @@
           <a:p>
             <a:fld id="{5FB62F81-FD80-4AA8-93CA-E835B40BE667}" type="datetimeFigureOut">
               <a:rPr lang="en-US" smtClean="0"/>
-              <a:t>10/9/2017</a:t>
+              <a:t>10/13/2017</a:t>
             </a:fld>
             <a:endParaRPr lang="en-US"/>
           </a:p>
@@ -2309,7 +2394,7 @@
     </p:spTree>
     <p:extLst>
       <p:ext uri="{BB962C8B-B14F-4D97-AF65-F5344CB8AC3E}">
-        <p14:creationId xmlns:p14="http://schemas.microsoft.com/office/powerpoint/2010/main" val="2689454358"/>
+        <p14:creationId xmlns:p14="http://schemas.microsoft.com/office/powerpoint/2010/main" val="1491561224"/>
       </p:ext>
     </p:extLst>
   </p:cSld>
@@ -2521,7 +2606,7 @@
           <a:p>
             <a:fld id="{5FB62F81-FD80-4AA8-93CA-E835B40BE667}" type="datetimeFigureOut">
               <a:rPr lang="en-US" smtClean="0"/>
-              <a:t>10/9/2017</a:t>
+              <a:t>10/13/2017</a:t>
             </a:fld>
             <a:endParaRPr lang="en-US"/>
           </a:p>
@@ -2584,7 +2669,7 @@
     </p:spTree>
     <p:extLst>
       <p:ext uri="{BB962C8B-B14F-4D97-AF65-F5344CB8AC3E}">
-        <p14:creationId xmlns:p14="http://schemas.microsoft.com/office/powerpoint/2010/main" val="1926279272"/>
+        <p14:creationId xmlns:p14="http://schemas.microsoft.com/office/powerpoint/2010/main" val="1415662010"/>
       </p:ext>
     </p:extLst>
   </p:cSld>
@@ -2786,7 +2871,7 @@
           <a:p>
             <a:fld id="{5FB62F81-FD80-4AA8-93CA-E835B40BE667}" type="datetimeFigureOut">
               <a:rPr lang="en-US" smtClean="0"/>
-              <a:t>10/9/2017</a:t>
+              <a:t>10/13/2017</a:t>
             </a:fld>
             <a:endParaRPr lang="en-US"/>
           </a:p>
@@ -2849,7 +2934,7 @@
     </p:spTree>
     <p:extLst>
       <p:ext uri="{BB962C8B-B14F-4D97-AF65-F5344CB8AC3E}">
-        <p14:creationId xmlns:p14="http://schemas.microsoft.com/office/powerpoint/2010/main" val="3726283501"/>
+        <p14:creationId xmlns:p14="http://schemas.microsoft.com/office/powerpoint/2010/main" val="1562638814"/>
       </p:ext>
     </p:extLst>
   </p:cSld>
@@ -3198,7 +3283,7 @@
           <a:p>
             <a:fld id="{5FB62F81-FD80-4AA8-93CA-E835B40BE667}" type="datetimeFigureOut">
               <a:rPr lang="en-US" smtClean="0"/>
-              <a:t>10/9/2017</a:t>
+              <a:t>10/13/2017</a:t>
             </a:fld>
             <a:endParaRPr lang="en-US"/>
           </a:p>
@@ -3261,7 +3346,7 @@
     </p:spTree>
     <p:extLst>
       <p:ext uri="{BB962C8B-B14F-4D97-AF65-F5344CB8AC3E}">
-        <p14:creationId xmlns:p14="http://schemas.microsoft.com/office/powerpoint/2010/main" val="3776684383"/>
+        <p14:creationId xmlns:p14="http://schemas.microsoft.com/office/powerpoint/2010/main" val="1090483938"/>
       </p:ext>
     </p:extLst>
   </p:cSld>
@@ -3339,7 +3424,7 @@
           <a:p>
             <a:fld id="{5FB62F81-FD80-4AA8-93CA-E835B40BE667}" type="datetimeFigureOut">
               <a:rPr lang="en-US" smtClean="0"/>
-              <a:t>10/9/2017</a:t>
+              <a:t>10/13/2017</a:t>
             </a:fld>
             <a:endParaRPr lang="en-US"/>
           </a:p>
@@ -3402,7 +3487,7 @@
     </p:spTree>
     <p:extLst>
       <p:ext uri="{BB962C8B-B14F-4D97-AF65-F5344CB8AC3E}">
-        <p14:creationId xmlns:p14="http://schemas.microsoft.com/office/powerpoint/2010/main" val="3697832317"/>
+        <p14:creationId xmlns:p14="http://schemas.microsoft.com/office/powerpoint/2010/main" val="1795984029"/>
       </p:ext>
     </p:extLst>
   </p:cSld>
@@ -3452,7 +3537,7 @@
           <a:p>
             <a:fld id="{5FB62F81-FD80-4AA8-93CA-E835B40BE667}" type="datetimeFigureOut">
               <a:rPr lang="en-US" smtClean="0"/>
-              <a:t>10/9/2017</a:t>
+              <a:t>10/13/2017</a:t>
             </a:fld>
             <a:endParaRPr lang="en-US"/>
           </a:p>
@@ -3515,7 +3600,7 @@
     </p:spTree>
     <p:extLst>
       <p:ext uri="{BB962C8B-B14F-4D97-AF65-F5344CB8AC3E}">
-        <p14:creationId xmlns:p14="http://schemas.microsoft.com/office/powerpoint/2010/main" val="812037858"/>
+        <p14:creationId xmlns:p14="http://schemas.microsoft.com/office/powerpoint/2010/main" val="3210175455"/>
       </p:ext>
     </p:extLst>
   </p:cSld>
@@ -3680,7 +3765,7 @@
             <a:fld id="{FB7712AD-3B21-4FE9-B722-CF9B0200D9B9}" type="datetimeFigureOut">
               <a:rPr lang="en-US" smtClean="0"/>
               <a:pPr/>
-              <a:t>10/9/2017</a:t>
+              <a:t>10/13/2017</a:t>
             </a:fld>
             <a:endParaRPr lang="en-US"/>
           </a:p>
@@ -3988,7 +4073,7 @@
           <a:p>
             <a:fld id="{5FB62F81-FD80-4AA8-93CA-E835B40BE667}" type="datetimeFigureOut">
               <a:rPr lang="en-US" smtClean="0"/>
-              <a:t>10/9/2017</a:t>
+              <a:t>10/13/2017</a:t>
             </a:fld>
             <a:endParaRPr lang="en-US"/>
           </a:p>
@@ -4051,7 +4136,7 @@
     </p:spTree>
     <p:extLst>
       <p:ext uri="{BB962C8B-B14F-4D97-AF65-F5344CB8AC3E}">
-        <p14:creationId xmlns:p14="http://schemas.microsoft.com/office/powerpoint/2010/main" val="4054002084"/>
+        <p14:creationId xmlns:p14="http://schemas.microsoft.com/office/powerpoint/2010/main" val="1550191305"/>
       </p:ext>
     </p:extLst>
   </p:cSld>
@@ -4276,7 +4361,7 @@
           <a:p>
             <a:fld id="{5FB62F81-FD80-4AA8-93CA-E835B40BE667}" type="datetimeFigureOut">
               <a:rPr lang="en-US" smtClean="0"/>
-              <a:t>10/9/2017</a:t>
+              <a:t>10/13/2017</a:t>
             </a:fld>
             <a:endParaRPr lang="en-US"/>
           </a:p>
@@ -4339,7 +4424,7 @@
     </p:spTree>
     <p:extLst>
       <p:ext uri="{BB962C8B-B14F-4D97-AF65-F5344CB8AC3E}">
-        <p14:creationId xmlns:p14="http://schemas.microsoft.com/office/powerpoint/2010/main" val="1675248772"/>
+        <p14:creationId xmlns:p14="http://schemas.microsoft.com/office/powerpoint/2010/main" val="1829504858"/>
       </p:ext>
     </p:extLst>
   </p:cSld>
@@ -4474,7 +4559,7 @@
           <a:p>
             <a:fld id="{5FB62F81-FD80-4AA8-93CA-E835B40BE667}" type="datetimeFigureOut">
               <a:rPr lang="en-US" smtClean="0"/>
-              <a:t>10/9/2017</a:t>
+              <a:t>10/13/2017</a:t>
             </a:fld>
             <a:endParaRPr lang="en-US"/>
           </a:p>
@@ -4537,7 +4622,7 @@
     </p:spTree>
     <p:extLst>
       <p:ext uri="{BB962C8B-B14F-4D97-AF65-F5344CB8AC3E}">
-        <p14:creationId xmlns:p14="http://schemas.microsoft.com/office/powerpoint/2010/main" val="3036651475"/>
+        <p14:creationId xmlns:p14="http://schemas.microsoft.com/office/powerpoint/2010/main" val="2923847216"/>
       </p:ext>
     </p:extLst>
   </p:cSld>
@@ -4682,7 +4767,7 @@
           <a:p>
             <a:fld id="{5FB62F81-FD80-4AA8-93CA-E835B40BE667}" type="datetimeFigureOut">
               <a:rPr lang="en-US" smtClean="0"/>
-              <a:t>10/9/2017</a:t>
+              <a:t>10/13/2017</a:t>
             </a:fld>
             <a:endParaRPr lang="en-US"/>
           </a:p>
@@ -4745,7 +4830,7 @@
     </p:spTree>
     <p:extLst>
       <p:ext uri="{BB962C8B-B14F-4D97-AF65-F5344CB8AC3E}">
-        <p14:creationId xmlns:p14="http://schemas.microsoft.com/office/powerpoint/2010/main" val="4078790969"/>
+        <p14:creationId xmlns:p14="http://schemas.microsoft.com/office/powerpoint/2010/main" val="169549657"/>
       </p:ext>
     </p:extLst>
   </p:cSld>
@@ -4890,7 +4975,7 @@
             <a:fld id="{FB7712AD-3B21-4FE9-B722-CF9B0200D9B9}" type="datetimeFigureOut">
               <a:rPr lang="en-US" smtClean="0"/>
               <a:pPr/>
-              <a:t>10/9/2017</a:t>
+              <a:t>10/13/2017</a:t>
             </a:fld>
             <a:endParaRPr lang="en-US"/>
           </a:p>
@@ -5189,7 +5274,7 @@
             <a:fld id="{FB7712AD-3B21-4FE9-B722-CF9B0200D9B9}" type="datetimeFigureOut">
               <a:rPr lang="en-US" smtClean="0"/>
               <a:pPr/>
-              <a:t>10/9/2017</a:t>
+              <a:t>10/13/2017</a:t>
             </a:fld>
             <a:endParaRPr lang="en-US"/>
           </a:p>
@@ -5627,7 +5712,7 @@
             <a:fld id="{FB7712AD-3B21-4FE9-B722-CF9B0200D9B9}" type="datetimeFigureOut">
               <a:rPr lang="en-US" smtClean="0"/>
               <a:pPr/>
-              <a:t>10/9/2017</a:t>
+              <a:t>10/13/2017</a:t>
             </a:fld>
             <a:endParaRPr lang="en-US"/>
           </a:p>
@@ -5758,7 +5843,7 @@
             <a:fld id="{FB7712AD-3B21-4FE9-B722-CF9B0200D9B9}" type="datetimeFigureOut">
               <a:rPr lang="en-US" smtClean="0"/>
               <a:pPr/>
-              <a:t>10/9/2017</a:t>
+              <a:t>10/13/2017</a:t>
             </a:fld>
             <a:endParaRPr lang="en-US"/>
           </a:p>
@@ -5867,7 +5952,7 @@
             <a:fld id="{FB7712AD-3B21-4FE9-B722-CF9B0200D9B9}" type="datetimeFigureOut">
               <a:rPr lang="en-US" smtClean="0"/>
               <a:pPr/>
-              <a:t>10/9/2017</a:t>
+              <a:t>10/13/2017</a:t>
             </a:fld>
             <a:endParaRPr lang="en-US"/>
           </a:p>
@@ -6156,7 +6241,7 @@
             <a:fld id="{FB7712AD-3B21-4FE9-B722-CF9B0200D9B9}" type="datetimeFigureOut">
               <a:rPr lang="en-US" smtClean="0"/>
               <a:pPr/>
-              <a:t>10/9/2017</a:t>
+              <a:t>10/13/2017</a:t>
             </a:fld>
             <a:endParaRPr lang="en-US"/>
           </a:p>
@@ -6425,7 +6510,7 @@
             <a:fld id="{FB7712AD-3B21-4FE9-B722-CF9B0200D9B9}" type="datetimeFigureOut">
               <a:rPr lang="en-US" smtClean="0"/>
               <a:pPr/>
-              <a:t>10/9/2017</a:t>
+              <a:t>10/13/2017</a:t>
             </a:fld>
             <a:endParaRPr lang="en-US"/>
           </a:p>
@@ -6753,7 +6838,7 @@
             <a:fld id="{FB7712AD-3B21-4FE9-B722-CF9B0200D9B9}" type="datetimeFigureOut">
               <a:rPr lang="en-US" smtClean="0"/>
               <a:pPr/>
-              <a:t>10/9/2017</a:t>
+              <a:t>10/13/2017</a:t>
             </a:fld>
             <a:endParaRPr lang="en-US"/>
           </a:p>
@@ -7454,7 +7539,7 @@
           <a:p>
             <a:fld id="{5FB62F81-FD80-4AA8-93CA-E835B40BE667}" type="datetimeFigureOut">
               <a:rPr lang="en-US" smtClean="0"/>
-              <a:t>10/9/2017</a:t>
+              <a:t>10/13/2017</a:t>
             </a:fld>
             <a:endParaRPr lang="en-US"/>
           </a:p>
@@ -7553,7 +7638,7 @@
     </p:spTree>
     <p:extLst>
       <p:ext uri="{BB962C8B-B14F-4D97-AF65-F5344CB8AC3E}">
-        <p14:creationId xmlns:p14="http://schemas.microsoft.com/office/powerpoint/2010/main" val="2394546071"/>
+        <p14:creationId xmlns:p14="http://schemas.microsoft.com/office/powerpoint/2010/main" val="3877680283"/>
       </p:ext>
     </p:extLst>
   </p:cSld>
@@ -8768,6 +8853,16 @@
 <file path=ppt/slides/slide12.xml><?xml version="1.0" encoding="utf-8"?>
 <p:sld xmlns:a="http://schemas.openxmlformats.org/drawingml/2006/main" xmlns:r="http://schemas.openxmlformats.org/officeDocument/2006/relationships" xmlns:p="http://schemas.openxmlformats.org/presentationml/2006/main">
   <p:cSld>
+    <p:bg>
+      <p:bgPr>
+        <a:solidFill>
+          <a:schemeClr val="bg1">
+            <a:lumMod val="75000"/>
+          </a:schemeClr>
+        </a:solidFill>
+        <a:effectLst/>
+      </p:bgPr>
+    </p:bg>
     <p:spTree>
       <p:nvGrpSpPr>
         <p:cNvPr id="1" name=""/>
@@ -8784,12 +8879,47 @@
       </p:grpSpPr>
       <p:sp>
         <p:nvSpPr>
-          <p:cNvPr id="4" name="Title 3"/>
+          <p:cNvPr id="2" name="Title 1"/>
           <p:cNvSpPr>
             <a:spLocks noGrp="1"/>
           </p:cNvSpPr>
           <p:nvPr>
             <p:ph type="ctrTitle"/>
+          </p:nvPr>
+        </p:nvSpPr>
+        <p:spPr>
+          <a:xfrm>
+            <a:off x="1143000" y="1699022"/>
+            <a:ext cx="6858000" cy="1790700"/>
+          </a:xfrm>
+        </p:spPr>
+        <p:txBody>
+          <a:bodyPr>
+            <a:normAutofit/>
+          </a:bodyPr>
+          <a:lstStyle/>
+          <a:p>
+            <a:r>
+              <a:rPr lang="en-US" sz="3600" dirty="0"/>
+              <a:t>Start Session 19</a:t>
+            </a:r>
+          </a:p>
+        </p:txBody>
+      </p:sp>
+      <p:sp>
+        <p:nvSpPr>
+          <p:cNvPr id="5" name="Subtitle 4">
+            <a:extLst>
+              <a:ext uri="{FF2B5EF4-FFF2-40B4-BE49-F238E27FC236}">
+                <a16:creationId xmlns:a16="http://schemas.microsoft.com/office/drawing/2014/main" id="{66A31F2C-A124-4975-86A1-CE6BD8B315ED}"/>
+              </a:ext>
+            </a:extLst>
+          </p:cNvPr>
+          <p:cNvSpPr>
+            <a:spLocks noGrp="1"/>
+          </p:cNvSpPr>
+          <p:nvPr>
+            <p:ph type="subTitle" idx="1"/>
           </p:nvPr>
         </p:nvSpPr>
         <p:spPr/>
@@ -8797,17 +8927,14 @@
           <a:bodyPr/>
           <a:lstStyle/>
           <a:p>
-            <a:r>
-              <a:rPr lang="en-US" b="1" dirty="0"/>
-              <a:t>Controlling Visibility, Colors, Fonts, and Content</a:t>
-            </a:r>
+            <a:endParaRPr lang="en-US" dirty="0"/>
           </a:p>
         </p:txBody>
       </p:sp>
     </p:spTree>
     <p:extLst>
       <p:ext uri="{BB962C8B-B14F-4D97-AF65-F5344CB8AC3E}">
-        <p14:creationId xmlns:p14="http://schemas.microsoft.com/office/powerpoint/2010/main" val="3694270689"/>
+        <p14:creationId xmlns:p14="http://schemas.microsoft.com/office/powerpoint/2010/main" val="519159018"/>
       </p:ext>
     </p:extLst>
   </p:cSld>
@@ -8836,6 +8963,58 @@
       </p:grpSpPr>
       <p:sp>
         <p:nvSpPr>
+          <p:cNvPr id="4" name="Title 3"/>
+          <p:cNvSpPr>
+            <a:spLocks noGrp="1"/>
+          </p:cNvSpPr>
+          <p:nvPr>
+            <p:ph type="ctrTitle"/>
+          </p:nvPr>
+        </p:nvSpPr>
+        <p:spPr/>
+        <p:txBody>
+          <a:bodyPr/>
+          <a:lstStyle/>
+          <a:p>
+            <a:r>
+              <a:rPr lang="en-US" b="1" dirty="0"/>
+              <a:t>Controlling Visibility, Colors, Fonts, and Content</a:t>
+            </a:r>
+          </a:p>
+        </p:txBody>
+      </p:sp>
+    </p:spTree>
+    <p:extLst>
+      <p:ext uri="{BB962C8B-B14F-4D97-AF65-F5344CB8AC3E}">
+        <p14:creationId xmlns:p14="http://schemas.microsoft.com/office/powerpoint/2010/main" val="3694270689"/>
+      </p:ext>
+    </p:extLst>
+  </p:cSld>
+  <p:clrMapOvr>
+    <a:masterClrMapping/>
+  </p:clrMapOvr>
+</p:sld>
+</file>
+
+<file path=ppt/slides/slide14.xml><?xml version="1.0" encoding="utf-8"?>
+<p:sld xmlns:a="http://schemas.openxmlformats.org/drawingml/2006/main" xmlns:r="http://schemas.openxmlformats.org/officeDocument/2006/relationships" xmlns:p="http://schemas.openxmlformats.org/presentationml/2006/main">
+  <p:cSld>
+    <p:spTree>
+      <p:nvGrpSpPr>
+        <p:cNvPr id="1" name=""/>
+        <p:cNvGrpSpPr/>
+        <p:nvPr/>
+      </p:nvGrpSpPr>
+      <p:grpSpPr>
+        <a:xfrm>
+          <a:off x="0" y="0"/>
+          <a:ext cx="0" cy="0"/>
+          <a:chOff x="0" y="0"/>
+          <a:chExt cx="0" cy="0"/>
+        </a:xfrm>
+      </p:grpSpPr>
+      <p:sp>
+        <p:nvSpPr>
           <p:cNvPr id="2" name="Title 1"/>
           <p:cNvSpPr>
             <a:spLocks noGrp="1"/>
@@ -9072,7 +9251,7 @@
             <a:fld id="{9648F39E-9C37-485F-AC97-16BB4BDF9F49}" type="slidenum">
               <a:rPr kumimoji="0" lang="en-US" smtClean="0"/>
               <a:pPr/>
-              <a:t>13</a:t>
+              <a:t>14</a:t>
             </a:fld>
             <a:endParaRPr kumimoji="0" lang="en-US"/>
           </a:p>
@@ -9467,7 +9646,7 @@
 </p:sld>
 </file>
 
-<file path=ppt/slides/slide14.xml><?xml version="1.0" encoding="utf-8"?>
+<file path=ppt/slides/slide15.xml><?xml version="1.0" encoding="utf-8"?>
 <p:sld xmlns:a="http://schemas.openxmlformats.org/drawingml/2006/main" xmlns:r="http://schemas.openxmlformats.org/officeDocument/2006/relationships" xmlns:p="http://schemas.openxmlformats.org/presentationml/2006/main">
   <p:cSld>
     <p:spTree>
@@ -9739,7 +9918,7 @@
             <a:fld id="{9648F39E-9C37-485F-AC97-16BB4BDF9F49}" type="slidenum">
               <a:rPr kumimoji="0" lang="en-US" smtClean="0"/>
               <a:pPr/>
-              <a:t>14</a:t>
+              <a:t>15</a:t>
             </a:fld>
             <a:endParaRPr kumimoji="0" lang="en-US"/>
           </a:p>
@@ -10134,7 +10313,7 @@
 </p:sld>
 </file>
 
-<file path=ppt/slides/slide15.xml><?xml version="1.0" encoding="utf-8"?>
+<file path=ppt/slides/slide16.xml><?xml version="1.0" encoding="utf-8"?>
 <p:sld xmlns:a="http://schemas.openxmlformats.org/drawingml/2006/main" xmlns:r="http://schemas.openxmlformats.org/officeDocument/2006/relationships" xmlns:p="http://schemas.openxmlformats.org/presentationml/2006/main">
   <p:cSld>
     <p:spTree>
@@ -10410,7 +10589,7 @@
             <a:fld id="{9648F39E-9C37-485F-AC97-16BB4BDF9F49}" type="slidenum">
               <a:rPr kumimoji="0" lang="en-US" smtClean="0"/>
               <a:pPr/>
-              <a:t>15</a:t>
+              <a:t>16</a:t>
             </a:fld>
             <a:endParaRPr kumimoji="0" lang="en-US"/>
           </a:p>
@@ -10684,7 +10863,7 @@
 </p:sld>
 </file>
 
-<file path=ppt/slides/slide16.xml><?xml version="1.0" encoding="utf-8"?>
+<file path=ppt/slides/slide17.xml><?xml version="1.0" encoding="utf-8"?>
 <p:sld xmlns:a="http://schemas.openxmlformats.org/drawingml/2006/main" xmlns:r="http://schemas.openxmlformats.org/officeDocument/2006/relationships" xmlns:p="http://schemas.openxmlformats.org/presentationml/2006/main">
   <p:cSld>
     <p:spTree>
@@ -10827,7 +11006,7 @@
             <a:fld id="{9648F39E-9C37-485F-AC97-16BB4BDF9F49}" type="slidenum">
               <a:rPr kumimoji="0" lang="en-US" smtClean="0"/>
               <a:pPr/>
-              <a:t>16</a:t>
+              <a:t>17</a:t>
             </a:fld>
             <a:endParaRPr kumimoji="0" lang="en-US"/>
           </a:p>
@@ -11026,7 +11205,7 @@
 </p:sld>
 </file>
 
-<file path=ppt/slides/slide17.xml><?xml version="1.0" encoding="utf-8"?>
+<file path=ppt/slides/slide18.xml><?xml version="1.0" encoding="utf-8"?>
 <p:sld xmlns:a="http://schemas.openxmlformats.org/drawingml/2006/main" xmlns:r="http://schemas.openxmlformats.org/officeDocument/2006/relationships" xmlns:p="http://schemas.openxmlformats.org/presentationml/2006/main">
   <p:cSld>
     <p:spTree>
@@ -11104,7 +11283,7 @@
             <a:r>
               <a:rPr lang="en-US" dirty="0">
                 <a:cs typeface="Calibri" panose="020F0502020204030204" pitchFamily="34" charset="0"/>
-                <a:hlinkClick r:id="rId2" action="ppaction://hlinkfile"/>
+                <a:hlinkClick r:id="rId3" action="ppaction://hlinkfile"/>
               </a:rPr>
               <a:t>[link]</a:t>
             </a:r>
@@ -11119,25 +11298,6 @@
                 <a:cs typeface="Calibri" panose="020F0502020204030204" pitchFamily="34" charset="0"/>
               </a:rPr>
               <a:t>dynColors.html </a:t>
-            </a:r>
-            <a:r>
-              <a:rPr lang="en-US" dirty="0">
-                <a:cs typeface="Calibri" panose="020F0502020204030204" pitchFamily="34" charset="0"/>
-                <a:hlinkClick r:id="rId3" action="ppaction://hlinkfile"/>
-              </a:rPr>
-              <a:t>[link]</a:t>
-            </a:r>
-            <a:endParaRPr lang="en-US" dirty="0">
-              <a:cs typeface="Calibri" panose="020F0502020204030204" pitchFamily="34" charset="0"/>
-            </a:endParaRPr>
-          </a:p>
-          <a:p>
-            <a:pPr algn="ctr"/>
-            <a:r>
-              <a:rPr lang="en-US" dirty="0">
-                <a:cs typeface="Calibri" panose="020F0502020204030204" pitchFamily="34" charset="0"/>
-              </a:rPr>
-              <a:t>dynFont.html </a:t>
             </a:r>
             <a:r>
               <a:rPr lang="en-US" dirty="0">
@@ -11156,7 +11316,7 @@
               <a:rPr lang="en-US" dirty="0">
                 <a:cs typeface="Calibri" panose="020F0502020204030204" pitchFamily="34" charset="0"/>
               </a:rPr>
-              <a:t>dynValue.html </a:t>
+              <a:t>dynFont.html </a:t>
             </a:r>
             <a:r>
               <a:rPr lang="en-US" dirty="0">
@@ -11169,118 +11329,31 @@
               <a:cs typeface="Calibri" panose="020F0502020204030204" pitchFamily="34" charset="0"/>
             </a:endParaRPr>
           </a:p>
+          <a:p>
+            <a:pPr algn="ctr"/>
+            <a:r>
+              <a:rPr lang="en-US" dirty="0">
+                <a:cs typeface="Calibri" panose="020F0502020204030204" pitchFamily="34" charset="0"/>
+              </a:rPr>
+              <a:t>dynValue.html </a:t>
+            </a:r>
+            <a:r>
+              <a:rPr lang="en-US" dirty="0">
+                <a:cs typeface="Calibri" panose="020F0502020204030204" pitchFamily="34" charset="0"/>
+                <a:hlinkClick r:id="rId6" action="ppaction://hlinkfile"/>
+              </a:rPr>
+              <a:t>[link]</a:t>
+            </a:r>
+            <a:endParaRPr lang="en-US" dirty="0">
+              <a:cs typeface="Calibri" panose="020F0502020204030204" pitchFamily="34" charset="0"/>
+            </a:endParaRPr>
+          </a:p>
         </p:txBody>
       </p:sp>
     </p:spTree>
     <p:extLst>
       <p:ext uri="{BB962C8B-B14F-4D97-AF65-F5344CB8AC3E}">
         <p14:creationId xmlns:p14="http://schemas.microsoft.com/office/powerpoint/2010/main" val="3002889713"/>
-      </p:ext>
-    </p:extLst>
-  </p:cSld>
-  <p:clrMapOvr>
-    <a:masterClrMapping/>
-  </p:clrMapOvr>
-</p:sld>
-</file>
-
-<file path=ppt/slides/slide18.xml><?xml version="1.0" encoding="utf-8"?>
-<p:sld xmlns:a="http://schemas.openxmlformats.org/drawingml/2006/main" xmlns:r="http://schemas.openxmlformats.org/officeDocument/2006/relationships" xmlns:p="http://schemas.openxmlformats.org/presentationml/2006/main">
-  <p:cSld>
-    <p:bg>
-      <p:bgPr>
-        <a:solidFill>
-          <a:schemeClr val="bg1">
-            <a:lumMod val="75000"/>
-          </a:schemeClr>
-        </a:solidFill>
-        <a:effectLst/>
-      </p:bgPr>
-    </p:bg>
-    <p:spTree>
-      <p:nvGrpSpPr>
-        <p:cNvPr id="1" name=""/>
-        <p:cNvGrpSpPr/>
-        <p:nvPr/>
-      </p:nvGrpSpPr>
-      <p:grpSpPr>
-        <a:xfrm>
-          <a:off x="0" y="0"/>
-          <a:ext cx="0" cy="0"/>
-          <a:chOff x="0" y="0"/>
-          <a:chExt cx="0" cy="0"/>
-        </a:xfrm>
-      </p:grpSpPr>
-      <p:sp>
-        <p:nvSpPr>
-          <p:cNvPr id="2" name="Title 1"/>
-          <p:cNvSpPr>
-            <a:spLocks noGrp="1"/>
-          </p:cNvSpPr>
-          <p:nvPr>
-            <p:ph type="ctrTitle"/>
-          </p:nvPr>
-        </p:nvSpPr>
-        <p:spPr>
-          <a:xfrm>
-            <a:off x="1143000" y="1699022"/>
-            <a:ext cx="6858000" cy="1790700"/>
-          </a:xfrm>
-        </p:spPr>
-        <p:txBody>
-          <a:bodyPr>
-            <a:normAutofit/>
-          </a:bodyPr>
-          <a:lstStyle/>
-          <a:p>
-            <a:r>
-              <a:rPr lang="en-US" sz="3600" dirty="0"/>
-              <a:t>End of Session</a:t>
-            </a:r>
-          </a:p>
-        </p:txBody>
-      </p:sp>
-      <p:sp>
-        <p:nvSpPr>
-          <p:cNvPr id="3" name="Subtitle 2"/>
-          <p:cNvSpPr>
-            <a:spLocks noGrp="1"/>
-          </p:cNvSpPr>
-          <p:nvPr>
-            <p:ph type="subTitle" idx="1"/>
-          </p:nvPr>
-        </p:nvSpPr>
-        <p:spPr>
-          <a:xfrm>
-            <a:off x="1143000" y="3558778"/>
-            <a:ext cx="6858000" cy="1648517"/>
-          </a:xfrm>
-        </p:spPr>
-        <p:txBody>
-          <a:bodyPr>
-            <a:normAutofit/>
-          </a:bodyPr>
-          <a:lstStyle/>
-          <a:p>
-            <a:pPr algn="l"/>
-            <a:r>
-              <a:rPr lang="en-US" dirty="0"/>
-              <a:t>Course Number: CPSC-24700</a:t>
-            </a:r>
-          </a:p>
-          <a:p>
-            <a:pPr algn="l"/>
-            <a:r>
-              <a:rPr lang="en-US" dirty="0"/>
-              <a:t>Instructor: Eric Pogue</a:t>
-            </a:r>
-          </a:p>
-        </p:txBody>
-      </p:sp>
-    </p:spTree>
-    <p:extLst>
-      <p:ext uri="{BB962C8B-B14F-4D97-AF65-F5344CB8AC3E}">
-        <p14:creationId xmlns:p14="http://schemas.microsoft.com/office/powerpoint/2010/main" val="1130818612"/>
       </p:ext>
     </p:extLst>
   </p:cSld>
@@ -13037,21 +13110,39 @@
             <a:pPr algn="ctr"/>
             <a:r>
               <a:rPr lang="en-US" dirty="0">
-                <a:latin typeface="Consolas" panose="020B0609020204030204" pitchFamily="49" charset="0"/>
-                <a:cs typeface="Consolas" panose="020B0609020204030204" pitchFamily="49" charset="0"/>
+                <a:cs typeface="Calibri" panose="020F0502020204030204" pitchFamily="34" charset="0"/>
               </a:rPr>
-              <a:t>where.html</a:t>
-            </a:r>
+              <a:t>where.html </a:t>
+            </a:r>
+            <a:r>
+              <a:rPr lang="en-US" dirty="0">
+                <a:cs typeface="Calibri" panose="020F0502020204030204" pitchFamily="34" charset="0"/>
+                <a:hlinkClick r:id="rId2" action="ppaction://hlinkfile"/>
+              </a:rPr>
+              <a:t>[link]</a:t>
+            </a:r>
+            <a:endParaRPr lang="en-US" dirty="0">
+              <a:cs typeface="Calibri" panose="020F0502020204030204" pitchFamily="34" charset="0"/>
+            </a:endParaRPr>
           </a:p>
           <a:p>
             <a:pPr algn="ctr"/>
             <a:r>
               <a:rPr lang="en-US" dirty="0">
-                <a:latin typeface="Consolas" panose="020B0609020204030204" pitchFamily="49" charset="0"/>
-                <a:cs typeface="Consolas" panose="020B0609020204030204" pitchFamily="49" charset="0"/>
+                <a:cs typeface="Calibri" panose="020F0502020204030204" pitchFamily="34" charset="0"/>
               </a:rPr>
-              <a:t>anywhere.html</a:t>
-            </a:r>
+              <a:t>anywhere.html </a:t>
+            </a:r>
+            <a:r>
+              <a:rPr lang="en-US" dirty="0">
+                <a:cs typeface="Calibri" panose="020F0502020204030204" pitchFamily="34" charset="0"/>
+                <a:hlinkClick r:id="rId3" action="ppaction://hlinkfile"/>
+              </a:rPr>
+              <a:t>[link]</a:t>
+            </a:r>
+            <a:endParaRPr lang="en-US" dirty="0">
+              <a:cs typeface="Calibri" panose="020F0502020204030204" pitchFamily="34" charset="0"/>
+            </a:endParaRPr>
           </a:p>
           <a:p>
             <a:pPr algn="ctr"/>
@@ -14369,11 +14460,20 @@
             <a:pPr algn="ctr"/>
             <a:r>
               <a:rPr lang="en-US" dirty="0">
-                <a:latin typeface="Consolas" panose="020B0609020204030204" pitchFamily="49" charset="0"/>
-                <a:cs typeface="Consolas" panose="020B0609020204030204" pitchFamily="49" charset="0"/>
+                <a:cs typeface="Calibri" panose="020F0502020204030204" pitchFamily="34" charset="0"/>
               </a:rPr>
-              <a:t>dragNDrop.html</a:t>
-            </a:r>
+              <a:t>dragNDrop.html </a:t>
+            </a:r>
+            <a:r>
+              <a:rPr lang="en-US" dirty="0">
+                <a:cs typeface="Calibri" panose="020F0502020204030204" pitchFamily="34" charset="0"/>
+                <a:hlinkClick r:id="rId2" action="ppaction://hlinkfile"/>
+              </a:rPr>
+              <a:t>[link]</a:t>
+            </a:r>
+            <a:endParaRPr lang="en-US" dirty="0">
+              <a:cs typeface="Calibri" panose="020F0502020204030204" pitchFamily="34" charset="0"/>
+            </a:endParaRPr>
           </a:p>
         </p:txBody>
       </p:sp>
@@ -14447,7 +14547,7 @@
         </p:spPr>
         <p:txBody>
           <a:bodyPr>
-            <a:normAutofit fontScale="92500" lnSpcReduction="20000"/>
+            <a:normAutofit/>
           </a:bodyPr>
           <a:lstStyle/>
           <a:p>
@@ -14456,7 +14556,7 @@
               <a:buChar char="•"/>
             </a:pPr>
             <a:r>
-              <a:rPr lang="en-US" dirty="0"/>
+              <a:rPr lang="en-US" sz="2000" dirty="0"/>
               <a:t>A dynamic HTML document is one whose tag attributes, tag contents, or element style properties can be changed after the document has been and is still being displayed by a browser</a:t>
             </a:r>
           </a:p>
@@ -14466,7 +14566,7 @@
               <a:buChar char="•"/>
             </a:pPr>
             <a:r>
-              <a:rPr lang="en-US" dirty="0"/>
+              <a:rPr lang="en-US" sz="2000" dirty="0"/>
               <a:t>CSS-P allows the position of any element to be specified by the three style properties: position, left, and top</a:t>
             </a:r>
           </a:p>
@@ -14476,7 +14576,7 @@
               <a:buChar char="•"/>
             </a:pPr>
             <a:r>
-              <a:rPr lang="en-US" dirty="0"/>
+              <a:rPr lang="en-US" sz="2000" dirty="0"/>
               <a:t>The style property of an HTML element can be changed within JavaScript to dynamically control color, fonts, and other aspects of the element's presentation</a:t>
             </a:r>
           </a:p>
@@ -14486,15 +14586,15 @@
               <a:buChar char="•"/>
             </a:pPr>
             <a:r>
-              <a:rPr lang="en-US" dirty="0"/>
+              <a:rPr lang="en-US" sz="2000" dirty="0"/>
               <a:t>The </a:t>
             </a:r>
             <a:r>
-              <a:rPr lang="en-US" dirty="0" err="1"/>
+              <a:rPr lang="en-US" sz="2000" dirty="0" err="1"/>
               <a:t>zIndex</a:t>
             </a:r>
             <a:r>
-              <a:rPr lang="en-US" dirty="0"/>
+              <a:rPr lang="en-US" sz="2000" dirty="0"/>
               <a:t> is a property that controls the order in which elements are drawn to the screen</a:t>
             </a:r>
           </a:p>
@@ -14504,39 +14604,39 @@
               <a:buChar char="•"/>
             </a:pPr>
             <a:r>
-              <a:rPr lang="en-US" dirty="0"/>
+              <a:rPr lang="en-US" sz="2000" dirty="0"/>
               <a:t>Mouse coordinates can be accessed through the mouse event object using either the </a:t>
             </a:r>
             <a:r>
-              <a:rPr lang="en-US" dirty="0" err="1"/>
+              <a:rPr lang="en-US" sz="2000" dirty="0" err="1"/>
               <a:t>clientX</a:t>
             </a:r>
             <a:r>
-              <a:rPr lang="en-US" dirty="0"/>
+              <a:rPr lang="en-US" sz="2000" dirty="0"/>
               <a:t> and </a:t>
             </a:r>
             <a:r>
-              <a:rPr lang="en-US" dirty="0" err="1"/>
+              <a:rPr lang="en-US" sz="2000" dirty="0" err="1"/>
               <a:t>clientY</a:t>
             </a:r>
             <a:r>
-              <a:rPr lang="en-US" dirty="0"/>
+              <a:rPr lang="en-US" sz="2000" dirty="0"/>
               <a:t>, or </a:t>
             </a:r>
             <a:r>
-              <a:rPr lang="en-US" dirty="0" err="1"/>
+              <a:rPr lang="en-US" sz="2000" dirty="0" err="1"/>
               <a:t>screenX</a:t>
             </a:r>
             <a:r>
-              <a:rPr lang="en-US" dirty="0"/>
+              <a:rPr lang="en-US" sz="2000" dirty="0"/>
               <a:t> and </a:t>
             </a:r>
             <a:r>
-              <a:rPr lang="en-US" dirty="0" err="1"/>
+              <a:rPr lang="en-US" sz="2000" dirty="0" err="1"/>
               <a:t>screenY</a:t>
             </a:r>
             <a:r>
-              <a:rPr lang="en-US" dirty="0"/>
+              <a:rPr lang="en-US" sz="2000" dirty="0"/>
               <a:t> properties</a:t>
             </a:r>
           </a:p>
@@ -14546,7 +14646,7 @@
               <a:buChar char="•"/>
             </a:pPr>
             <a:r>
-              <a:rPr lang="en-US" dirty="0"/>
+              <a:rPr lang="en-US" sz="2000" dirty="0"/>
               <a:t>Drag and drop functionality can be implemented by dynamically adding and removing event handlers using the DOM 2 event model</a:t>
             </a:r>
           </a:p>
